--- a/RefactoringCpp.pptx
+++ b/RefactoringCpp.pptx
@@ -7,17 +7,19 @@
   <p:sldIdLst>
     <p:sldId id="256" r:id="rId2"/>
     <p:sldId id="257" r:id="rId3"/>
-    <p:sldId id="258" r:id="rId4"/>
-    <p:sldId id="259" r:id="rId5"/>
-    <p:sldId id="260" r:id="rId6"/>
-    <p:sldId id="261" r:id="rId7"/>
-    <p:sldId id="262" r:id="rId8"/>
-    <p:sldId id="263" r:id="rId9"/>
-    <p:sldId id="264" r:id="rId10"/>
-    <p:sldId id="265" r:id="rId11"/>
-    <p:sldId id="266" r:id="rId12"/>
-    <p:sldId id="267" r:id="rId13"/>
-    <p:sldId id="268" r:id="rId14"/>
+    <p:sldId id="270" r:id="rId4"/>
+    <p:sldId id="269" r:id="rId5"/>
+    <p:sldId id="259" r:id="rId6"/>
+    <p:sldId id="260" r:id="rId7"/>
+    <p:sldId id="261" r:id="rId8"/>
+    <p:sldId id="262" r:id="rId9"/>
+    <p:sldId id="263" r:id="rId10"/>
+    <p:sldId id="264" r:id="rId11"/>
+    <p:sldId id="265" r:id="rId12"/>
+    <p:sldId id="271" r:id="rId13"/>
+    <p:sldId id="266" r:id="rId14"/>
+    <p:sldId id="267" r:id="rId15"/>
+    <p:sldId id="268" r:id="rId16"/>
   </p:sldIdLst>
   <p:sldSz cx="9144000" cy="6858000" type="screen4x3"/>
   <p:notesSz cx="6858000" cy="9144000"/>
@@ -1576,42 +1578,7 @@
       </p:grpSpPr>
       <p:sp>
         <p:nvSpPr>
-          <p:cNvPr id="2" name="Titolo 1"/>
-          <p:cNvSpPr>
-            <a:spLocks noGrp="1"/>
-          </p:cNvSpPr>
-          <p:nvPr>
-            <p:ph type="title"/>
-          </p:nvPr>
-        </p:nvSpPr>
-        <p:spPr/>
-        <p:txBody>
-          <a:bodyPr/>
-          <a:lstStyle/>
-          <a:p>
-            <a:r>
-              <a:rPr lang="it-IT" dirty="0"/>
-              <a:t>Parte 2: </a:t>
-            </a:r>
-            <a:r>
-              <a:rPr lang="it-IT" dirty="0" err="1"/>
-              <a:t>Ownership</a:t>
-            </a:r>
-            <a:r>
-              <a:rPr lang="it-IT" dirty="0"/>
-              <a:t> &amp; </a:t>
-            </a:r>
-            <a:r>
-              <a:rPr lang="it-IT" dirty="0" err="1"/>
-              <a:t>Lifetime</a:t>
-            </a:r>
-            <a:endParaRPr lang="it-IT" dirty="0"/>
-          </a:p>
-        </p:txBody>
-      </p:sp>
-      <p:sp>
-        <p:nvSpPr>
-          <p:cNvPr id="6" name="Segnaposto contenuto 2"/>
+          <p:cNvPr id="3" name="Segnaposto contenuto 2"/>
           <p:cNvSpPr>
             <a:spLocks noGrp="1"/>
           </p:cNvSpPr>
@@ -1621,8 +1588,8 @@
         </p:nvSpPr>
         <p:spPr>
           <a:xfrm>
-            <a:off x="822960" y="1539242"/>
-            <a:ext cx="7856220" cy="4351337"/>
+            <a:off x="828384" y="1767215"/>
+            <a:ext cx="7787208" cy="3394914"/>
           </a:xfrm>
         </p:spPr>
         <p:txBody>
@@ -1631,186 +1598,177 @@
           </a:bodyPr>
           <a:lstStyle/>
           <a:p>
-            <a:pPr marL="0" indent="0" algn="ctr">
+            <a:pPr marL="0" indent="0">
+              <a:lnSpc>
+                <a:spcPct val="80000"/>
+              </a:lnSpc>
               <a:buNone/>
             </a:pPr>
-            <a:endParaRPr lang="it-IT" sz="3000" dirty="0">
-              <a:latin typeface="Consolas" panose="020B0609020204030204" pitchFamily="49" charset="0"/>
-              <a:cs typeface="Consolas" panose="020B0609020204030204" pitchFamily="49" charset="0"/>
+            <a:endParaRPr lang="en-US" sz="1050" dirty="0">
+              <a:solidFill>
+                <a:srgbClr val="0000FF"/>
+              </a:solidFill>
+              <a:latin typeface="Consolas"/>
             </a:endParaRPr>
           </a:p>
           <a:p>
             <a:pPr marL="0" indent="0">
+              <a:lnSpc>
+                <a:spcPct val="80000"/>
+              </a:lnSpc>
               <a:buNone/>
             </a:pPr>
             <a:r>
-              <a:rPr lang="en-US" dirty="0" err="1">
+              <a:rPr lang="en-US" sz="1800" dirty="0" err="1">
                 <a:solidFill>
                   <a:srgbClr val="0000FF"/>
                 </a:solidFill>
                 <a:latin typeface="Consolas"/>
               </a:rPr>
-              <a:t>unique_ptr</a:t>
-            </a:r>
-            <a:r>
-              <a:rPr lang="en-US" dirty="0">
+              <a:t>IWidget</a:t>
+            </a:r>
+            <a:r>
+              <a:rPr lang="en-US" sz="1800" dirty="0">
                 <a:solidFill>
                   <a:prstClr val="black"/>
                 </a:solidFill>
                 <a:latin typeface="Consolas"/>
               </a:rPr>
-              <a:t>&lt;</a:t>
-            </a:r>
-            <a:r>
-              <a:rPr lang="en-US" dirty="0" err="1">
+              <a:t>* </a:t>
+            </a:r>
+            <a:r>
+              <a:rPr lang="en-US" sz="1800" dirty="0" err="1">
+                <a:solidFill>
+                  <a:srgbClr val="880000"/>
+                </a:solidFill>
+                <a:latin typeface="Consolas"/>
+              </a:rPr>
+              <a:t>CreateWidget</a:t>
+            </a:r>
+            <a:r>
+              <a:rPr lang="en-US" sz="1800" dirty="0">
+                <a:solidFill>
+                  <a:prstClr val="black"/>
+                </a:solidFill>
+                <a:latin typeface="Consolas"/>
+              </a:rPr>
+              <a:t>()</a:t>
+            </a:r>
+          </a:p>
+          <a:p>
+            <a:pPr marL="0" indent="0">
+              <a:lnSpc>
+                <a:spcPct val="80000"/>
+              </a:lnSpc>
+              <a:buNone/>
+            </a:pPr>
+            <a:r>
+              <a:rPr lang="en-US" sz="1800" dirty="0">
+                <a:solidFill>
+                  <a:prstClr val="black"/>
+                </a:solidFill>
+                <a:latin typeface="Consolas"/>
+              </a:rPr>
+              <a:t>{</a:t>
+            </a:r>
+          </a:p>
+          <a:p>
+            <a:pPr marL="0" indent="0">
+              <a:lnSpc>
+                <a:spcPct val="80000"/>
+              </a:lnSpc>
+              <a:buNone/>
+            </a:pPr>
+            <a:r>
+              <a:rPr lang="en-US" sz="1800" dirty="0">
                 <a:solidFill>
                   <a:srgbClr val="0000FF"/>
                 </a:solidFill>
                 <a:latin typeface="Consolas"/>
               </a:rPr>
-              <a:t>IWidget</a:t>
-            </a:r>
-            <a:r>
-              <a:rPr lang="en-US" dirty="0">
+              <a:t>	return</a:t>
+            </a:r>
+            <a:r>
+              <a:rPr lang="en-US" sz="1800" dirty="0">
                 <a:solidFill>
                   <a:prstClr val="black"/>
                 </a:solidFill>
                 <a:latin typeface="Consolas"/>
               </a:rPr>
-              <a:t>&gt; </a:t>
-            </a:r>
-            <a:r>
-              <a:rPr lang="en-US" dirty="0" err="1">
-                <a:solidFill>
-                  <a:srgbClr val="880000"/>
-                </a:solidFill>
-                <a:latin typeface="Consolas"/>
-              </a:rPr>
-              <a:t>CreateWidget</a:t>
-            </a:r>
-            <a:r>
-              <a:rPr lang="en-US" dirty="0">
+              <a:t> </a:t>
+            </a:r>
+            <a:r>
+              <a:rPr lang="en-US" sz="1800" dirty="0">
+                <a:solidFill>
+                  <a:srgbClr val="0000FF"/>
+                </a:solidFill>
+                <a:latin typeface="Consolas"/>
+              </a:rPr>
+              <a:t>new</a:t>
+            </a:r>
+            <a:r>
+              <a:rPr lang="en-US" sz="1800" dirty="0">
                 <a:solidFill>
                   <a:prstClr val="black"/>
                 </a:solidFill>
                 <a:latin typeface="Consolas"/>
               </a:rPr>
-              <a:t>() {</a:t>
+              <a:t> </a:t>
+            </a:r>
+            <a:r>
+              <a:rPr lang="en-US" sz="1800" dirty="0">
+                <a:solidFill>
+                  <a:srgbClr val="0000FF"/>
+                </a:solidFill>
+                <a:latin typeface="Consolas"/>
+              </a:rPr>
+              <a:t>Widget</a:t>
+            </a:r>
+            <a:r>
+              <a:rPr lang="en-US" sz="1800" dirty="0">
+                <a:solidFill>
+                  <a:prstClr val="black"/>
+                </a:solidFill>
+                <a:latin typeface="Consolas"/>
+              </a:rPr>
+              <a:t>{800, 600, </a:t>
+            </a:r>
+            <a:r>
+              <a:rPr lang="en-US" sz="1800" dirty="0">
+                <a:solidFill>
+                  <a:srgbClr val="0000FF"/>
+                </a:solidFill>
+                <a:latin typeface="Consolas"/>
+              </a:rPr>
+              <a:t>true</a:t>
+            </a:r>
+            <a:r>
+              <a:rPr lang="en-US" sz="1800" dirty="0">
+                <a:solidFill>
+                  <a:prstClr val="black"/>
+                </a:solidFill>
+                <a:latin typeface="Consolas"/>
+              </a:rPr>
+              <a:t>};</a:t>
             </a:r>
           </a:p>
           <a:p>
             <a:pPr marL="0" indent="0">
+              <a:lnSpc>
+                <a:spcPct val="80000"/>
+              </a:lnSpc>
               <a:buNone/>
             </a:pPr>
             <a:r>
-              <a:rPr lang="en-US" dirty="0" smtClean="0">
-                <a:solidFill>
-                  <a:srgbClr val="0000FF"/>
-                </a:solidFill>
-                <a:latin typeface="Consolas"/>
-              </a:rPr>
-              <a:t>	return</a:t>
-            </a:r>
-            <a:r>
-              <a:rPr lang="en-US" dirty="0" smtClean="0">
+              <a:rPr lang="en-US" sz="1800" dirty="0" smtClean="0">
                 <a:solidFill>
                   <a:prstClr val="black"/>
                 </a:solidFill>
                 <a:latin typeface="Consolas"/>
               </a:rPr>
-              <a:t> </a:t>
-            </a:r>
-            <a:r>
-              <a:rPr lang="en-US" dirty="0" err="1">
-                <a:solidFill>
-                  <a:srgbClr val="0000FF"/>
-                </a:solidFill>
-                <a:latin typeface="Consolas"/>
-              </a:rPr>
-              <a:t>unique_ptr</a:t>
-            </a:r>
-            <a:r>
-              <a:rPr lang="en-US" dirty="0">
-                <a:solidFill>
-                  <a:prstClr val="black"/>
-                </a:solidFill>
-                <a:latin typeface="Consolas"/>
-              </a:rPr>
-              <a:t>&lt;</a:t>
-            </a:r>
-            <a:r>
-              <a:rPr lang="en-US" dirty="0" err="1">
-                <a:solidFill>
-                  <a:srgbClr val="0000FF"/>
-                </a:solidFill>
-                <a:latin typeface="Consolas"/>
-              </a:rPr>
-              <a:t>IWidget</a:t>
-            </a:r>
-            <a:r>
-              <a:rPr lang="en-US" dirty="0">
-                <a:solidFill>
-                  <a:prstClr val="black"/>
-                </a:solidFill>
-                <a:latin typeface="Consolas"/>
-              </a:rPr>
-              <a:t>&gt;{</a:t>
-            </a:r>
-            <a:r>
-              <a:rPr lang="en-US" dirty="0">
-                <a:solidFill>
-                  <a:srgbClr val="0000FF"/>
-                </a:solidFill>
-                <a:latin typeface="Consolas"/>
-              </a:rPr>
-              <a:t>new</a:t>
-            </a:r>
-            <a:r>
-              <a:rPr lang="en-US" dirty="0">
-                <a:solidFill>
-                  <a:prstClr val="black"/>
-                </a:solidFill>
-                <a:latin typeface="Consolas"/>
-              </a:rPr>
-              <a:t> </a:t>
-            </a:r>
-            <a:r>
-              <a:rPr lang="en-US" dirty="0" smtClean="0">
-                <a:solidFill>
-                  <a:srgbClr val="0000FF"/>
-                </a:solidFill>
-                <a:latin typeface="Consolas"/>
-              </a:rPr>
-              <a:t>Widget</a:t>
-            </a:r>
-            <a:r>
-              <a:rPr lang="en-US" dirty="0" smtClean="0">
-                <a:solidFill>
-                  <a:prstClr val="black"/>
-                </a:solidFill>
-                <a:latin typeface="Consolas"/>
-              </a:rPr>
-              <a:t>{800, 600, </a:t>
-            </a:r>
-            <a:r>
-              <a:rPr lang="en-US" sz="2100" dirty="0">
-                <a:solidFill>
-                  <a:srgbClr val="0000FF"/>
-                </a:solidFill>
-                <a:latin typeface="Consolas"/>
-              </a:rPr>
-              <a:t>true</a:t>
-            </a:r>
-            <a:r>
-              <a:rPr lang="en-US" dirty="0" smtClean="0">
-                <a:solidFill>
-                  <a:prstClr val="black"/>
-                </a:solidFill>
-                <a:latin typeface="Consolas"/>
-              </a:rPr>
-              <a:t>}};</a:t>
-            </a:r>
-            <a:endParaRPr lang="en-US" dirty="0">
+              <a:t>}</a:t>
+            </a:r>
+            <a:endParaRPr lang="en-US" sz="1800" dirty="0">
               <a:solidFill>
                 <a:prstClr val="black"/>
               </a:solidFill>
@@ -1819,72 +1777,12 @@
           </a:p>
           <a:p>
             <a:pPr marL="0" indent="0">
+              <a:lnSpc>
+                <a:spcPct val="80000"/>
+              </a:lnSpc>
               <a:buNone/>
             </a:pPr>
-            <a:r>
-              <a:rPr lang="en-US" dirty="0" smtClean="0">
-                <a:solidFill>
-                  <a:srgbClr val="008000"/>
-                </a:solidFill>
-                <a:latin typeface="Consolas"/>
-              </a:rPr>
-              <a:t>	// </a:t>
-            </a:r>
-            <a:r>
-              <a:rPr lang="en-US" b="1" dirty="0">
-                <a:solidFill>
-                  <a:srgbClr val="008000"/>
-                </a:solidFill>
-                <a:latin typeface="Consolas"/>
-              </a:rPr>
-              <a:t>C++14</a:t>
-            </a:r>
-            <a:r>
-              <a:rPr lang="en-US" dirty="0">
-                <a:solidFill>
-                  <a:srgbClr val="008000"/>
-                </a:solidFill>
-                <a:latin typeface="Consolas"/>
-              </a:rPr>
-              <a:t>: return </a:t>
-            </a:r>
-            <a:r>
-              <a:rPr lang="en-US" dirty="0" err="1">
-                <a:solidFill>
-                  <a:srgbClr val="008000"/>
-                </a:solidFill>
-                <a:latin typeface="Consolas"/>
-              </a:rPr>
-              <a:t>make_unique</a:t>
-            </a:r>
-            <a:r>
-              <a:rPr lang="en-US" dirty="0">
-                <a:solidFill>
-                  <a:srgbClr val="008000"/>
-                </a:solidFill>
-                <a:latin typeface="Consolas"/>
-              </a:rPr>
-              <a:t>&lt;</a:t>
-            </a:r>
-            <a:r>
-              <a:rPr lang="en-US" dirty="0" err="1">
-                <a:solidFill>
-                  <a:srgbClr val="008000"/>
-                </a:solidFill>
-                <a:latin typeface="Consolas"/>
-              </a:rPr>
-              <a:t>IWidget</a:t>
-            </a:r>
-            <a:r>
-              <a:rPr lang="en-US" dirty="0" smtClean="0">
-                <a:solidFill>
-                  <a:srgbClr val="008000"/>
-                </a:solidFill>
-                <a:latin typeface="Consolas"/>
-              </a:rPr>
-              <a:t>&gt;(800, 600, true);</a:t>
-            </a:r>
-            <a:endParaRPr lang="en-US" dirty="0">
+            <a:endParaRPr lang="en-US" sz="1800" dirty="0" smtClean="0">
               <a:solidFill>
                 <a:prstClr val="black"/>
               </a:solidFill>
@@ -1893,329 +1791,432 @@
           </a:p>
           <a:p>
             <a:pPr marL="0" indent="0">
+              <a:lnSpc>
+                <a:spcPct val="80000"/>
+              </a:lnSpc>
               <a:buNone/>
             </a:pPr>
-            <a:r>
-              <a:rPr lang="en-US" dirty="0">
-                <a:solidFill>
-                  <a:prstClr val="black"/>
-                </a:solidFill>
-                <a:latin typeface="Consolas"/>
-              </a:rPr>
-              <a:t>} </a:t>
-            </a:r>
-          </a:p>
-          <a:p>
-            <a:pPr marL="0" indent="0">
-              <a:buNone/>
-            </a:pPr>
-            <a:r>
-              <a:rPr lang="en-US" dirty="0">
-                <a:solidFill>
-                  <a:srgbClr val="0000FF"/>
-                </a:solidFill>
-                <a:latin typeface="Consolas"/>
-              </a:rPr>
-              <a:t>auto</a:t>
-            </a:r>
-            <a:r>
-              <a:rPr lang="en-US" dirty="0">
-                <a:solidFill>
-                  <a:prstClr val="black"/>
-                </a:solidFill>
-                <a:latin typeface="Consolas"/>
-              </a:rPr>
-              <a:t> </a:t>
-            </a:r>
-            <a:r>
-              <a:rPr lang="en-US" dirty="0">
-                <a:solidFill>
-                  <a:srgbClr val="000080"/>
-                </a:solidFill>
-                <a:latin typeface="Consolas"/>
-              </a:rPr>
-              <a:t>widget</a:t>
-            </a:r>
-            <a:r>
-              <a:rPr lang="en-US" dirty="0">
-                <a:solidFill>
-                  <a:prstClr val="black"/>
-                </a:solidFill>
-                <a:latin typeface="Consolas"/>
-              </a:rPr>
-              <a:t> = </a:t>
-            </a:r>
-            <a:r>
-              <a:rPr lang="en-US" dirty="0" err="1">
-                <a:solidFill>
-                  <a:srgbClr val="880000"/>
-                </a:solidFill>
-                <a:latin typeface="Consolas"/>
-              </a:rPr>
-              <a:t>CreateWidget</a:t>
-            </a:r>
-            <a:r>
-              <a:rPr lang="en-US" dirty="0">
-                <a:solidFill>
-                  <a:prstClr val="black"/>
-                </a:solidFill>
-                <a:latin typeface="Consolas"/>
-              </a:rPr>
-              <a:t>();</a:t>
-            </a:r>
-          </a:p>
-          <a:p>
-            <a:pPr marL="0" indent="0">
-              <a:buNone/>
-            </a:pPr>
-            <a:r>
-              <a:rPr lang="en-US" dirty="0">
-                <a:solidFill>
-                  <a:srgbClr val="000080"/>
-                </a:solidFill>
-                <a:latin typeface="Consolas"/>
-              </a:rPr>
-              <a:t>widget</a:t>
-            </a:r>
-            <a:r>
-              <a:rPr lang="en-US" dirty="0">
-                <a:solidFill>
-                  <a:prstClr val="black"/>
-                </a:solidFill>
-                <a:latin typeface="Consolas"/>
-              </a:rPr>
-              <a:t>-&gt;</a:t>
-            </a:r>
-            <a:r>
-              <a:rPr lang="en-US" sz="2100" dirty="0">
-                <a:solidFill>
-                  <a:srgbClr val="880000"/>
-                </a:solidFill>
-                <a:latin typeface="Consolas"/>
-              </a:rPr>
-              <a:t>draw</a:t>
-            </a:r>
-            <a:r>
-              <a:rPr lang="en-US" dirty="0">
-                <a:solidFill>
-                  <a:prstClr val="black"/>
-                </a:solidFill>
-                <a:latin typeface="Consolas"/>
-              </a:rPr>
-              <a:t>();</a:t>
-            </a:r>
-          </a:p>
-          <a:p>
-            <a:pPr marL="0" indent="0">
-              <a:buNone/>
-            </a:pPr>
-            <a:r>
-              <a:rPr lang="en-US" dirty="0">
-                <a:solidFill>
-                  <a:prstClr val="black"/>
-                </a:solidFill>
-                <a:latin typeface="Consolas"/>
-              </a:rPr>
-              <a:t>...</a:t>
-            </a:r>
-          </a:p>
-          <a:p>
-            <a:pPr marL="0" indent="0">
-              <a:buNone/>
-            </a:pPr>
-            <a:r>
-              <a:rPr lang="en-US" dirty="0">
-                <a:solidFill>
-                  <a:srgbClr val="0000FF"/>
-                </a:solidFill>
-                <a:latin typeface="Consolas"/>
-              </a:rPr>
-              <a:t>auto</a:t>
-            </a:r>
-            <a:r>
-              <a:rPr lang="en-US" dirty="0">
-                <a:solidFill>
-                  <a:prstClr val="black"/>
-                </a:solidFill>
-                <a:latin typeface="Consolas"/>
-              </a:rPr>
-              <a:t> </a:t>
-            </a:r>
-            <a:r>
-              <a:rPr lang="en-US" dirty="0" err="1">
-                <a:solidFill>
-                  <a:srgbClr val="000080"/>
-                </a:solidFill>
-                <a:latin typeface="Consolas"/>
-              </a:rPr>
-              <a:t>theSameWidget</a:t>
-            </a:r>
-            <a:r>
-              <a:rPr lang="en-US" dirty="0">
-                <a:solidFill>
-                  <a:prstClr val="black"/>
-                </a:solidFill>
-                <a:latin typeface="Consolas"/>
-              </a:rPr>
-              <a:t> </a:t>
-            </a:r>
-            <a:r>
-              <a:rPr lang="en-US" dirty="0" smtClean="0">
-                <a:solidFill>
-                  <a:prstClr val="black"/>
-                </a:solidFill>
-                <a:latin typeface="Consolas"/>
-              </a:rPr>
-              <a:t>= </a:t>
-            </a:r>
-            <a:r>
-              <a:rPr lang="en-US" dirty="0" err="1">
-                <a:solidFill>
-                  <a:srgbClr val="0000FF"/>
-                </a:solidFill>
-                <a:latin typeface="Consolas"/>
-              </a:rPr>
-              <a:t>std</a:t>
-            </a:r>
-            <a:r>
-              <a:rPr lang="en-US" dirty="0" smtClean="0">
-                <a:solidFill>
-                  <a:schemeClr val="tx1"/>
-                </a:solidFill>
-                <a:latin typeface="Consolas"/>
-              </a:rPr>
-              <a:t>::</a:t>
-            </a:r>
-            <a:r>
-              <a:rPr lang="en-US" dirty="0">
-                <a:solidFill>
-                  <a:srgbClr val="880000"/>
-                </a:solidFill>
-                <a:latin typeface="Consolas"/>
-              </a:rPr>
-              <a:t>move</a:t>
-            </a:r>
-            <a:r>
-              <a:rPr lang="en-US" dirty="0" smtClean="0">
-                <a:solidFill>
-                  <a:schemeClr val="tx1"/>
-                </a:solidFill>
-                <a:latin typeface="Consolas"/>
-              </a:rPr>
-              <a:t>(</a:t>
-            </a:r>
-            <a:r>
-              <a:rPr lang="en-US" dirty="0">
-                <a:solidFill>
-                  <a:srgbClr val="000080"/>
-                </a:solidFill>
-                <a:latin typeface="Consolas"/>
-              </a:rPr>
-              <a:t>widget</a:t>
-            </a:r>
-            <a:r>
-              <a:rPr lang="en-US" dirty="0" smtClean="0">
-                <a:solidFill>
-                  <a:schemeClr val="tx1"/>
-                </a:solidFill>
-                <a:latin typeface="Consolas"/>
-              </a:rPr>
-              <a:t>); </a:t>
-            </a:r>
-            <a:endParaRPr lang="en-US" dirty="0">
+            <a:endParaRPr lang="en-US" sz="1800" dirty="0">
               <a:solidFill>
-                <a:schemeClr val="tx1"/>
+                <a:prstClr val="black"/>
               </a:solidFill>
               <a:latin typeface="Consolas"/>
             </a:endParaRPr>
           </a:p>
           <a:p>
             <a:pPr marL="0" indent="0">
+              <a:lnSpc>
+                <a:spcPct val="80000"/>
+              </a:lnSpc>
               <a:buNone/>
             </a:pPr>
             <a:r>
-              <a:rPr lang="it-IT" dirty="0">
-                <a:solidFill>
-                  <a:srgbClr val="008000"/>
-                </a:solidFill>
-                <a:latin typeface="Consolas"/>
-              </a:rPr>
-              <a:t>// auto </a:t>
-            </a:r>
-            <a:r>
-              <a:rPr lang="it-IT" dirty="0" err="1" smtClean="0">
-                <a:solidFill>
-                  <a:srgbClr val="008000"/>
-                </a:solidFill>
-                <a:latin typeface="Consolas"/>
-              </a:rPr>
-              <a:t>wrong</a:t>
-            </a:r>
-            <a:r>
-              <a:rPr lang="it-IT" dirty="0" smtClean="0">
-                <a:solidFill>
-                  <a:srgbClr val="008000"/>
+              <a:rPr lang="en-US" sz="1800" dirty="0">
+                <a:solidFill>
+                  <a:srgbClr val="0000FF"/>
+                </a:solidFill>
+                <a:latin typeface="Consolas"/>
+              </a:rPr>
+              <a:t>auto</a:t>
+            </a:r>
+            <a:r>
+              <a:rPr lang="en-US" sz="1800" dirty="0">
+                <a:solidFill>
+                  <a:prstClr val="black"/>
                 </a:solidFill>
                 <a:latin typeface="Consolas"/>
               </a:rPr>
               <a:t> </a:t>
             </a:r>
             <a:r>
-              <a:rPr lang="it-IT" dirty="0">
-                <a:solidFill>
-                  <a:srgbClr val="008000"/>
-                </a:solidFill>
-                <a:latin typeface="Consolas"/>
-              </a:rPr>
-              <a:t>= </a:t>
-            </a:r>
-            <a:r>
-              <a:rPr lang="it-IT" dirty="0" err="1">
-                <a:solidFill>
-                  <a:srgbClr val="008000"/>
-                </a:solidFill>
-                <a:latin typeface="Consolas"/>
-              </a:rPr>
-              <a:t>widget</a:t>
-            </a:r>
-            <a:r>
-              <a:rPr lang="it-IT" dirty="0">
-                <a:solidFill>
-                  <a:srgbClr val="008000"/>
-                </a:solidFill>
-                <a:latin typeface="Consolas"/>
-              </a:rPr>
-              <a:t>; // errore, </a:t>
-            </a:r>
-            <a:r>
-              <a:rPr lang="it-IT" b="1" dirty="0">
-                <a:solidFill>
-                  <a:srgbClr val="008000"/>
-                </a:solidFill>
-                <a:latin typeface="Consolas"/>
-              </a:rPr>
-              <a:t>non è copiabile</a:t>
-            </a:r>
+              <a:rPr lang="en-US" sz="1800" dirty="0">
+                <a:solidFill>
+                  <a:srgbClr val="000080"/>
+                </a:solidFill>
+                <a:latin typeface="Consolas"/>
+              </a:rPr>
+              <a:t>w</a:t>
+            </a:r>
+            <a:r>
+              <a:rPr lang="en-US" sz="1800" dirty="0">
+                <a:solidFill>
+                  <a:prstClr val="black"/>
+                </a:solidFill>
+                <a:latin typeface="Consolas"/>
+              </a:rPr>
+              <a:t> = </a:t>
+            </a:r>
+            <a:r>
+              <a:rPr lang="en-US" sz="1800" dirty="0" err="1">
+                <a:solidFill>
+                  <a:srgbClr val="880000"/>
+                </a:solidFill>
+                <a:latin typeface="Consolas"/>
+              </a:rPr>
+              <a:t>CreateWidget</a:t>
+            </a:r>
+            <a:r>
+              <a:rPr lang="en-US" sz="1800" dirty="0">
+                <a:solidFill>
+                  <a:prstClr val="black"/>
+                </a:solidFill>
+                <a:latin typeface="Consolas"/>
+              </a:rPr>
+              <a:t>();</a:t>
+            </a:r>
+          </a:p>
+          <a:p>
+            <a:pPr marL="0" indent="0">
+              <a:lnSpc>
+                <a:spcPct val="80000"/>
+              </a:lnSpc>
+              <a:buNone/>
+            </a:pPr>
+            <a:r>
+              <a:rPr lang="en-US" sz="1800" dirty="0">
+                <a:solidFill>
+                  <a:srgbClr val="000080"/>
+                </a:solidFill>
+                <a:latin typeface="Consolas"/>
+              </a:rPr>
+              <a:t>w</a:t>
+            </a:r>
+            <a:r>
+              <a:rPr lang="en-US" sz="1800" dirty="0">
+                <a:solidFill>
+                  <a:prstClr val="black"/>
+                </a:solidFill>
+                <a:latin typeface="Consolas"/>
+              </a:rPr>
+              <a:t>-&gt;</a:t>
+            </a:r>
+            <a:r>
+              <a:rPr lang="en-US" sz="1800" dirty="0">
+                <a:solidFill>
+                  <a:srgbClr val="880000"/>
+                </a:solidFill>
+                <a:latin typeface="Consolas"/>
+              </a:rPr>
+              <a:t>Draw</a:t>
+            </a:r>
+            <a:r>
+              <a:rPr lang="en-US" sz="1800" dirty="0">
+                <a:solidFill>
+                  <a:prstClr val="black"/>
+                </a:solidFill>
+                <a:latin typeface="Consolas"/>
+              </a:rPr>
+              <a:t>();</a:t>
+            </a:r>
+          </a:p>
+          <a:p>
+            <a:pPr marL="0" indent="0">
+              <a:lnSpc>
+                <a:spcPct val="80000"/>
+              </a:lnSpc>
+              <a:buNone/>
+            </a:pPr>
+            <a:r>
+              <a:rPr lang="en-US" sz="1800" dirty="0">
+                <a:solidFill>
+                  <a:srgbClr val="0000FF"/>
+                </a:solidFill>
+                <a:latin typeface="Consolas"/>
+              </a:rPr>
+              <a:t>delete</a:t>
+            </a:r>
+            <a:r>
+              <a:rPr lang="en-US" sz="1800" dirty="0">
+                <a:solidFill>
+                  <a:prstClr val="black"/>
+                </a:solidFill>
+                <a:latin typeface="Consolas"/>
+              </a:rPr>
+              <a:t> </a:t>
+            </a:r>
+            <a:r>
+              <a:rPr lang="en-US" sz="1800" dirty="0">
+                <a:solidFill>
+                  <a:srgbClr val="000080"/>
+                </a:solidFill>
+                <a:latin typeface="Consolas"/>
+              </a:rPr>
+              <a:t>w</a:t>
+            </a:r>
+            <a:r>
+              <a:rPr lang="en-US" sz="1800" dirty="0">
+                <a:solidFill>
+                  <a:prstClr val="black"/>
+                </a:solidFill>
+                <a:latin typeface="Consolas"/>
+              </a:rPr>
+              <a:t>;</a:t>
+            </a:r>
+          </a:p>
+        </p:txBody>
+      </p:sp>
+      <p:sp>
+        <p:nvSpPr>
+          <p:cNvPr id="4" name="Rettangolo arrotondato 3"/>
+          <p:cNvSpPr/>
+          <p:nvPr/>
+        </p:nvSpPr>
+        <p:spPr>
+          <a:xfrm>
+            <a:off x="807720" y="4540414"/>
+            <a:ext cx="1223826" cy="324078"/>
+          </a:xfrm>
+          <a:prstGeom prst="roundRect">
+            <a:avLst/>
+          </a:prstGeom>
+          <a:solidFill>
+            <a:schemeClr val="accent6">
+              <a:alpha val="70000"/>
+            </a:schemeClr>
+          </a:solidFill>
+          <a:ln>
+            <a:solidFill>
+              <a:schemeClr val="accent6"/>
+            </a:solidFill>
+          </a:ln>
+        </p:spPr>
+        <p:style>
+          <a:lnRef idx="2">
+            <a:schemeClr val="accent1">
+              <a:shade val="50000"/>
+            </a:schemeClr>
+          </a:lnRef>
+          <a:fillRef idx="1">
+            <a:schemeClr val="accent1"/>
+          </a:fillRef>
+          <a:effectRef idx="0">
+            <a:schemeClr val="accent1"/>
+          </a:effectRef>
+          <a:fontRef idx="minor">
+            <a:schemeClr val="lt1"/>
+          </a:fontRef>
+        </p:style>
+        <p:txBody>
+          <a:bodyPr rtlCol="0" anchor="ctr"/>
+          <a:lstStyle/>
+          <a:p>
+            <a:pPr algn="ctr"/>
+            <a:endParaRPr lang="it-IT" sz="1350" dirty="0">
+              <a:latin typeface="Consolas" panose="020B0609020204030204" pitchFamily="49" charset="0"/>
+              <a:cs typeface="Consolas" panose="020B0609020204030204" pitchFamily="49" charset="0"/>
+            </a:endParaRPr>
+          </a:p>
+        </p:txBody>
+      </p:sp>
+      <p:sp>
+        <p:nvSpPr>
+          <p:cNvPr id="5" name="Rectangular Callout 4"/>
+          <p:cNvSpPr/>
+          <p:nvPr/>
+        </p:nvSpPr>
+        <p:spPr>
+          <a:xfrm>
+            <a:off x="3613837" y="4376901"/>
+            <a:ext cx="4320480" cy="486117"/>
+          </a:xfrm>
+          <a:prstGeom prst="wedgeRectCallout">
+            <a:avLst>
+              <a:gd name="adj1" fmla="val -84184"/>
+              <a:gd name="adj2" fmla="val -38326"/>
+            </a:avLst>
+          </a:prstGeom>
+          <a:solidFill>
+            <a:schemeClr val="accent6">
+              <a:lumMod val="60000"/>
+              <a:lumOff val="40000"/>
+            </a:schemeClr>
+          </a:solidFill>
+          <a:ln>
+            <a:solidFill>
+              <a:schemeClr val="accent6"/>
+            </a:solidFill>
+          </a:ln>
+        </p:spPr>
+        <p:style>
+          <a:lnRef idx="2">
+            <a:schemeClr val="accent1">
+              <a:shade val="50000"/>
+            </a:schemeClr>
+          </a:lnRef>
+          <a:fillRef idx="1">
+            <a:schemeClr val="accent1"/>
+          </a:fillRef>
+          <a:effectRef idx="0">
+            <a:schemeClr val="accent1"/>
+          </a:effectRef>
+          <a:fontRef idx="minor">
+            <a:schemeClr val="lt1"/>
+          </a:fontRef>
+        </p:style>
+        <p:txBody>
+          <a:bodyPr rtlCol="0" anchor="ctr"/>
+          <a:lstStyle/>
+          <a:p>
+            <a:pPr algn="ctr"/>
+            <a:r>
+              <a:rPr lang="it-IT" sz="2700" i="1" dirty="0" err="1">
+                <a:latin typeface="Consolas" pitchFamily="49" charset="0"/>
+                <a:cs typeface="Consolas" pitchFamily="49" charset="0"/>
+              </a:rPr>
+              <a:t>throw</a:t>
+            </a:r>
+            <a:r>
+              <a:rPr lang="it-IT" sz="2700" i="1" dirty="0">
+                <a:latin typeface="Consolas" pitchFamily="49" charset="0"/>
+                <a:cs typeface="Consolas" pitchFamily="49" charset="0"/>
+              </a:rPr>
+              <a:t> </a:t>
+            </a:r>
+            <a:r>
+              <a:rPr lang="it-IT" sz="2700" i="1" dirty="0" err="1">
+                <a:latin typeface="Consolas" pitchFamily="49" charset="0"/>
+                <a:cs typeface="Consolas" pitchFamily="49" charset="0"/>
+              </a:rPr>
+              <a:t>exception</a:t>
+            </a:r>
+            <a:endParaRPr lang="en-US" sz="2700" i="1" dirty="0">
+              <a:latin typeface="Consolas" pitchFamily="49" charset="0"/>
+              <a:cs typeface="Consolas" pitchFamily="49" charset="0"/>
+            </a:endParaRPr>
+          </a:p>
+        </p:txBody>
+      </p:sp>
+      <p:sp>
+        <p:nvSpPr>
+          <p:cNvPr id="2" name="Segnaposto numero diapositiva 1"/>
+          <p:cNvSpPr>
+            <a:spLocks noGrp="1"/>
+          </p:cNvSpPr>
+          <p:nvPr>
+            <p:ph type="sldNum" sz="quarter" idx="4294967295"/>
+          </p:nvPr>
+        </p:nvSpPr>
+        <p:spPr>
+          <a:xfrm>
+            <a:off x="8469631" y="5486670"/>
+            <a:ext cx="685800" cy="445352"/>
+          </a:xfrm>
+          <a:prstGeom prst="rect">
+            <a:avLst/>
+          </a:prstGeom>
+        </p:spPr>
+        <p:txBody>
+          <a:bodyPr>
+            <a:normAutofit/>
+          </a:bodyPr>
+          <a:lstStyle/>
+          <a:p>
+            <a:fld id="{95B9100B-4586-474A-AE22-A4912B7A6282}" type="slidenum">
+              <a:rPr lang="it-IT" smtClean="0"/>
+              <a:t>10</a:t>
+            </a:fld>
+            <a:endParaRPr lang="it-IT"/>
+          </a:p>
+        </p:txBody>
+      </p:sp>
+      <p:pic>
+        <p:nvPicPr>
+          <p:cNvPr id="8" name="Picture 4" descr="http://1.bp.blogspot.com/-pxLDcW71ugw/UA3_vzn79YI/AAAAAAAABGM/zGXqKmhNfnY/s1600/tumblr_m6x6baGOYs1rugtvpo1_250.gif"/>
+          <p:cNvPicPr>
+            <a:picLocks noChangeAspect="1" noChangeArrowheads="1" noCrop="1"/>
+          </p:cNvPicPr>
+          <p:nvPr/>
+        </p:nvPicPr>
+        <p:blipFill>
+          <a:blip r:embed="rId2">
+            <a:extLst>
+              <a:ext uri="{28A0092B-C50C-407E-A947-70E740481C1C}">
+                <a14:useLocalDpi xmlns:a14="http://schemas.microsoft.com/office/drawing/2010/main" val="0"/>
+              </a:ext>
+            </a:extLst>
+          </a:blip>
+          <a:srcRect/>
+          <a:stretch>
+            <a:fillRect/>
+          </a:stretch>
+        </p:blipFill>
+        <p:spPr bwMode="auto">
+          <a:xfrm>
+            <a:off x="5774077" y="1933207"/>
+            <a:ext cx="2303692" cy="1824149"/>
+          </a:xfrm>
+          <a:prstGeom prst="rect">
+            <a:avLst/>
+          </a:prstGeom>
+          <a:noFill/>
+          <a:extLst>
+            <a:ext uri="{909E8E84-426E-40DD-AFC4-6F175D3DCCD1}">
+              <a14:hiddenFill xmlns:a14="http://schemas.microsoft.com/office/drawing/2010/main">
+                <a:solidFill>
+                  <a:srgbClr val="FFFFFF"/>
+                </a:solidFill>
+              </a14:hiddenFill>
+            </a:ext>
+          </a:extLst>
+        </p:spPr>
+      </p:pic>
+      <p:sp>
+        <p:nvSpPr>
+          <p:cNvPr id="9" name="Titolo 1"/>
+          <p:cNvSpPr>
+            <a:spLocks noGrp="1"/>
+          </p:cNvSpPr>
+          <p:nvPr>
+            <p:ph type="title"/>
+          </p:nvPr>
+        </p:nvSpPr>
+        <p:spPr>
+          <a:xfrm>
+            <a:off x="822960" y="135178"/>
+            <a:ext cx="7543800" cy="1048247"/>
+          </a:xfrm>
+        </p:spPr>
+        <p:txBody>
+          <a:bodyPr/>
+          <a:lstStyle/>
+          <a:p>
+            <a:r>
+              <a:rPr lang="it-IT" dirty="0"/>
+              <a:t>Parte 2: </a:t>
+            </a:r>
+            <a:r>
+              <a:rPr lang="it-IT" dirty="0" err="1"/>
+              <a:t>Ownership</a:t>
+            </a:r>
+            <a:r>
+              <a:rPr lang="it-IT" dirty="0"/>
+              <a:t> &amp; </a:t>
+            </a:r>
+            <a:r>
+              <a:rPr lang="it-IT" dirty="0" err="1"/>
+              <a:t>Lifetime</a:t>
+            </a:r>
+            <a:endParaRPr lang="it-IT" dirty="0"/>
           </a:p>
         </p:txBody>
       </p:sp>
     </p:spTree>
     <p:extLst>
       <p:ext uri="{BB962C8B-B14F-4D97-AF65-F5344CB8AC3E}">
-        <p14:creationId xmlns:p14="http://schemas.microsoft.com/office/powerpoint/2010/main" val="4187590698"/>
+        <p14:creationId xmlns:p14="http://schemas.microsoft.com/office/powerpoint/2010/main" val="947650000"/>
       </p:ext>
     </p:extLst>
   </p:cSld>
   <p:clrMapOvr>
     <a:masterClrMapping/>
   </p:clrMapOvr>
-  <mc:AlternateContent xmlns:mc="http://schemas.openxmlformats.org/markup-compatibility/2006">
-    <mc:Choice xmlns:p14="http://schemas.microsoft.com/office/powerpoint/2010/main" Requires="p14">
-      <p:transition spd="slow" p14:dur="3400">
-        <p14:reveal/>
+  <mc:AlternateContent xmlns:mc="http://schemas.openxmlformats.org/markup-compatibility/2006" xmlns:p14="http://schemas.microsoft.com/office/powerpoint/2010/main">
+    <mc:Choice Requires="p14">
+      <p:transition spd="slow" p14:dur="2000">
+        <p14:prism isContent="1"/>
       </p:transition>
     </mc:Choice>
-    <mc:Fallback>
+    <mc:Fallback xmlns="">
       <p:transition spd="slow">
         <p:fade/>
       </p:transition>
@@ -2224,9 +2225,214 @@
   <p:timing>
     <p:tnLst>
       <p:par>
-        <p:cTn id="1" dur="indefinite" restart="never" nodeType="tmRoot"/>
+        <p:cTn id="1" dur="indefinite" restart="never" nodeType="tmRoot">
+          <p:childTnLst>
+            <p:seq concurrent="1" nextAc="seek">
+              <p:cTn id="2" dur="indefinite" nodeType="mainSeq">
+                <p:childTnLst>
+                  <p:par>
+                    <p:cTn id="3" fill="hold">
+                      <p:stCondLst>
+                        <p:cond delay="indefinite"/>
+                      </p:stCondLst>
+                      <p:childTnLst>
+                        <p:par>
+                          <p:cTn id="4" fill="hold">
+                            <p:stCondLst>
+                              <p:cond delay="0"/>
+                            </p:stCondLst>
+                            <p:childTnLst>
+                              <p:par>
+                                <p:cTn id="5" presetID="1" presetClass="entr" presetSubtype="0" fill="hold" grpId="0" nodeType="clickEffect">
+                                  <p:stCondLst>
+                                    <p:cond delay="0"/>
+                                  </p:stCondLst>
+                                  <p:childTnLst>
+                                    <p:set>
+                                      <p:cBhvr>
+                                        <p:cTn id="6" dur="1" fill="hold">
+                                          <p:stCondLst>
+                                            <p:cond delay="0"/>
+                                          </p:stCondLst>
+                                        </p:cTn>
+                                        <p:tgtEl>
+                                          <p:spTgt spid="5"/>
+                                        </p:tgtEl>
+                                        <p:attrNameLst>
+                                          <p:attrName>style.visibility</p:attrName>
+                                        </p:attrNameLst>
+                                      </p:cBhvr>
+                                      <p:to>
+                                        <p:strVal val="visible"/>
+                                      </p:to>
+                                    </p:set>
+                                  </p:childTnLst>
+                                </p:cTn>
+                              </p:par>
+                            </p:childTnLst>
+                          </p:cTn>
+                        </p:par>
+                        <p:par>
+                          <p:cTn id="7" fill="hold">
+                            <p:stCondLst>
+                              <p:cond delay="0"/>
+                            </p:stCondLst>
+                            <p:childTnLst>
+                              <p:par>
+                                <p:cTn id="8" presetID="10" presetClass="entr" presetSubtype="0" fill="hold" grpId="0" nodeType="afterEffect">
+                                  <p:stCondLst>
+                                    <p:cond delay="0"/>
+                                  </p:stCondLst>
+                                  <p:childTnLst>
+                                    <p:set>
+                                      <p:cBhvr>
+                                        <p:cTn id="9" dur="1" fill="hold">
+                                          <p:stCondLst>
+                                            <p:cond delay="0"/>
+                                          </p:stCondLst>
+                                        </p:cTn>
+                                        <p:tgtEl>
+                                          <p:spTgt spid="4"/>
+                                        </p:tgtEl>
+                                        <p:attrNameLst>
+                                          <p:attrName>style.visibility</p:attrName>
+                                        </p:attrNameLst>
+                                      </p:cBhvr>
+                                      <p:to>
+                                        <p:strVal val="visible"/>
+                                      </p:to>
+                                    </p:set>
+                                    <p:animEffect transition="in" filter="fade">
+                                      <p:cBhvr>
+                                        <p:cTn id="10" dur="500"/>
+                                        <p:tgtEl>
+                                          <p:spTgt spid="4"/>
+                                        </p:tgtEl>
+                                      </p:cBhvr>
+                                    </p:animEffect>
+                                  </p:childTnLst>
+                                </p:cTn>
+                              </p:par>
+                            </p:childTnLst>
+                          </p:cTn>
+                        </p:par>
+                      </p:childTnLst>
+                    </p:cTn>
+                  </p:par>
+                  <p:par>
+                    <p:cTn id="11" fill="hold">
+                      <p:stCondLst>
+                        <p:cond delay="indefinite"/>
+                      </p:stCondLst>
+                      <p:childTnLst>
+                        <p:par>
+                          <p:cTn id="12" fill="hold">
+                            <p:stCondLst>
+                              <p:cond delay="0"/>
+                            </p:stCondLst>
+                            <p:childTnLst>
+                              <p:par>
+                                <p:cTn id="13" presetID="10" presetClass="entr" presetSubtype="0" fill="hold" nodeType="clickEffect">
+                                  <p:stCondLst>
+                                    <p:cond delay="0"/>
+                                  </p:stCondLst>
+                                  <p:childTnLst>
+                                    <p:set>
+                                      <p:cBhvr>
+                                        <p:cTn id="14" dur="1" fill="hold">
+                                          <p:stCondLst>
+                                            <p:cond delay="0"/>
+                                          </p:stCondLst>
+                                        </p:cTn>
+                                        <p:tgtEl>
+                                          <p:spTgt spid="8"/>
+                                        </p:tgtEl>
+                                        <p:attrNameLst>
+                                          <p:attrName>style.visibility</p:attrName>
+                                        </p:attrNameLst>
+                                      </p:cBhvr>
+                                      <p:to>
+                                        <p:strVal val="visible"/>
+                                      </p:to>
+                                    </p:set>
+                                    <p:animEffect transition="in" filter="fade">
+                                      <p:cBhvr>
+                                        <p:cTn id="15" dur="500"/>
+                                        <p:tgtEl>
+                                          <p:spTgt spid="8"/>
+                                        </p:tgtEl>
+                                      </p:cBhvr>
+                                    </p:animEffect>
+                                  </p:childTnLst>
+                                </p:cTn>
+                              </p:par>
+                              <p:par>
+                                <p:cTn id="16" presetID="10" presetClass="exit" presetSubtype="0" fill="hold" grpId="1" nodeType="withEffect">
+                                  <p:stCondLst>
+                                    <p:cond delay="0"/>
+                                  </p:stCondLst>
+                                  <p:childTnLst>
+                                    <p:animEffect transition="out" filter="fade">
+                                      <p:cBhvr>
+                                        <p:cTn id="17" dur="500"/>
+                                        <p:tgtEl>
+                                          <p:spTgt spid="5"/>
+                                        </p:tgtEl>
+                                      </p:cBhvr>
+                                    </p:animEffect>
+                                    <p:set>
+                                      <p:cBhvr>
+                                        <p:cTn id="18" dur="1" fill="hold">
+                                          <p:stCondLst>
+                                            <p:cond delay="499"/>
+                                          </p:stCondLst>
+                                        </p:cTn>
+                                        <p:tgtEl>
+                                          <p:spTgt spid="5"/>
+                                        </p:tgtEl>
+                                        <p:attrNameLst>
+                                          <p:attrName>style.visibility</p:attrName>
+                                        </p:attrNameLst>
+                                      </p:cBhvr>
+                                      <p:to>
+                                        <p:strVal val="hidden"/>
+                                      </p:to>
+                                    </p:set>
+                                  </p:childTnLst>
+                                </p:cTn>
+                              </p:par>
+                            </p:childTnLst>
+                          </p:cTn>
+                        </p:par>
+                      </p:childTnLst>
+                    </p:cTn>
+                  </p:par>
+                </p:childTnLst>
+              </p:cTn>
+              <p:prevCondLst>
+                <p:cond evt="onPrev" delay="0">
+                  <p:tgtEl>
+                    <p:sldTgt/>
+                  </p:tgtEl>
+                </p:cond>
+              </p:prevCondLst>
+              <p:nextCondLst>
+                <p:cond evt="onNext" delay="0">
+                  <p:tgtEl>
+                    <p:sldTgt/>
+                  </p:tgtEl>
+                </p:cond>
+              </p:nextCondLst>
+            </p:seq>
+          </p:childTnLst>
+        </p:cTn>
       </p:par>
     </p:tnLst>
+    <p:bldLst>
+      <p:bldP spid="4" grpId="0" animBg="1"/>
+      <p:bldP spid="5" grpId="0" animBg="1"/>
+      <p:bldP spid="5" grpId="1" animBg="1"/>
+    </p:bldLst>
   </p:timing>
 </p:sld>
 </file>
@@ -2264,12 +2470,20 @@
           <a:lstStyle/>
           <a:p>
             <a:r>
-              <a:rPr lang="it-IT" dirty="0" err="1" smtClean="0"/>
-              <a:t>Retrospective</a:t>
-            </a:r>
-            <a:r>
-              <a:rPr lang="it-IT" dirty="0" smtClean="0"/>
-              <a:t> 2</a:t>
+              <a:rPr lang="it-IT" dirty="0"/>
+              <a:t>Parte 2: </a:t>
+            </a:r>
+            <a:r>
+              <a:rPr lang="it-IT" dirty="0" err="1"/>
+              <a:t>Ownership</a:t>
+            </a:r>
+            <a:r>
+              <a:rPr lang="it-IT" dirty="0"/>
+              <a:t> &amp; </a:t>
+            </a:r>
+            <a:r>
+              <a:rPr lang="it-IT" dirty="0" err="1"/>
+              <a:t>Lifetime</a:t>
             </a:r>
             <a:endParaRPr lang="it-IT" dirty="0"/>
           </a:p>
@@ -2277,7 +2491,7 @@
       </p:sp>
       <p:sp>
         <p:nvSpPr>
-          <p:cNvPr id="3" name="Segnaposto contenuto 2"/>
+          <p:cNvPr id="6" name="Segnaposto contenuto 2"/>
           <p:cNvSpPr>
             <a:spLocks noGrp="1"/>
           </p:cNvSpPr>
@@ -2287,58 +2501,81 @@
         </p:nvSpPr>
         <p:spPr>
           <a:xfrm>
-            <a:off x="822960" y="1335203"/>
-            <a:ext cx="8016240" cy="4926121"/>
+            <a:off x="822960" y="1539242"/>
+            <a:ext cx="7856220" cy="4351337"/>
           </a:xfrm>
         </p:spPr>
         <p:txBody>
-          <a:bodyPr/>
+          <a:bodyPr>
+            <a:normAutofit/>
+          </a:bodyPr>
           <a:lstStyle/>
           <a:p>
-            <a:pPr marL="0" indent="0">
+            <a:pPr marL="0" indent="0" algn="ctr">
               <a:buNone/>
             </a:pPr>
-            <a:endParaRPr lang="it-IT" dirty="0" smtClean="0">
+            <a:endParaRPr lang="it-IT" sz="3000" dirty="0">
               <a:latin typeface="Consolas" panose="020B0609020204030204" pitchFamily="49" charset="0"/>
               <a:cs typeface="Consolas" panose="020B0609020204030204" pitchFamily="49" charset="0"/>
             </a:endParaRPr>
           </a:p>
           <a:p>
-            <a:pPr>
-              <a:buFont typeface="Arial" panose="020B0604020202020204" pitchFamily="34" charset="0"/>
-              <a:buChar char="•"/>
-            </a:pPr>
-            <a:r>
-              <a:rPr lang="it-IT" sz="2000" dirty="0" smtClean="0">
-                <a:cs typeface="Consolas" panose="020B0609020204030204" pitchFamily="49" charset="0"/>
-              </a:rPr>
-              <a:t>Qui gestiamo a mano la memoria:</a:t>
-            </a:r>
-          </a:p>
-          <a:p>
             <a:pPr marL="0" indent="0">
               <a:buNone/>
             </a:pPr>
             <a:r>
+              <a:rPr lang="en-US" dirty="0" err="1">
+                <a:solidFill>
+                  <a:srgbClr val="0000FF"/>
+                </a:solidFill>
+                <a:latin typeface="Consolas"/>
+              </a:rPr>
+              <a:t>unique_ptr</a:t>
+            </a:r>
+            <a:r>
               <a:rPr lang="en-US" dirty="0">
-                <a:latin typeface="Consolas" panose="020B0609020204030204" pitchFamily="49" charset="0"/>
-                <a:cs typeface="Consolas" panose="020B0609020204030204" pitchFamily="49" charset="0"/>
-              </a:rPr>
-              <a:t>unsigned short* ranks = new unsigned short[</a:t>
+                <a:solidFill>
+                  <a:prstClr val="black"/>
+                </a:solidFill>
+                <a:latin typeface="Consolas"/>
+              </a:rPr>
+              <a:t>&lt;</a:t>
             </a:r>
             <a:r>
               <a:rPr lang="en-US" dirty="0" err="1">
-                <a:latin typeface="Consolas" panose="020B0609020204030204" pitchFamily="49" charset="0"/>
-                <a:cs typeface="Consolas" panose="020B0609020204030204" pitchFamily="49" charset="0"/>
-              </a:rPr>
-              <a:t>maxDiceValue</a:t>
+                <a:solidFill>
+                  <a:srgbClr val="0000FF"/>
+                </a:solidFill>
+                <a:latin typeface="Consolas"/>
+              </a:rPr>
+              <a:t>IWidget</a:t>
             </a:r>
             <a:r>
               <a:rPr lang="en-US" dirty="0">
-                <a:latin typeface="Consolas" panose="020B0609020204030204" pitchFamily="49" charset="0"/>
-                <a:cs typeface="Consolas" panose="020B0609020204030204" pitchFamily="49" charset="0"/>
-              </a:rPr>
-              <a:t>];</a:t>
+                <a:solidFill>
+                  <a:prstClr val="black"/>
+                </a:solidFill>
+                <a:latin typeface="Consolas"/>
+              </a:rPr>
+              <a:t>&gt; </a:t>
+            </a:r>
+            <a:r>
+              <a:rPr lang="en-US" dirty="0" err="1">
+                <a:solidFill>
+                  <a:srgbClr val="880000"/>
+                </a:solidFill>
+                <a:latin typeface="Consolas"/>
+              </a:rPr>
+              <a:t>CreateWidget</a:t>
+            </a:r>
+            <a:r>
+              <a:rPr lang="en-US" dirty="0">
+                <a:solidFill>
+                  <a:prstClr val="black"/>
+                </a:solidFill>
+                <a:latin typeface="Consolas"/>
+              </a:rPr>
+              <a:t>() {</a:t>
             </a:r>
           </a:p>
           <a:p>
@@ -2346,34 +2583,192 @@
               <a:buNone/>
             </a:pPr>
             <a:r>
+              <a:rPr lang="en-US" dirty="0" smtClean="0">
+                <a:solidFill>
+                  <a:srgbClr val="0000FF"/>
+                </a:solidFill>
+                <a:latin typeface="Consolas"/>
+              </a:rPr>
+              <a:t>	return</a:t>
+            </a:r>
+            <a:r>
+              <a:rPr lang="en-US" dirty="0" smtClean="0">
+                <a:solidFill>
+                  <a:prstClr val="black"/>
+                </a:solidFill>
+                <a:latin typeface="Consolas"/>
+              </a:rPr>
+              <a:t> </a:t>
+            </a:r>
+            <a:r>
               <a:rPr lang="en-US" dirty="0" err="1">
-                <a:latin typeface="Consolas" panose="020B0609020204030204" pitchFamily="49" charset="0"/>
-                <a:cs typeface="Consolas" panose="020B0609020204030204" pitchFamily="49" charset="0"/>
-              </a:rPr>
-              <a:t>CalculateRanks</a:t>
+                <a:solidFill>
+                  <a:srgbClr val="0000FF"/>
+                </a:solidFill>
+                <a:latin typeface="Consolas"/>
+              </a:rPr>
+              <a:t>unique_ptr</a:t>
             </a:r>
             <a:r>
               <a:rPr lang="en-US" dirty="0">
-                <a:latin typeface="Consolas" panose="020B0609020204030204" pitchFamily="49" charset="0"/>
-                <a:cs typeface="Consolas" panose="020B0609020204030204" pitchFamily="49" charset="0"/>
-              </a:rPr>
-              <a:t>(dice, ranks</a:t>
+                <a:solidFill>
+                  <a:prstClr val="black"/>
+                </a:solidFill>
+                <a:latin typeface="Consolas"/>
+              </a:rPr>
+              <a:t>&lt;</a:t>
+            </a:r>
+            <a:r>
+              <a:rPr lang="en-US" dirty="0" err="1">
+                <a:solidFill>
+                  <a:srgbClr val="0000FF"/>
+                </a:solidFill>
+                <a:latin typeface="Consolas"/>
+              </a:rPr>
+              <a:t>IWidget</a:t>
+            </a:r>
+            <a:r>
+              <a:rPr lang="en-US" dirty="0">
+                <a:solidFill>
+                  <a:prstClr val="black"/>
+                </a:solidFill>
+                <a:latin typeface="Consolas"/>
+              </a:rPr>
+              <a:t>&gt;{</a:t>
+            </a:r>
+            <a:r>
+              <a:rPr lang="en-US" dirty="0">
+                <a:solidFill>
+                  <a:srgbClr val="0000FF"/>
+                </a:solidFill>
+                <a:latin typeface="Consolas"/>
+              </a:rPr>
+              <a:t>new</a:t>
+            </a:r>
+            <a:r>
+              <a:rPr lang="en-US" dirty="0">
+                <a:solidFill>
+                  <a:prstClr val="black"/>
+                </a:solidFill>
+                <a:latin typeface="Consolas"/>
+              </a:rPr>
+              <a:t> </a:t>
             </a:r>
             <a:r>
               <a:rPr lang="en-US" dirty="0" smtClean="0">
-                <a:latin typeface="Consolas" panose="020B0609020204030204" pitchFamily="49" charset="0"/>
-                <a:cs typeface="Consolas" panose="020B0609020204030204" pitchFamily="49" charset="0"/>
-              </a:rPr>
-              <a:t>);</a:t>
-            </a:r>
+                <a:solidFill>
+                  <a:srgbClr val="0000FF"/>
+                </a:solidFill>
+                <a:latin typeface="Consolas"/>
+              </a:rPr>
+              <a:t>Widget</a:t>
+            </a:r>
+            <a:r>
+              <a:rPr lang="en-US" dirty="0" smtClean="0">
+                <a:solidFill>
+                  <a:prstClr val="black"/>
+                </a:solidFill>
+                <a:latin typeface="Consolas"/>
+              </a:rPr>
+              <a:t>{800, 600, </a:t>
+            </a:r>
+            <a:r>
+              <a:rPr lang="en-US" sz="2100" dirty="0">
+                <a:solidFill>
+                  <a:srgbClr val="0000FF"/>
+                </a:solidFill>
+                <a:latin typeface="Consolas"/>
+              </a:rPr>
+              <a:t>true</a:t>
+            </a:r>
+            <a:r>
+              <a:rPr lang="en-US" dirty="0" smtClean="0">
+                <a:solidFill>
+                  <a:prstClr val="black"/>
+                </a:solidFill>
+                <a:latin typeface="Consolas"/>
+              </a:rPr>
+              <a:t>}};</a:t>
+            </a:r>
+            <a:endParaRPr lang="en-US" dirty="0">
+              <a:solidFill>
+                <a:prstClr val="black"/>
+              </a:solidFill>
+              <a:latin typeface="Consolas"/>
+            </a:endParaRPr>
           </a:p>
           <a:p>
             <a:pPr marL="0" indent="0">
               <a:buNone/>
             </a:pPr>
-            <a:endParaRPr lang="en-US" dirty="0" smtClean="0">
-              <a:latin typeface="Consolas" panose="020B0609020204030204" pitchFamily="49" charset="0"/>
-              <a:cs typeface="Consolas" panose="020B0609020204030204" pitchFamily="49" charset="0"/>
+            <a:r>
+              <a:rPr lang="en-US" dirty="0" smtClean="0">
+                <a:solidFill>
+                  <a:srgbClr val="008000"/>
+                </a:solidFill>
+                <a:latin typeface="Consolas"/>
+              </a:rPr>
+              <a:t>	// </a:t>
+            </a:r>
+            <a:r>
+              <a:rPr lang="en-US" b="1" dirty="0">
+                <a:solidFill>
+                  <a:srgbClr val="008000"/>
+                </a:solidFill>
+                <a:latin typeface="Consolas"/>
+              </a:rPr>
+              <a:t>C++14</a:t>
+            </a:r>
+            <a:r>
+              <a:rPr lang="en-US" dirty="0">
+                <a:solidFill>
+                  <a:srgbClr val="008000"/>
+                </a:solidFill>
+                <a:latin typeface="Consolas"/>
+              </a:rPr>
+              <a:t>: return </a:t>
+            </a:r>
+            <a:r>
+              <a:rPr lang="en-US" dirty="0" err="1">
+                <a:solidFill>
+                  <a:srgbClr val="008000"/>
+                </a:solidFill>
+                <a:latin typeface="Consolas"/>
+              </a:rPr>
+              <a:t>make_unique</a:t>
+            </a:r>
+            <a:r>
+              <a:rPr lang="en-US" dirty="0">
+                <a:solidFill>
+                  <a:srgbClr val="008000"/>
+                </a:solidFill>
+                <a:latin typeface="Consolas"/>
+              </a:rPr>
+              <a:t>&lt;</a:t>
+            </a:r>
+            <a:r>
+              <a:rPr lang="en-US" dirty="0" err="1">
+                <a:solidFill>
+                  <a:srgbClr val="008000"/>
+                </a:solidFill>
+                <a:latin typeface="Consolas"/>
+              </a:rPr>
+              <a:t>IWidget</a:t>
+            </a:r>
+            <a:r>
+              <a:rPr lang="en-US" dirty="0" smtClean="0">
+                <a:solidFill>
+                  <a:srgbClr val="008000"/>
+                </a:solidFill>
+                <a:latin typeface="Consolas"/>
+              </a:rPr>
+              <a:t>&gt;(800, 600, true);</a:t>
+            </a:r>
+            <a:endParaRPr lang="en-US" dirty="0">
+              <a:solidFill>
+                <a:prstClr val="black"/>
+              </a:solidFill>
+              <a:latin typeface="Consolas"/>
             </a:endParaRPr>
           </a:p>
           <a:p>
@@ -2381,234 +2776,305 @@
               <a:buNone/>
             </a:pPr>
             <a:r>
-              <a:rPr lang="en-US" sz="1800" dirty="0" err="1" smtClean="0">
-                <a:cs typeface="Consolas" panose="020B0609020204030204" pitchFamily="49" charset="0"/>
-              </a:rPr>
-              <a:t>Usiamo</a:t>
-            </a:r>
-            <a:r>
-              <a:rPr lang="en-US" sz="1800" dirty="0" smtClean="0">
-                <a:cs typeface="Consolas" panose="020B0609020204030204" pitchFamily="49" charset="0"/>
-              </a:rPr>
-              <a:t> un vector e </a:t>
-            </a:r>
-            <a:r>
-              <a:rPr lang="en-US" sz="1800" dirty="0" err="1" smtClean="0">
-                <a:cs typeface="Consolas" panose="020B0609020204030204" pitchFamily="49" charset="0"/>
-              </a:rPr>
-              <a:t>confidiamo</a:t>
-            </a:r>
-            <a:r>
-              <a:rPr lang="en-US" sz="1800" dirty="0" smtClean="0">
-                <a:cs typeface="Consolas" panose="020B0609020204030204" pitchFamily="49" charset="0"/>
-              </a:rPr>
-              <a:t> </a:t>
-            </a:r>
-            <a:r>
-              <a:rPr lang="en-US" sz="1800" dirty="0" err="1" smtClean="0">
-                <a:cs typeface="Consolas" panose="020B0609020204030204" pitchFamily="49" charset="0"/>
-              </a:rPr>
-              <a:t>nella</a:t>
-            </a:r>
-            <a:r>
-              <a:rPr lang="en-US" sz="1800" dirty="0" smtClean="0">
-                <a:cs typeface="Consolas" panose="020B0609020204030204" pitchFamily="49" charset="0"/>
-              </a:rPr>
-              <a:t> move-semantics (o </a:t>
-            </a:r>
-            <a:r>
-              <a:rPr lang="en-US" sz="1800" dirty="0" err="1" smtClean="0">
-                <a:cs typeface="Consolas" panose="020B0609020204030204" pitchFamily="49" charset="0"/>
-              </a:rPr>
-              <a:t>nell’RVO</a:t>
-            </a:r>
-            <a:r>
-              <a:rPr lang="en-US" sz="1800" dirty="0" smtClean="0">
-                <a:cs typeface="Consolas" panose="020B0609020204030204" pitchFamily="49" charset="0"/>
-              </a:rPr>
-              <a:t>, se </a:t>
-            </a:r>
-            <a:r>
-              <a:rPr lang="en-US" sz="1800" dirty="0" err="1" smtClean="0">
-                <a:cs typeface="Consolas" panose="020B0609020204030204" pitchFamily="49" charset="0"/>
-              </a:rPr>
-              <a:t>siamo</a:t>
-            </a:r>
-            <a:r>
-              <a:rPr lang="en-US" sz="1800" dirty="0" smtClean="0">
-                <a:cs typeface="Consolas" panose="020B0609020204030204" pitchFamily="49" charset="0"/>
-              </a:rPr>
-              <a:t> </a:t>
-            </a:r>
-            <a:r>
-              <a:rPr lang="en-US" sz="1800" dirty="0" err="1" smtClean="0">
-                <a:cs typeface="Consolas" panose="020B0609020204030204" pitchFamily="49" charset="0"/>
-              </a:rPr>
-              <a:t>fortunati</a:t>
-            </a:r>
-            <a:r>
-              <a:rPr lang="en-US" sz="1800" dirty="0" smtClean="0">
-                <a:cs typeface="Consolas" panose="020B0609020204030204" pitchFamily="49" charset="0"/>
-              </a:rPr>
-              <a:t>):</a:t>
-            </a:r>
-            <a:endParaRPr lang="en-US" sz="1800" dirty="0">
-              <a:cs typeface="Consolas" panose="020B0609020204030204" pitchFamily="49" charset="0"/>
-            </a:endParaRPr>
+              <a:rPr lang="en-US" dirty="0">
+                <a:solidFill>
+                  <a:prstClr val="black"/>
+                </a:solidFill>
+                <a:latin typeface="Consolas"/>
+              </a:rPr>
+              <a:t>} </a:t>
+            </a:r>
           </a:p>
           <a:p>
             <a:pPr marL="0" indent="0">
               <a:buNone/>
             </a:pPr>
-            <a:endParaRPr lang="en-US" dirty="0">
-              <a:latin typeface="Consolas" panose="020B0609020204030204" pitchFamily="49" charset="0"/>
-              <a:cs typeface="Consolas" panose="020B0609020204030204" pitchFamily="49" charset="0"/>
-            </a:endParaRPr>
+            <a:r>
+              <a:rPr lang="en-US" dirty="0">
+                <a:solidFill>
+                  <a:srgbClr val="0000FF"/>
+                </a:solidFill>
+                <a:latin typeface="Consolas"/>
+              </a:rPr>
+              <a:t>auto</a:t>
+            </a:r>
+            <a:r>
+              <a:rPr lang="en-US" dirty="0">
+                <a:solidFill>
+                  <a:prstClr val="black"/>
+                </a:solidFill>
+                <a:latin typeface="Consolas"/>
+              </a:rPr>
+              <a:t> </a:t>
+            </a:r>
+            <a:r>
+              <a:rPr lang="en-US" dirty="0">
+                <a:solidFill>
+                  <a:srgbClr val="000080"/>
+                </a:solidFill>
+                <a:latin typeface="Consolas"/>
+              </a:rPr>
+              <a:t>widget</a:t>
+            </a:r>
+            <a:r>
+              <a:rPr lang="en-US" dirty="0">
+                <a:solidFill>
+                  <a:prstClr val="black"/>
+                </a:solidFill>
+                <a:latin typeface="Consolas"/>
+              </a:rPr>
+              <a:t> = </a:t>
+            </a:r>
+            <a:r>
+              <a:rPr lang="en-US" dirty="0" err="1">
+                <a:solidFill>
+                  <a:srgbClr val="880000"/>
+                </a:solidFill>
+                <a:latin typeface="Consolas"/>
+              </a:rPr>
+              <a:t>CreateWidget</a:t>
+            </a:r>
+            <a:r>
+              <a:rPr lang="en-US" dirty="0">
+                <a:solidFill>
+                  <a:prstClr val="black"/>
+                </a:solidFill>
+                <a:latin typeface="Consolas"/>
+              </a:rPr>
+              <a:t>();</a:t>
+            </a:r>
           </a:p>
           <a:p>
             <a:pPr marL="0" indent="0">
               <a:buNone/>
             </a:pPr>
             <a:r>
-              <a:rPr lang="it-IT" dirty="0">
-                <a:latin typeface="Consolas" panose="020B0609020204030204" pitchFamily="49" charset="0"/>
-                <a:cs typeface="Consolas" panose="020B0609020204030204" pitchFamily="49" charset="0"/>
-              </a:rPr>
-              <a:t>auto </a:t>
-            </a:r>
-            <a:r>
-              <a:rPr lang="it-IT" dirty="0" err="1">
-                <a:latin typeface="Consolas" panose="020B0609020204030204" pitchFamily="49" charset="0"/>
-                <a:cs typeface="Consolas" panose="020B0609020204030204" pitchFamily="49" charset="0"/>
-              </a:rPr>
-              <a:t>ranks</a:t>
-            </a:r>
-            <a:r>
-              <a:rPr lang="it-IT" dirty="0">
-                <a:latin typeface="Consolas" panose="020B0609020204030204" pitchFamily="49" charset="0"/>
-                <a:cs typeface="Consolas" panose="020B0609020204030204" pitchFamily="49" charset="0"/>
-              </a:rPr>
-              <a:t> = </a:t>
-            </a:r>
-            <a:r>
-              <a:rPr lang="it-IT" dirty="0" err="1">
-                <a:latin typeface="Consolas" panose="020B0609020204030204" pitchFamily="49" charset="0"/>
-                <a:cs typeface="Consolas" panose="020B0609020204030204" pitchFamily="49" charset="0"/>
-              </a:rPr>
-              <a:t>CalculateRanks</a:t>
-            </a:r>
-            <a:r>
-              <a:rPr lang="it-IT" dirty="0">
-                <a:latin typeface="Consolas" panose="020B0609020204030204" pitchFamily="49" charset="0"/>
-                <a:cs typeface="Consolas" panose="020B0609020204030204" pitchFamily="49" charset="0"/>
-              </a:rPr>
-              <a:t>(dice, </a:t>
-            </a:r>
-            <a:r>
-              <a:rPr lang="it-IT" dirty="0" err="1">
-                <a:latin typeface="Consolas" panose="020B0609020204030204" pitchFamily="49" charset="0"/>
-                <a:cs typeface="Consolas" panose="020B0609020204030204" pitchFamily="49" charset="0"/>
-              </a:rPr>
-              <a:t>maxDiceValue</a:t>
-            </a:r>
-            <a:r>
-              <a:rPr lang="it-IT" dirty="0" smtClean="0">
-                <a:latin typeface="Consolas" panose="020B0609020204030204" pitchFamily="49" charset="0"/>
-                <a:cs typeface="Consolas" panose="020B0609020204030204" pitchFamily="49" charset="0"/>
-              </a:rPr>
-              <a:t>);</a:t>
+              <a:rPr lang="en-US" dirty="0">
+                <a:solidFill>
+                  <a:srgbClr val="000080"/>
+                </a:solidFill>
+                <a:latin typeface="Consolas"/>
+              </a:rPr>
+              <a:t>widget</a:t>
+            </a:r>
+            <a:r>
+              <a:rPr lang="en-US" dirty="0">
+                <a:solidFill>
+                  <a:prstClr val="black"/>
+                </a:solidFill>
+                <a:latin typeface="Consolas"/>
+              </a:rPr>
+              <a:t>-&gt;</a:t>
+            </a:r>
+            <a:r>
+              <a:rPr lang="en-US" sz="2100" dirty="0">
+                <a:solidFill>
+                  <a:srgbClr val="880000"/>
+                </a:solidFill>
+                <a:latin typeface="Consolas"/>
+              </a:rPr>
+              <a:t>draw</a:t>
+            </a:r>
+            <a:r>
+              <a:rPr lang="en-US" dirty="0">
+                <a:solidFill>
+                  <a:prstClr val="black"/>
+                </a:solidFill>
+                <a:latin typeface="Consolas"/>
+              </a:rPr>
+              <a:t>();</a:t>
             </a:r>
           </a:p>
           <a:p>
             <a:pPr marL="0" indent="0">
               <a:buNone/>
             </a:pPr>
-            <a:endParaRPr lang="it-IT" dirty="0">
-              <a:latin typeface="Consolas" panose="020B0609020204030204" pitchFamily="49" charset="0"/>
-              <a:cs typeface="Consolas" panose="020B0609020204030204" pitchFamily="49" charset="0"/>
-            </a:endParaRPr>
-          </a:p>
-          <a:p>
-            <a:pPr>
-              <a:buFont typeface="Arial" panose="020B0604020202020204" pitchFamily="34" charset="0"/>
-              <a:buChar char="•"/>
-            </a:pPr>
-            <a:r>
-              <a:rPr lang="it-IT" sz="1800" dirty="0" smtClean="0">
-                <a:cs typeface="Consolas" panose="020B0609020204030204" pitchFamily="49" charset="0"/>
-              </a:rPr>
-              <a:t>Invece che avere una cascata di IF, possiamo gestire le regole come classi che rispettano un’interfaccia:</a:t>
-            </a:r>
-          </a:p>
-          <a:p>
-            <a:pPr>
-              <a:buFont typeface="Arial" panose="020B0604020202020204" pitchFamily="34" charset="0"/>
-              <a:buChar char="•"/>
-            </a:pPr>
-            <a:endParaRPr lang="it-IT" dirty="0">
-              <a:latin typeface="Consolas" panose="020B0609020204030204" pitchFamily="49" charset="0"/>
-              <a:cs typeface="Consolas" panose="020B0609020204030204" pitchFamily="49" charset="0"/>
-            </a:endParaRPr>
+            <a:r>
+              <a:rPr lang="en-US" dirty="0">
+                <a:solidFill>
+                  <a:prstClr val="black"/>
+                </a:solidFill>
+                <a:latin typeface="Consolas"/>
+              </a:rPr>
+              <a:t>...</a:t>
+            </a:r>
           </a:p>
           <a:p>
             <a:pPr marL="0" indent="0">
               <a:buNone/>
             </a:pPr>
             <a:r>
+              <a:rPr lang="en-US" dirty="0">
+                <a:solidFill>
+                  <a:srgbClr val="0000FF"/>
+                </a:solidFill>
+                <a:latin typeface="Consolas"/>
+              </a:rPr>
+              <a:t>auto</a:t>
+            </a:r>
+            <a:r>
+              <a:rPr lang="en-US" dirty="0">
+                <a:solidFill>
+                  <a:prstClr val="black"/>
+                </a:solidFill>
+                <a:latin typeface="Consolas"/>
+              </a:rPr>
+              <a:t> </a:t>
+            </a:r>
+            <a:r>
+              <a:rPr lang="en-US" dirty="0" err="1">
+                <a:solidFill>
+                  <a:srgbClr val="000080"/>
+                </a:solidFill>
+                <a:latin typeface="Consolas"/>
+              </a:rPr>
+              <a:t>theSameWidget</a:t>
+            </a:r>
+            <a:r>
+              <a:rPr lang="en-US" dirty="0">
+                <a:solidFill>
+                  <a:prstClr val="black"/>
+                </a:solidFill>
+                <a:latin typeface="Consolas"/>
+              </a:rPr>
+              <a:t> </a:t>
+            </a:r>
+            <a:r>
+              <a:rPr lang="en-US" dirty="0" smtClean="0">
+                <a:solidFill>
+                  <a:prstClr val="black"/>
+                </a:solidFill>
+                <a:latin typeface="Consolas"/>
+              </a:rPr>
+              <a:t>= </a:t>
+            </a:r>
+            <a:r>
+              <a:rPr lang="en-US" dirty="0" err="1">
+                <a:solidFill>
+                  <a:srgbClr val="0000FF"/>
+                </a:solidFill>
+                <a:latin typeface="Consolas"/>
+              </a:rPr>
+              <a:t>std</a:t>
+            </a:r>
+            <a:r>
+              <a:rPr lang="en-US" dirty="0" smtClean="0">
+                <a:solidFill>
+                  <a:schemeClr val="tx1"/>
+                </a:solidFill>
+                <a:latin typeface="Consolas"/>
+              </a:rPr>
+              <a:t>::</a:t>
+            </a:r>
+            <a:r>
+              <a:rPr lang="en-US" dirty="0">
+                <a:solidFill>
+                  <a:srgbClr val="880000"/>
+                </a:solidFill>
+                <a:latin typeface="Consolas"/>
+              </a:rPr>
+              <a:t>move</a:t>
+            </a:r>
+            <a:r>
+              <a:rPr lang="en-US" dirty="0" smtClean="0">
+                <a:solidFill>
+                  <a:schemeClr val="tx1"/>
+                </a:solidFill>
+                <a:latin typeface="Consolas"/>
+              </a:rPr>
+              <a:t>(</a:t>
+            </a:r>
+            <a:r>
+              <a:rPr lang="en-US" dirty="0">
+                <a:solidFill>
+                  <a:srgbClr val="000080"/>
+                </a:solidFill>
+                <a:latin typeface="Consolas"/>
+              </a:rPr>
+              <a:t>widget</a:t>
+            </a:r>
+            <a:r>
+              <a:rPr lang="en-US" dirty="0" smtClean="0">
+                <a:solidFill>
+                  <a:schemeClr val="tx1"/>
+                </a:solidFill>
+                <a:latin typeface="Consolas"/>
+              </a:rPr>
+              <a:t>); </a:t>
+            </a:r>
+            <a:endParaRPr lang="en-US" dirty="0">
+              <a:solidFill>
+                <a:schemeClr val="tx1"/>
+              </a:solidFill>
+              <a:latin typeface="Consolas"/>
+            </a:endParaRPr>
+          </a:p>
+          <a:p>
+            <a:pPr marL="0" indent="0">
+              <a:buNone/>
+            </a:pPr>
+            <a:r>
+              <a:rPr lang="it-IT" dirty="0">
+                <a:solidFill>
+                  <a:srgbClr val="008000"/>
+                </a:solidFill>
+                <a:latin typeface="Consolas"/>
+              </a:rPr>
+              <a:t>// auto </a:t>
+            </a:r>
+            <a:r>
               <a:rPr lang="it-IT" dirty="0" err="1" smtClean="0">
-                <a:latin typeface="Consolas" panose="020B0609020204030204" pitchFamily="49" charset="0"/>
-                <a:cs typeface="Consolas" panose="020B0609020204030204" pitchFamily="49" charset="0"/>
-              </a:rPr>
-              <a:t>vector</a:t>
+                <a:solidFill>
+                  <a:srgbClr val="008000"/>
+                </a:solidFill>
+                <a:latin typeface="Consolas"/>
+              </a:rPr>
+              <a:t>wrong</a:t>
             </a:r>
             <a:r>
               <a:rPr lang="it-IT" dirty="0" smtClean="0">
-                <a:latin typeface="Consolas" panose="020B0609020204030204" pitchFamily="49" charset="0"/>
-                <a:cs typeface="Consolas" panose="020B0609020204030204" pitchFamily="49" charset="0"/>
-              </a:rPr>
-              <a:t>&lt;</a:t>
-            </a:r>
-            <a:r>
-              <a:rPr lang="it-IT" dirty="0" err="1" smtClean="0">
-                <a:latin typeface="Consolas" panose="020B0609020204030204" pitchFamily="49" charset="0"/>
-                <a:cs typeface="Consolas" panose="020B0609020204030204" pitchFamily="49" charset="0"/>
-              </a:rPr>
-              <a:t>unique_ptr</a:t>
-            </a:r>
-            <a:r>
-              <a:rPr lang="it-IT" dirty="0" smtClean="0">
-                <a:latin typeface="Consolas" panose="020B0609020204030204" pitchFamily="49" charset="0"/>
-                <a:cs typeface="Consolas" panose="020B0609020204030204" pitchFamily="49" charset="0"/>
-              </a:rPr>
-              <a:t>&lt;</a:t>
-            </a:r>
-            <a:r>
-              <a:rPr lang="it-IT" dirty="0" err="1" smtClean="0">
-                <a:latin typeface="Consolas" panose="020B0609020204030204" pitchFamily="49" charset="0"/>
-                <a:cs typeface="Consolas" panose="020B0609020204030204" pitchFamily="49" charset="0"/>
-              </a:rPr>
-              <a:t>IRule</a:t>
-            </a:r>
-            <a:r>
-              <a:rPr lang="it-IT" dirty="0" smtClean="0">
-                <a:latin typeface="Consolas" panose="020B0609020204030204" pitchFamily="49" charset="0"/>
-                <a:cs typeface="Consolas" panose="020B0609020204030204" pitchFamily="49" charset="0"/>
-              </a:rPr>
-              <a:t>&gt;&gt; </a:t>
-            </a:r>
-            <a:r>
-              <a:rPr lang="it-IT" dirty="0" err="1" smtClean="0">
-                <a:latin typeface="Consolas" panose="020B0609020204030204" pitchFamily="49" charset="0"/>
-                <a:cs typeface="Consolas" panose="020B0609020204030204" pitchFamily="49" charset="0"/>
-              </a:rPr>
-              <a:t>rules</a:t>
-            </a:r>
-            <a:r>
-              <a:rPr lang="it-IT" dirty="0" smtClean="0">
-                <a:latin typeface="Consolas" panose="020B0609020204030204" pitchFamily="49" charset="0"/>
-                <a:cs typeface="Consolas" panose="020B0609020204030204" pitchFamily="49" charset="0"/>
-              </a:rPr>
-              <a:t>; // gestione automatica della memoria</a:t>
+                <a:solidFill>
+                  <a:srgbClr val="008000"/>
+                </a:solidFill>
+                <a:latin typeface="Consolas"/>
+              </a:rPr>
+              <a:t> </a:t>
+            </a:r>
+            <a:r>
+              <a:rPr lang="it-IT" dirty="0">
+                <a:solidFill>
+                  <a:srgbClr val="008000"/>
+                </a:solidFill>
+                <a:latin typeface="Consolas"/>
+              </a:rPr>
+              <a:t>= </a:t>
+            </a:r>
+            <a:r>
+              <a:rPr lang="it-IT" dirty="0" err="1">
+                <a:solidFill>
+                  <a:srgbClr val="008000"/>
+                </a:solidFill>
+                <a:latin typeface="Consolas"/>
+              </a:rPr>
+              <a:t>widget</a:t>
+            </a:r>
+            <a:r>
+              <a:rPr lang="it-IT" dirty="0">
+                <a:solidFill>
+                  <a:srgbClr val="008000"/>
+                </a:solidFill>
+                <a:latin typeface="Consolas"/>
+              </a:rPr>
+              <a:t>; // errore, </a:t>
+            </a:r>
+            <a:r>
+              <a:rPr lang="it-IT" b="1" dirty="0">
+                <a:solidFill>
+                  <a:srgbClr val="008000"/>
+                </a:solidFill>
+                <a:latin typeface="Consolas"/>
+              </a:rPr>
+              <a:t>non è copiabile</a:t>
             </a:r>
           </a:p>
         </p:txBody>
@@ -2616,20 +3082,20 @@
     </p:spTree>
     <p:extLst>
       <p:ext uri="{BB962C8B-B14F-4D97-AF65-F5344CB8AC3E}">
-        <p14:creationId xmlns:p14="http://schemas.microsoft.com/office/powerpoint/2010/main" val="2269946332"/>
+        <p14:creationId xmlns:p14="http://schemas.microsoft.com/office/powerpoint/2010/main" val="4187590698"/>
       </p:ext>
     </p:extLst>
   </p:cSld>
   <p:clrMapOvr>
     <a:masterClrMapping/>
   </p:clrMapOvr>
-  <mc:AlternateContent xmlns:mc="http://schemas.openxmlformats.org/markup-compatibility/2006">
-    <mc:Choice xmlns:p14="http://schemas.microsoft.com/office/powerpoint/2010/main" Requires="p14">
-      <p:transition spd="slow" p14:dur="1200">
-        <p14:prism/>
+  <mc:AlternateContent xmlns:mc="http://schemas.openxmlformats.org/markup-compatibility/2006" xmlns:p14="http://schemas.microsoft.com/office/powerpoint/2010/main">
+    <mc:Choice Requires="p14">
+      <p:transition spd="slow" p14:dur="3400">
+        <p14:reveal/>
       </p:transition>
     </mc:Choice>
-    <mc:Fallback>
+    <mc:Fallback xmlns="">
       <p:transition spd="slow">
         <p:fade/>
       </p:transition>
@@ -2672,418 +3138,35 @@
             <p:ph type="title"/>
           </p:nvPr>
         </p:nvSpPr>
-        <p:spPr/>
+        <p:spPr>
+          <a:xfrm>
+            <a:off x="443818" y="2507603"/>
+            <a:ext cx="7543800" cy="1048247"/>
+          </a:xfrm>
+        </p:spPr>
         <p:txBody>
           <a:bodyPr/>
           <a:lstStyle/>
           <a:p>
-            <a:r>
-              <a:rPr lang="it-IT" dirty="0" err="1"/>
-              <a:t>Retrospective</a:t>
-            </a:r>
-            <a:r>
-              <a:rPr lang="it-IT" dirty="0"/>
-              <a:t> 2</a:t>
-            </a:r>
-          </a:p>
-        </p:txBody>
-      </p:sp>
-      <p:sp>
-        <p:nvSpPr>
-          <p:cNvPr id="3" name="Segnaposto contenuto 2"/>
-          <p:cNvSpPr>
-            <a:spLocks noGrp="1"/>
-          </p:cNvSpPr>
-          <p:nvPr>
-            <p:ph idx="1"/>
-          </p:nvPr>
-        </p:nvSpPr>
-        <p:spPr/>
-        <p:txBody>
-          <a:bodyPr>
-            <a:normAutofit lnSpcReduction="10000"/>
-          </a:bodyPr>
-          <a:lstStyle/>
-          <a:p>
-            <a:pPr marL="0" indent="0">
-              <a:buNone/>
-            </a:pPr>
-            <a:endParaRPr lang="it-IT" dirty="0" smtClean="0"/>
-          </a:p>
-          <a:p>
-            <a:pPr>
-              <a:buFont typeface="Arial" panose="020B0604020202020204" pitchFamily="34" charset="0"/>
-              <a:buChar char="•"/>
-            </a:pPr>
+            <a:pPr algn="ctr"/>
             <a:r>
               <a:rPr lang="it-IT" dirty="0" smtClean="0"/>
-              <a:t>Non so se vi siete accorti di alcune classi con costruttori di copia e distruttori inutili…</a:t>
-            </a:r>
-          </a:p>
-          <a:p>
-            <a:pPr marL="0" indent="0">
-              <a:buNone/>
-            </a:pPr>
-            <a:endParaRPr lang="it-IT" dirty="0" smtClean="0"/>
-          </a:p>
-          <a:p>
-            <a:pPr marL="0" indent="0">
-              <a:buNone/>
-            </a:pPr>
-            <a:r>
-              <a:rPr lang="it-IT" dirty="0" err="1">
-                <a:latin typeface="Consolas" panose="020B0609020204030204" pitchFamily="49" charset="0"/>
-                <a:cs typeface="Consolas" panose="020B0609020204030204" pitchFamily="49" charset="0"/>
-              </a:rPr>
-              <a:t>ScoreTable</a:t>
-            </a:r>
-            <a:r>
-              <a:rPr lang="it-IT" dirty="0">
-                <a:latin typeface="Consolas" panose="020B0609020204030204" pitchFamily="49" charset="0"/>
-                <a:cs typeface="Consolas" panose="020B0609020204030204" pitchFamily="49" charset="0"/>
-              </a:rPr>
-              <a:t>::</a:t>
-            </a:r>
-            <a:r>
-              <a:rPr lang="it-IT" dirty="0" err="1">
-                <a:latin typeface="Consolas" panose="020B0609020204030204" pitchFamily="49" charset="0"/>
-                <a:cs typeface="Consolas" panose="020B0609020204030204" pitchFamily="49" charset="0"/>
-              </a:rPr>
-              <a:t>ScoreTable</a:t>
-            </a:r>
-            <a:r>
-              <a:rPr lang="it-IT" dirty="0">
-                <a:latin typeface="Consolas" panose="020B0609020204030204" pitchFamily="49" charset="0"/>
-                <a:cs typeface="Consolas" panose="020B0609020204030204" pitchFamily="49" charset="0"/>
-              </a:rPr>
-              <a:t>(</a:t>
-            </a:r>
-            <a:r>
-              <a:rPr lang="it-IT" dirty="0" err="1">
-                <a:latin typeface="Consolas" panose="020B0609020204030204" pitchFamily="49" charset="0"/>
-                <a:cs typeface="Consolas" panose="020B0609020204030204" pitchFamily="49" charset="0"/>
-              </a:rPr>
-              <a:t>const</a:t>
-            </a:r>
-            <a:r>
-              <a:rPr lang="it-IT" dirty="0">
-                <a:latin typeface="Consolas" panose="020B0609020204030204" pitchFamily="49" charset="0"/>
-                <a:cs typeface="Consolas" panose="020B0609020204030204" pitchFamily="49" charset="0"/>
-              </a:rPr>
-              <a:t> </a:t>
-            </a:r>
-            <a:r>
-              <a:rPr lang="it-IT" dirty="0" err="1">
-                <a:latin typeface="Consolas" panose="020B0609020204030204" pitchFamily="49" charset="0"/>
-                <a:cs typeface="Consolas" panose="020B0609020204030204" pitchFamily="49" charset="0"/>
-              </a:rPr>
-              <a:t>ScoreTable</a:t>
-            </a:r>
-            <a:r>
-              <a:rPr lang="it-IT" dirty="0">
-                <a:latin typeface="Consolas" panose="020B0609020204030204" pitchFamily="49" charset="0"/>
-                <a:cs typeface="Consolas" panose="020B0609020204030204" pitchFamily="49" charset="0"/>
-              </a:rPr>
-              <a:t>&amp; </a:t>
-            </a:r>
-            <a:r>
-              <a:rPr lang="it-IT" dirty="0" err="1">
-                <a:latin typeface="Consolas" panose="020B0609020204030204" pitchFamily="49" charset="0"/>
-                <a:cs typeface="Consolas" panose="020B0609020204030204" pitchFamily="49" charset="0"/>
-              </a:rPr>
-              <a:t>other</a:t>
-            </a:r>
-            <a:r>
-              <a:rPr lang="it-IT" dirty="0" smtClean="0">
-                <a:latin typeface="Consolas" panose="020B0609020204030204" pitchFamily="49" charset="0"/>
-                <a:cs typeface="Consolas" panose="020B0609020204030204" pitchFamily="49" charset="0"/>
-              </a:rPr>
-              <a:t>)</a:t>
-            </a:r>
-          </a:p>
-          <a:p>
-            <a:pPr marL="0" indent="0">
-              <a:buNone/>
-            </a:pPr>
-            <a:r>
-              <a:rPr lang="it-IT" dirty="0">
-                <a:latin typeface="Consolas" panose="020B0609020204030204" pitchFamily="49" charset="0"/>
-                <a:cs typeface="Consolas" panose="020B0609020204030204" pitchFamily="49" charset="0"/>
-              </a:rPr>
-              <a:t>	</a:t>
-            </a:r>
-            <a:r>
-              <a:rPr lang="it-IT" dirty="0" smtClean="0">
-                <a:latin typeface="Consolas" panose="020B0609020204030204" pitchFamily="49" charset="0"/>
-                <a:cs typeface="Consolas" panose="020B0609020204030204" pitchFamily="49" charset="0"/>
-              </a:rPr>
-              <a:t>: </a:t>
-            </a:r>
-            <a:r>
-              <a:rPr lang="it-IT" dirty="0" err="1" smtClean="0">
-                <a:latin typeface="Consolas" panose="020B0609020204030204" pitchFamily="49" charset="0"/>
-                <a:cs typeface="Consolas" panose="020B0609020204030204" pitchFamily="49" charset="0"/>
-              </a:rPr>
-              <a:t>scores</a:t>
-            </a:r>
-            <a:r>
-              <a:rPr lang="it-IT" dirty="0" smtClean="0">
-                <a:latin typeface="Consolas" panose="020B0609020204030204" pitchFamily="49" charset="0"/>
-                <a:cs typeface="Consolas" panose="020B0609020204030204" pitchFamily="49" charset="0"/>
-              </a:rPr>
-              <a:t>(</a:t>
-            </a:r>
-            <a:r>
-              <a:rPr lang="it-IT" dirty="0" err="1" smtClean="0">
-                <a:latin typeface="Consolas" panose="020B0609020204030204" pitchFamily="49" charset="0"/>
-                <a:cs typeface="Consolas" panose="020B0609020204030204" pitchFamily="49" charset="0"/>
-              </a:rPr>
-              <a:t>other.scores</a:t>
-            </a:r>
-            <a:r>
-              <a:rPr lang="it-IT" dirty="0" smtClean="0">
-                <a:latin typeface="Consolas" panose="020B0609020204030204" pitchFamily="49" charset="0"/>
-                <a:cs typeface="Consolas" panose="020B0609020204030204" pitchFamily="49" charset="0"/>
-              </a:rPr>
-              <a:t>) { }</a:t>
-            </a:r>
-          </a:p>
-          <a:p>
-            <a:pPr marL="0" indent="0">
-              <a:buNone/>
-            </a:pPr>
-            <a:endParaRPr lang="it-IT" dirty="0">
-              <a:latin typeface="Consolas" panose="020B0609020204030204" pitchFamily="49" charset="0"/>
-              <a:cs typeface="Consolas" panose="020B0609020204030204" pitchFamily="49" charset="0"/>
-            </a:endParaRPr>
-          </a:p>
-          <a:p>
-            <a:pPr marL="0" indent="0">
-              <a:buNone/>
-            </a:pPr>
-            <a:r>
-              <a:rPr lang="it-IT" dirty="0" err="1">
-                <a:latin typeface="Consolas" panose="020B0609020204030204" pitchFamily="49" charset="0"/>
-                <a:cs typeface="Consolas" panose="020B0609020204030204" pitchFamily="49" charset="0"/>
-              </a:rPr>
-              <a:t>ScoreTable</a:t>
-            </a:r>
-            <a:r>
-              <a:rPr lang="it-IT" dirty="0">
-                <a:latin typeface="Consolas" panose="020B0609020204030204" pitchFamily="49" charset="0"/>
-                <a:cs typeface="Consolas" panose="020B0609020204030204" pitchFamily="49" charset="0"/>
-              </a:rPr>
-              <a:t> </a:t>
-            </a:r>
-            <a:r>
-              <a:rPr lang="it-IT" dirty="0" smtClean="0">
-                <a:latin typeface="Consolas" panose="020B0609020204030204" pitchFamily="49" charset="0"/>
-                <a:cs typeface="Consolas" panose="020B0609020204030204" pitchFamily="49" charset="0"/>
-              </a:rPr>
-              <a:t>::~</a:t>
-            </a:r>
-            <a:r>
-              <a:rPr lang="it-IT" dirty="0" err="1" smtClean="0">
-                <a:latin typeface="Consolas" panose="020B0609020204030204" pitchFamily="49" charset="0"/>
-                <a:cs typeface="Consolas" panose="020B0609020204030204" pitchFamily="49" charset="0"/>
-              </a:rPr>
-              <a:t>ScoreTable</a:t>
-            </a:r>
-            <a:r>
-              <a:rPr lang="it-IT" dirty="0" smtClean="0">
-                <a:latin typeface="Consolas" panose="020B0609020204030204" pitchFamily="49" charset="0"/>
-                <a:cs typeface="Consolas" panose="020B0609020204030204" pitchFamily="49" charset="0"/>
-              </a:rPr>
-              <a:t>() { }</a:t>
-            </a:r>
-          </a:p>
-          <a:p>
-            <a:pPr marL="0" indent="0">
-              <a:buNone/>
-            </a:pPr>
-            <a:endParaRPr lang="it-IT" dirty="0" smtClean="0">
-              <a:latin typeface="Consolas" panose="020B0609020204030204" pitchFamily="49" charset="0"/>
-              <a:cs typeface="Consolas" panose="020B0609020204030204" pitchFamily="49" charset="0"/>
-            </a:endParaRPr>
-          </a:p>
-          <a:p>
-            <a:pPr marL="0" indent="0" algn="ctr">
-              <a:buNone/>
-            </a:pPr>
-            <a:r>
-              <a:rPr lang="it-IT" sz="2400" dirty="0" smtClean="0">
-                <a:cs typeface="Consolas" panose="020B0609020204030204" pitchFamily="49" charset="0"/>
-              </a:rPr>
-              <a:t>Non servono! Osserviamo la </a:t>
-            </a:r>
-            <a:r>
-              <a:rPr lang="it-IT" sz="2400" dirty="0" err="1" smtClean="0">
-                <a:cs typeface="Consolas" panose="020B0609020204030204" pitchFamily="49" charset="0"/>
-              </a:rPr>
-              <a:t>Rule</a:t>
-            </a:r>
-            <a:r>
-              <a:rPr lang="it-IT" sz="2400" dirty="0" smtClean="0">
-                <a:cs typeface="Consolas" panose="020B0609020204030204" pitchFamily="49" charset="0"/>
-              </a:rPr>
-              <a:t> of Zero:</a:t>
-            </a:r>
-            <a:endParaRPr lang="it-IT" sz="2400" dirty="0">
-              <a:cs typeface="Consolas" panose="020B0609020204030204" pitchFamily="49" charset="0"/>
-            </a:endParaRPr>
-          </a:p>
-          <a:p>
-            <a:pPr marL="0" indent="0">
-              <a:buNone/>
-            </a:pPr>
-            <a:endParaRPr lang="it-IT" dirty="0">
-              <a:latin typeface="Consolas" panose="020B0609020204030204" pitchFamily="49" charset="0"/>
-              <a:cs typeface="Consolas" panose="020B0609020204030204" pitchFamily="49" charset="0"/>
-            </a:endParaRPr>
-          </a:p>
-          <a:p>
-            <a:pPr marL="0" indent="0" algn="just">
-              <a:buNone/>
-            </a:pPr>
-            <a:r>
-              <a:rPr lang="it-IT" sz="1600" dirty="0"/>
-              <a:t>Se una classe ha a che fare </a:t>
-            </a:r>
-            <a:r>
-              <a:rPr lang="it-IT" sz="1600" b="1" dirty="0"/>
-              <a:t>esclusivamente</a:t>
-            </a:r>
-            <a:r>
-              <a:rPr lang="it-IT" sz="1600" dirty="0"/>
-              <a:t> </a:t>
-            </a:r>
-            <a:r>
-              <a:rPr lang="it-IT" sz="1600" b="1" dirty="0"/>
-              <a:t>con l’</a:t>
-            </a:r>
-            <a:r>
-              <a:rPr lang="it-IT" sz="1600" b="1" dirty="0" err="1"/>
-              <a:t>ownership</a:t>
-            </a:r>
-            <a:r>
-              <a:rPr lang="it-IT" sz="1600" b="1" dirty="0"/>
-              <a:t> </a:t>
-            </a:r>
-            <a:r>
-              <a:rPr lang="it-IT" sz="1600" dirty="0"/>
-              <a:t>(e.g. un </a:t>
-            </a:r>
-            <a:r>
-              <a:rPr lang="it-IT" sz="1600" dirty="0" err="1"/>
-              <a:t>vector</a:t>
-            </a:r>
-            <a:r>
-              <a:rPr lang="it-IT" sz="1600" dirty="0"/>
-              <a:t>) allora può personalizzare distruttore, costruttori di copia/</a:t>
-            </a:r>
-            <a:r>
-              <a:rPr lang="it-IT" sz="1600" dirty="0" err="1"/>
-              <a:t>move</a:t>
-            </a:r>
-            <a:r>
-              <a:rPr lang="it-IT" sz="1600" dirty="0"/>
-              <a:t>, operatori di assegnazione (copia/</a:t>
-            </a:r>
-            <a:r>
-              <a:rPr lang="it-IT" sz="1600" dirty="0" err="1"/>
-              <a:t>move</a:t>
-            </a:r>
-            <a:r>
-              <a:rPr lang="it-IT" sz="1600" dirty="0"/>
-              <a:t>).</a:t>
-            </a:r>
-          </a:p>
-          <a:p>
-            <a:pPr marL="0" indent="0" algn="just">
-              <a:buNone/>
-            </a:pPr>
-            <a:r>
-              <a:rPr lang="it-IT" sz="1600" dirty="0"/>
-              <a:t>Altrimenti (e.g. una classe di dominio) </a:t>
-            </a:r>
-            <a:r>
-              <a:rPr lang="it-IT" sz="1600" u="sng" dirty="0"/>
-              <a:t>non deve personalizzarne alcuno </a:t>
-            </a:r>
-            <a:r>
-              <a:rPr lang="it-IT" sz="1600" dirty="0"/>
-              <a:t>(il compilatore crea per noi quelli di default – </a:t>
-            </a:r>
-            <a:r>
-              <a:rPr lang="it-IT" sz="1600" i="1" dirty="0" err="1"/>
-              <a:t>member-wise</a:t>
-            </a:r>
-            <a:r>
-              <a:rPr lang="it-IT" sz="1600" dirty="0"/>
-              <a:t>).</a:t>
-            </a:r>
-          </a:p>
-          <a:p>
-            <a:pPr algn="just"/>
-            <a:endParaRPr lang="it-IT" sz="1600" dirty="0"/>
-          </a:p>
-          <a:p>
-            <a:pPr marL="0" indent="0" algn="ctr">
-              <a:buNone/>
-            </a:pPr>
-            <a:r>
-              <a:rPr lang="it-IT" sz="1600" dirty="0"/>
-              <a:t>Un caso particolare del </a:t>
-            </a:r>
-            <a:r>
-              <a:rPr lang="it-IT" sz="1600" i="1" dirty="0"/>
-              <a:t>Single </a:t>
-            </a:r>
-            <a:r>
-              <a:rPr lang="it-IT" sz="1600" i="1" dirty="0" err="1"/>
-              <a:t>Responsability</a:t>
-            </a:r>
-            <a:r>
-              <a:rPr lang="it-IT" sz="1600" i="1" dirty="0"/>
-              <a:t> </a:t>
-            </a:r>
-            <a:r>
-              <a:rPr lang="it-IT" sz="1600" i="1" dirty="0" err="1"/>
-              <a:t>Principle</a:t>
-            </a:r>
-            <a:endParaRPr lang="it-IT" sz="1600" i="1" dirty="0"/>
-          </a:p>
-          <a:p>
-            <a:pPr marL="0" indent="0">
-              <a:buNone/>
-            </a:pPr>
-            <a:endParaRPr lang="it-IT" dirty="0" smtClean="0">
-              <a:latin typeface="Consolas" panose="020B0609020204030204" pitchFamily="49" charset="0"/>
-              <a:cs typeface="Consolas" panose="020B0609020204030204" pitchFamily="49" charset="0"/>
-            </a:endParaRPr>
+              <a:t>Adesso tocca a voi!</a:t>
+            </a:r>
+            <a:endParaRPr lang="it-IT" dirty="0"/>
           </a:p>
         </p:txBody>
       </p:sp>
     </p:spTree>
     <p:extLst>
       <p:ext uri="{BB962C8B-B14F-4D97-AF65-F5344CB8AC3E}">
-        <p14:creationId xmlns:p14="http://schemas.microsoft.com/office/powerpoint/2010/main" val="1258952960"/>
+        <p14:creationId xmlns:p14="http://schemas.microsoft.com/office/powerpoint/2010/main" val="3223866423"/>
       </p:ext>
     </p:extLst>
   </p:cSld>
   <p:clrMapOvr>
     <a:masterClrMapping/>
   </p:clrMapOvr>
-  <p:transition spd="slow">
-    <p:wipe/>
-  </p:transition>
-  <p:timing>
-    <p:tnLst>
-      <p:par>
-        <p:cTn id="1" dur="indefinite" restart="never" nodeType="tmRoot"/>
-      </p:par>
-    </p:tnLst>
-  </p:timing>
 </p:sld>
 </file>
 
@@ -3120,8 +3203,868 @@
           <a:lstStyle/>
           <a:p>
             <a:r>
+              <a:rPr lang="it-IT" dirty="0" err="1" smtClean="0"/>
+              <a:t>Retrospective</a:t>
+            </a:r>
+            <a:r>
+              <a:rPr lang="it-IT" dirty="0" smtClean="0"/>
+              <a:t> 2</a:t>
+            </a:r>
+            <a:endParaRPr lang="it-IT" dirty="0"/>
+          </a:p>
+        </p:txBody>
+      </p:sp>
+      <p:sp>
+        <p:nvSpPr>
+          <p:cNvPr id="3" name="Segnaposto contenuto 2"/>
+          <p:cNvSpPr>
+            <a:spLocks noGrp="1"/>
+          </p:cNvSpPr>
+          <p:nvPr>
+            <p:ph idx="1"/>
+          </p:nvPr>
+        </p:nvSpPr>
+        <p:spPr>
+          <a:xfrm>
+            <a:off x="822960" y="1335203"/>
+            <a:ext cx="8016240" cy="4926121"/>
+          </a:xfrm>
+        </p:spPr>
+        <p:txBody>
+          <a:bodyPr/>
+          <a:lstStyle/>
+          <a:p>
+            <a:pPr marL="0" indent="0">
+              <a:buNone/>
+            </a:pPr>
+            <a:endParaRPr lang="it-IT" dirty="0" smtClean="0">
+              <a:latin typeface="Consolas" panose="020B0609020204030204" pitchFamily="49" charset="0"/>
+              <a:cs typeface="Consolas" panose="020B0609020204030204" pitchFamily="49" charset="0"/>
+            </a:endParaRPr>
+          </a:p>
+          <a:p>
+            <a:pPr>
+              <a:buFont typeface="Arial" panose="020B0604020202020204" pitchFamily="34" charset="0"/>
+              <a:buChar char="•"/>
+            </a:pPr>
+            <a:r>
+              <a:rPr lang="it-IT" sz="2000" dirty="0" smtClean="0">
+                <a:cs typeface="Consolas" panose="020B0609020204030204" pitchFamily="49" charset="0"/>
+              </a:rPr>
+              <a:t>Qui gestiamo a mano la memoria:</a:t>
+            </a:r>
+          </a:p>
+          <a:p>
+            <a:pPr marL="0" indent="0">
+              <a:buNone/>
+            </a:pPr>
+            <a:r>
+              <a:rPr lang="en-US" dirty="0">
+                <a:latin typeface="Consolas" panose="020B0609020204030204" pitchFamily="49" charset="0"/>
+                <a:cs typeface="Consolas" panose="020B0609020204030204" pitchFamily="49" charset="0"/>
+              </a:rPr>
+              <a:t>unsigned short* ranks = new unsigned short[</a:t>
+            </a:r>
+            <a:r>
+              <a:rPr lang="en-US" dirty="0" err="1">
+                <a:latin typeface="Consolas" panose="020B0609020204030204" pitchFamily="49" charset="0"/>
+                <a:cs typeface="Consolas" panose="020B0609020204030204" pitchFamily="49" charset="0"/>
+              </a:rPr>
+              <a:t>maxDiceValue</a:t>
+            </a:r>
+            <a:r>
+              <a:rPr lang="en-US" dirty="0">
+                <a:latin typeface="Consolas" panose="020B0609020204030204" pitchFamily="49" charset="0"/>
+                <a:cs typeface="Consolas" panose="020B0609020204030204" pitchFamily="49" charset="0"/>
+              </a:rPr>
+              <a:t>];</a:t>
+            </a:r>
+          </a:p>
+          <a:p>
+            <a:pPr marL="0" indent="0">
+              <a:buNone/>
+            </a:pPr>
+            <a:r>
+              <a:rPr lang="en-US" dirty="0" err="1">
+                <a:latin typeface="Consolas" panose="020B0609020204030204" pitchFamily="49" charset="0"/>
+                <a:cs typeface="Consolas" panose="020B0609020204030204" pitchFamily="49" charset="0"/>
+              </a:rPr>
+              <a:t>CalculateRanks</a:t>
+            </a:r>
+            <a:r>
+              <a:rPr lang="en-US" dirty="0">
+                <a:latin typeface="Consolas" panose="020B0609020204030204" pitchFamily="49" charset="0"/>
+                <a:cs typeface="Consolas" panose="020B0609020204030204" pitchFamily="49" charset="0"/>
+              </a:rPr>
+              <a:t>(dice, ranks</a:t>
+            </a:r>
+            <a:r>
+              <a:rPr lang="en-US" dirty="0" smtClean="0">
+                <a:latin typeface="Consolas" panose="020B0609020204030204" pitchFamily="49" charset="0"/>
+                <a:cs typeface="Consolas" panose="020B0609020204030204" pitchFamily="49" charset="0"/>
+              </a:rPr>
+              <a:t>);</a:t>
+            </a:r>
+          </a:p>
+          <a:p>
+            <a:pPr marL="0" indent="0">
+              <a:buNone/>
+            </a:pPr>
+            <a:endParaRPr lang="en-US" dirty="0" smtClean="0">
+              <a:latin typeface="Consolas" panose="020B0609020204030204" pitchFamily="49" charset="0"/>
+              <a:cs typeface="Consolas" panose="020B0609020204030204" pitchFamily="49" charset="0"/>
+            </a:endParaRPr>
+          </a:p>
+          <a:p>
+            <a:pPr marL="0" indent="0">
+              <a:buNone/>
+            </a:pPr>
+            <a:r>
+              <a:rPr lang="en-US" sz="1800" dirty="0" err="1" smtClean="0">
+                <a:cs typeface="Consolas" panose="020B0609020204030204" pitchFamily="49" charset="0"/>
+              </a:rPr>
+              <a:t>Usiamo</a:t>
+            </a:r>
+            <a:r>
+              <a:rPr lang="en-US" sz="1800" dirty="0" smtClean="0">
+                <a:cs typeface="Consolas" panose="020B0609020204030204" pitchFamily="49" charset="0"/>
+              </a:rPr>
+              <a:t> un vector e </a:t>
+            </a:r>
+            <a:r>
+              <a:rPr lang="en-US" sz="1800" dirty="0" err="1" smtClean="0">
+                <a:cs typeface="Consolas" panose="020B0609020204030204" pitchFamily="49" charset="0"/>
+              </a:rPr>
+              <a:t>confidiamo</a:t>
+            </a:r>
+            <a:r>
+              <a:rPr lang="en-US" sz="1800" dirty="0" smtClean="0">
+                <a:cs typeface="Consolas" panose="020B0609020204030204" pitchFamily="49" charset="0"/>
+              </a:rPr>
+              <a:t> </a:t>
+            </a:r>
+            <a:r>
+              <a:rPr lang="en-US" sz="1800" dirty="0" err="1" smtClean="0">
+                <a:cs typeface="Consolas" panose="020B0609020204030204" pitchFamily="49" charset="0"/>
+              </a:rPr>
+              <a:t>nella</a:t>
+            </a:r>
+            <a:r>
+              <a:rPr lang="en-US" sz="1800" dirty="0" smtClean="0">
+                <a:cs typeface="Consolas" panose="020B0609020204030204" pitchFamily="49" charset="0"/>
+              </a:rPr>
+              <a:t> move-semantics (o </a:t>
+            </a:r>
+            <a:r>
+              <a:rPr lang="en-US" sz="1800" dirty="0" err="1" smtClean="0">
+                <a:cs typeface="Consolas" panose="020B0609020204030204" pitchFamily="49" charset="0"/>
+              </a:rPr>
+              <a:t>nell’RVO</a:t>
+            </a:r>
+            <a:r>
+              <a:rPr lang="en-US" sz="1800" dirty="0" smtClean="0">
+                <a:cs typeface="Consolas" panose="020B0609020204030204" pitchFamily="49" charset="0"/>
+              </a:rPr>
+              <a:t>, se </a:t>
+            </a:r>
+            <a:r>
+              <a:rPr lang="en-US" sz="1800" dirty="0" err="1" smtClean="0">
+                <a:cs typeface="Consolas" panose="020B0609020204030204" pitchFamily="49" charset="0"/>
+              </a:rPr>
+              <a:t>siamo</a:t>
+            </a:r>
+            <a:r>
+              <a:rPr lang="en-US" sz="1800" dirty="0" smtClean="0">
+                <a:cs typeface="Consolas" panose="020B0609020204030204" pitchFamily="49" charset="0"/>
+              </a:rPr>
+              <a:t> </a:t>
+            </a:r>
+            <a:r>
+              <a:rPr lang="en-US" sz="1800" dirty="0" err="1" smtClean="0">
+                <a:cs typeface="Consolas" panose="020B0609020204030204" pitchFamily="49" charset="0"/>
+              </a:rPr>
+              <a:t>fortunati</a:t>
+            </a:r>
+            <a:r>
+              <a:rPr lang="en-US" sz="1800" dirty="0" smtClean="0">
+                <a:cs typeface="Consolas" panose="020B0609020204030204" pitchFamily="49" charset="0"/>
+              </a:rPr>
+              <a:t>):</a:t>
+            </a:r>
+            <a:endParaRPr lang="en-US" sz="1800" dirty="0">
+              <a:cs typeface="Consolas" panose="020B0609020204030204" pitchFamily="49" charset="0"/>
+            </a:endParaRPr>
+          </a:p>
+          <a:p>
+            <a:pPr marL="0" indent="0">
+              <a:buNone/>
+            </a:pPr>
+            <a:endParaRPr lang="en-US" dirty="0">
+              <a:latin typeface="Consolas" panose="020B0609020204030204" pitchFamily="49" charset="0"/>
+              <a:cs typeface="Consolas" panose="020B0609020204030204" pitchFamily="49" charset="0"/>
+            </a:endParaRPr>
+          </a:p>
+          <a:p>
+            <a:pPr marL="0" indent="0">
+              <a:buNone/>
+            </a:pPr>
+            <a:r>
+              <a:rPr lang="it-IT" dirty="0">
+                <a:latin typeface="Consolas" panose="020B0609020204030204" pitchFamily="49" charset="0"/>
+                <a:cs typeface="Consolas" panose="020B0609020204030204" pitchFamily="49" charset="0"/>
+              </a:rPr>
+              <a:t>auto </a:t>
+            </a:r>
+            <a:r>
+              <a:rPr lang="it-IT" dirty="0" err="1">
+                <a:latin typeface="Consolas" panose="020B0609020204030204" pitchFamily="49" charset="0"/>
+                <a:cs typeface="Consolas" panose="020B0609020204030204" pitchFamily="49" charset="0"/>
+              </a:rPr>
+              <a:t>ranks</a:t>
+            </a:r>
+            <a:r>
+              <a:rPr lang="it-IT" dirty="0">
+                <a:latin typeface="Consolas" panose="020B0609020204030204" pitchFamily="49" charset="0"/>
+                <a:cs typeface="Consolas" panose="020B0609020204030204" pitchFamily="49" charset="0"/>
+              </a:rPr>
+              <a:t> = </a:t>
+            </a:r>
+            <a:r>
+              <a:rPr lang="it-IT" dirty="0" err="1">
+                <a:latin typeface="Consolas" panose="020B0609020204030204" pitchFamily="49" charset="0"/>
+                <a:cs typeface="Consolas" panose="020B0609020204030204" pitchFamily="49" charset="0"/>
+              </a:rPr>
+              <a:t>CalculateRanks</a:t>
+            </a:r>
+            <a:r>
+              <a:rPr lang="it-IT" dirty="0">
+                <a:latin typeface="Consolas" panose="020B0609020204030204" pitchFamily="49" charset="0"/>
+                <a:cs typeface="Consolas" panose="020B0609020204030204" pitchFamily="49" charset="0"/>
+              </a:rPr>
+              <a:t>(dice, </a:t>
+            </a:r>
+            <a:r>
+              <a:rPr lang="it-IT" dirty="0" err="1">
+                <a:latin typeface="Consolas" panose="020B0609020204030204" pitchFamily="49" charset="0"/>
+                <a:cs typeface="Consolas" panose="020B0609020204030204" pitchFamily="49" charset="0"/>
+              </a:rPr>
+              <a:t>maxDiceValue</a:t>
+            </a:r>
+            <a:r>
+              <a:rPr lang="it-IT" dirty="0" smtClean="0">
+                <a:latin typeface="Consolas" panose="020B0609020204030204" pitchFamily="49" charset="0"/>
+                <a:cs typeface="Consolas" panose="020B0609020204030204" pitchFamily="49" charset="0"/>
+              </a:rPr>
+              <a:t>);</a:t>
+            </a:r>
+          </a:p>
+          <a:p>
+            <a:pPr marL="0" indent="0">
+              <a:buNone/>
+            </a:pPr>
+            <a:endParaRPr lang="it-IT" dirty="0">
+              <a:latin typeface="Consolas" panose="020B0609020204030204" pitchFamily="49" charset="0"/>
+              <a:cs typeface="Consolas" panose="020B0609020204030204" pitchFamily="49" charset="0"/>
+            </a:endParaRPr>
+          </a:p>
+          <a:p>
+            <a:pPr>
+              <a:buFont typeface="Arial" panose="020B0604020202020204" pitchFamily="34" charset="0"/>
+              <a:buChar char="•"/>
+            </a:pPr>
+            <a:r>
+              <a:rPr lang="it-IT" sz="1800" dirty="0" smtClean="0">
+                <a:cs typeface="Consolas" panose="020B0609020204030204" pitchFamily="49" charset="0"/>
+              </a:rPr>
+              <a:t>Invece che avere una cascata di IF, possiamo gestire le regole come classi che rispettano un’interfaccia:</a:t>
+            </a:r>
+          </a:p>
+          <a:p>
+            <a:pPr>
+              <a:buFont typeface="Arial" panose="020B0604020202020204" pitchFamily="34" charset="0"/>
+              <a:buChar char="•"/>
+            </a:pPr>
+            <a:endParaRPr lang="it-IT" dirty="0">
+              <a:latin typeface="Consolas" panose="020B0609020204030204" pitchFamily="49" charset="0"/>
+              <a:cs typeface="Consolas" panose="020B0609020204030204" pitchFamily="49" charset="0"/>
+            </a:endParaRPr>
+          </a:p>
+          <a:p>
+            <a:pPr marL="0" indent="0">
+              <a:buNone/>
+            </a:pPr>
+            <a:r>
+              <a:rPr lang="it-IT" dirty="0" err="1" smtClean="0">
+                <a:latin typeface="Consolas" panose="020B0609020204030204" pitchFamily="49" charset="0"/>
+                <a:cs typeface="Consolas" panose="020B0609020204030204" pitchFamily="49" charset="0"/>
+              </a:rPr>
+              <a:t>vector</a:t>
+            </a:r>
+            <a:r>
+              <a:rPr lang="it-IT" dirty="0" smtClean="0">
+                <a:latin typeface="Consolas" panose="020B0609020204030204" pitchFamily="49" charset="0"/>
+                <a:cs typeface="Consolas" panose="020B0609020204030204" pitchFamily="49" charset="0"/>
+              </a:rPr>
+              <a:t>&lt;</a:t>
+            </a:r>
+            <a:r>
+              <a:rPr lang="it-IT" dirty="0" err="1" smtClean="0">
+                <a:latin typeface="Consolas" panose="020B0609020204030204" pitchFamily="49" charset="0"/>
+                <a:cs typeface="Consolas" panose="020B0609020204030204" pitchFamily="49" charset="0"/>
+              </a:rPr>
+              <a:t>unique_ptr</a:t>
+            </a:r>
+            <a:r>
+              <a:rPr lang="it-IT" dirty="0" smtClean="0">
+                <a:latin typeface="Consolas" panose="020B0609020204030204" pitchFamily="49" charset="0"/>
+                <a:cs typeface="Consolas" panose="020B0609020204030204" pitchFamily="49" charset="0"/>
+              </a:rPr>
+              <a:t>&lt;</a:t>
+            </a:r>
+            <a:r>
+              <a:rPr lang="it-IT" dirty="0" err="1" smtClean="0">
+                <a:latin typeface="Consolas" panose="020B0609020204030204" pitchFamily="49" charset="0"/>
+                <a:cs typeface="Consolas" panose="020B0609020204030204" pitchFamily="49" charset="0"/>
+              </a:rPr>
+              <a:t>IRule</a:t>
+            </a:r>
+            <a:r>
+              <a:rPr lang="it-IT" dirty="0" smtClean="0">
+                <a:latin typeface="Consolas" panose="020B0609020204030204" pitchFamily="49" charset="0"/>
+                <a:cs typeface="Consolas" panose="020B0609020204030204" pitchFamily="49" charset="0"/>
+              </a:rPr>
+              <a:t>&gt;&gt; </a:t>
+            </a:r>
+            <a:r>
+              <a:rPr lang="it-IT" dirty="0" err="1" smtClean="0">
+                <a:latin typeface="Consolas" panose="020B0609020204030204" pitchFamily="49" charset="0"/>
+                <a:cs typeface="Consolas" panose="020B0609020204030204" pitchFamily="49" charset="0"/>
+              </a:rPr>
+              <a:t>rules</a:t>
+            </a:r>
+            <a:r>
+              <a:rPr lang="it-IT" dirty="0" smtClean="0">
+                <a:latin typeface="Consolas" panose="020B0609020204030204" pitchFamily="49" charset="0"/>
+                <a:cs typeface="Consolas" panose="020B0609020204030204" pitchFamily="49" charset="0"/>
+              </a:rPr>
+              <a:t>; // gestione automatica della memoria</a:t>
+            </a:r>
+          </a:p>
+        </p:txBody>
+      </p:sp>
+    </p:spTree>
+    <p:extLst>
+      <p:ext uri="{BB962C8B-B14F-4D97-AF65-F5344CB8AC3E}">
+        <p14:creationId xmlns:p14="http://schemas.microsoft.com/office/powerpoint/2010/main" val="2269946332"/>
+      </p:ext>
+    </p:extLst>
+  </p:cSld>
+  <p:clrMapOvr>
+    <a:masterClrMapping/>
+  </p:clrMapOvr>
+  <mc:AlternateContent xmlns:mc="http://schemas.openxmlformats.org/markup-compatibility/2006" xmlns:p14="http://schemas.microsoft.com/office/powerpoint/2010/main">
+    <mc:Choice Requires="p14">
+      <p:transition spd="slow" p14:dur="1200">
+        <p14:prism/>
+      </p:transition>
+    </mc:Choice>
+    <mc:Fallback xmlns="">
+      <p:transition spd="slow">
+        <p:fade/>
+      </p:transition>
+    </mc:Fallback>
+  </mc:AlternateContent>
+  <p:timing>
+    <p:tnLst>
+      <p:par>
+        <p:cTn id="1" dur="indefinite" restart="never" nodeType="tmRoot"/>
+      </p:par>
+    </p:tnLst>
+  </p:timing>
+</p:sld>
+</file>
+
+<file path=ppt/slides/slide14.xml><?xml version="1.0" encoding="utf-8"?>
+<p:sld xmlns:a="http://schemas.openxmlformats.org/drawingml/2006/main" xmlns:r="http://schemas.openxmlformats.org/officeDocument/2006/relationships" xmlns:p="http://schemas.openxmlformats.org/presentationml/2006/main">
+  <p:cSld>
+    <p:spTree>
+      <p:nvGrpSpPr>
+        <p:cNvPr id="1" name=""/>
+        <p:cNvGrpSpPr/>
+        <p:nvPr/>
+      </p:nvGrpSpPr>
+      <p:grpSpPr>
+        <a:xfrm>
+          <a:off x="0" y="0"/>
+          <a:ext cx="0" cy="0"/>
+          <a:chOff x="0" y="0"/>
+          <a:chExt cx="0" cy="0"/>
+        </a:xfrm>
+      </p:grpSpPr>
+      <p:sp>
+        <p:nvSpPr>
+          <p:cNvPr id="2" name="Titolo 1"/>
+          <p:cNvSpPr>
+            <a:spLocks noGrp="1"/>
+          </p:cNvSpPr>
+          <p:nvPr>
+            <p:ph type="title"/>
+          </p:nvPr>
+        </p:nvSpPr>
+        <p:spPr/>
+        <p:txBody>
+          <a:bodyPr/>
+          <a:lstStyle/>
+          <a:p>
+            <a:r>
+              <a:rPr lang="it-IT" dirty="0" err="1"/>
+              <a:t>Retrospective</a:t>
+            </a:r>
+            <a:r>
               <a:rPr lang="it-IT" dirty="0"/>
-              <a:t>Parte 2: </a:t>
+              <a:t> 2</a:t>
+            </a:r>
+          </a:p>
+        </p:txBody>
+      </p:sp>
+      <p:sp>
+        <p:nvSpPr>
+          <p:cNvPr id="3" name="Segnaposto contenuto 2"/>
+          <p:cNvSpPr>
+            <a:spLocks noGrp="1"/>
+          </p:cNvSpPr>
+          <p:nvPr>
+            <p:ph idx="1"/>
+          </p:nvPr>
+        </p:nvSpPr>
+        <p:spPr/>
+        <p:txBody>
+          <a:bodyPr>
+            <a:normAutofit lnSpcReduction="10000"/>
+          </a:bodyPr>
+          <a:lstStyle/>
+          <a:p>
+            <a:pPr marL="0" indent="0">
+              <a:buNone/>
+            </a:pPr>
+            <a:endParaRPr lang="it-IT" dirty="0" smtClean="0"/>
+          </a:p>
+          <a:p>
+            <a:pPr>
+              <a:buFont typeface="Arial" panose="020B0604020202020204" pitchFamily="34" charset="0"/>
+              <a:buChar char="•"/>
+            </a:pPr>
+            <a:r>
+              <a:rPr lang="it-IT" dirty="0" smtClean="0"/>
+              <a:t>Non so se vi siete accorti di alcune classi con costruttori di copia e distruttori inutili…</a:t>
+            </a:r>
+          </a:p>
+          <a:p>
+            <a:pPr marL="0" indent="0">
+              <a:buNone/>
+            </a:pPr>
+            <a:endParaRPr lang="it-IT" dirty="0" smtClean="0"/>
+          </a:p>
+          <a:p>
+            <a:pPr marL="0" indent="0">
+              <a:buNone/>
+            </a:pPr>
+            <a:r>
+              <a:rPr lang="it-IT" dirty="0" err="1">
+                <a:latin typeface="Consolas" panose="020B0609020204030204" pitchFamily="49" charset="0"/>
+                <a:cs typeface="Consolas" panose="020B0609020204030204" pitchFamily="49" charset="0"/>
+              </a:rPr>
+              <a:t>ScoreTable</a:t>
+            </a:r>
+            <a:r>
+              <a:rPr lang="it-IT" dirty="0">
+                <a:latin typeface="Consolas" panose="020B0609020204030204" pitchFamily="49" charset="0"/>
+                <a:cs typeface="Consolas" panose="020B0609020204030204" pitchFamily="49" charset="0"/>
+              </a:rPr>
+              <a:t>::</a:t>
+            </a:r>
+            <a:r>
+              <a:rPr lang="it-IT" dirty="0" err="1">
+                <a:latin typeface="Consolas" panose="020B0609020204030204" pitchFamily="49" charset="0"/>
+                <a:cs typeface="Consolas" panose="020B0609020204030204" pitchFamily="49" charset="0"/>
+              </a:rPr>
+              <a:t>ScoreTable</a:t>
+            </a:r>
+            <a:r>
+              <a:rPr lang="it-IT" dirty="0">
+                <a:latin typeface="Consolas" panose="020B0609020204030204" pitchFamily="49" charset="0"/>
+                <a:cs typeface="Consolas" panose="020B0609020204030204" pitchFamily="49" charset="0"/>
+              </a:rPr>
+              <a:t>(</a:t>
+            </a:r>
+            <a:r>
+              <a:rPr lang="it-IT" dirty="0" err="1">
+                <a:latin typeface="Consolas" panose="020B0609020204030204" pitchFamily="49" charset="0"/>
+                <a:cs typeface="Consolas" panose="020B0609020204030204" pitchFamily="49" charset="0"/>
+              </a:rPr>
+              <a:t>const</a:t>
+            </a:r>
+            <a:r>
+              <a:rPr lang="it-IT" dirty="0">
+                <a:latin typeface="Consolas" panose="020B0609020204030204" pitchFamily="49" charset="0"/>
+                <a:cs typeface="Consolas" panose="020B0609020204030204" pitchFamily="49" charset="0"/>
+              </a:rPr>
+              <a:t> </a:t>
+            </a:r>
+            <a:r>
+              <a:rPr lang="it-IT" dirty="0" err="1">
+                <a:latin typeface="Consolas" panose="020B0609020204030204" pitchFamily="49" charset="0"/>
+                <a:cs typeface="Consolas" panose="020B0609020204030204" pitchFamily="49" charset="0"/>
+              </a:rPr>
+              <a:t>ScoreTable</a:t>
+            </a:r>
+            <a:r>
+              <a:rPr lang="it-IT" dirty="0">
+                <a:latin typeface="Consolas" panose="020B0609020204030204" pitchFamily="49" charset="0"/>
+                <a:cs typeface="Consolas" panose="020B0609020204030204" pitchFamily="49" charset="0"/>
+              </a:rPr>
+              <a:t>&amp; </a:t>
+            </a:r>
+            <a:r>
+              <a:rPr lang="it-IT" dirty="0" err="1">
+                <a:latin typeface="Consolas" panose="020B0609020204030204" pitchFamily="49" charset="0"/>
+                <a:cs typeface="Consolas" panose="020B0609020204030204" pitchFamily="49" charset="0"/>
+              </a:rPr>
+              <a:t>other</a:t>
+            </a:r>
+            <a:r>
+              <a:rPr lang="it-IT" dirty="0" smtClean="0">
+                <a:latin typeface="Consolas" panose="020B0609020204030204" pitchFamily="49" charset="0"/>
+                <a:cs typeface="Consolas" panose="020B0609020204030204" pitchFamily="49" charset="0"/>
+              </a:rPr>
+              <a:t>)</a:t>
+            </a:r>
+          </a:p>
+          <a:p>
+            <a:pPr marL="0" indent="0">
+              <a:buNone/>
+            </a:pPr>
+            <a:r>
+              <a:rPr lang="it-IT" dirty="0">
+                <a:latin typeface="Consolas" panose="020B0609020204030204" pitchFamily="49" charset="0"/>
+                <a:cs typeface="Consolas" panose="020B0609020204030204" pitchFamily="49" charset="0"/>
+              </a:rPr>
+              <a:t>	</a:t>
+            </a:r>
+            <a:r>
+              <a:rPr lang="it-IT" dirty="0" smtClean="0">
+                <a:latin typeface="Consolas" panose="020B0609020204030204" pitchFamily="49" charset="0"/>
+                <a:cs typeface="Consolas" panose="020B0609020204030204" pitchFamily="49" charset="0"/>
+              </a:rPr>
+              <a:t>: </a:t>
+            </a:r>
+            <a:r>
+              <a:rPr lang="it-IT" dirty="0" err="1" smtClean="0">
+                <a:latin typeface="Consolas" panose="020B0609020204030204" pitchFamily="49" charset="0"/>
+                <a:cs typeface="Consolas" panose="020B0609020204030204" pitchFamily="49" charset="0"/>
+              </a:rPr>
+              <a:t>scores</a:t>
+            </a:r>
+            <a:r>
+              <a:rPr lang="it-IT" dirty="0" smtClean="0">
+                <a:latin typeface="Consolas" panose="020B0609020204030204" pitchFamily="49" charset="0"/>
+                <a:cs typeface="Consolas" panose="020B0609020204030204" pitchFamily="49" charset="0"/>
+              </a:rPr>
+              <a:t>(</a:t>
+            </a:r>
+            <a:r>
+              <a:rPr lang="it-IT" dirty="0" err="1" smtClean="0">
+                <a:latin typeface="Consolas" panose="020B0609020204030204" pitchFamily="49" charset="0"/>
+                <a:cs typeface="Consolas" panose="020B0609020204030204" pitchFamily="49" charset="0"/>
+              </a:rPr>
+              <a:t>other.scores</a:t>
+            </a:r>
+            <a:r>
+              <a:rPr lang="it-IT" dirty="0" smtClean="0">
+                <a:latin typeface="Consolas" panose="020B0609020204030204" pitchFamily="49" charset="0"/>
+                <a:cs typeface="Consolas" panose="020B0609020204030204" pitchFamily="49" charset="0"/>
+              </a:rPr>
+              <a:t>) { }</a:t>
+            </a:r>
+          </a:p>
+          <a:p>
+            <a:pPr marL="0" indent="0">
+              <a:buNone/>
+            </a:pPr>
+            <a:endParaRPr lang="it-IT" dirty="0">
+              <a:latin typeface="Consolas" panose="020B0609020204030204" pitchFamily="49" charset="0"/>
+              <a:cs typeface="Consolas" panose="020B0609020204030204" pitchFamily="49" charset="0"/>
+            </a:endParaRPr>
+          </a:p>
+          <a:p>
+            <a:pPr marL="0" indent="0">
+              <a:buNone/>
+            </a:pPr>
+            <a:r>
+              <a:rPr lang="it-IT" dirty="0" err="1">
+                <a:latin typeface="Consolas" panose="020B0609020204030204" pitchFamily="49" charset="0"/>
+                <a:cs typeface="Consolas" panose="020B0609020204030204" pitchFamily="49" charset="0"/>
+              </a:rPr>
+              <a:t>ScoreTable</a:t>
+            </a:r>
+            <a:r>
+              <a:rPr lang="it-IT" dirty="0">
+                <a:latin typeface="Consolas" panose="020B0609020204030204" pitchFamily="49" charset="0"/>
+                <a:cs typeface="Consolas" panose="020B0609020204030204" pitchFamily="49" charset="0"/>
+              </a:rPr>
+              <a:t> </a:t>
+            </a:r>
+            <a:r>
+              <a:rPr lang="it-IT" dirty="0" smtClean="0">
+                <a:latin typeface="Consolas" panose="020B0609020204030204" pitchFamily="49" charset="0"/>
+                <a:cs typeface="Consolas" panose="020B0609020204030204" pitchFamily="49" charset="0"/>
+              </a:rPr>
+              <a:t>::~</a:t>
+            </a:r>
+            <a:r>
+              <a:rPr lang="it-IT" dirty="0" err="1" smtClean="0">
+                <a:latin typeface="Consolas" panose="020B0609020204030204" pitchFamily="49" charset="0"/>
+                <a:cs typeface="Consolas" panose="020B0609020204030204" pitchFamily="49" charset="0"/>
+              </a:rPr>
+              <a:t>ScoreTable</a:t>
+            </a:r>
+            <a:r>
+              <a:rPr lang="it-IT" dirty="0" smtClean="0">
+                <a:latin typeface="Consolas" panose="020B0609020204030204" pitchFamily="49" charset="0"/>
+                <a:cs typeface="Consolas" panose="020B0609020204030204" pitchFamily="49" charset="0"/>
+              </a:rPr>
+              <a:t>() { }</a:t>
+            </a:r>
+          </a:p>
+          <a:p>
+            <a:pPr marL="0" indent="0">
+              <a:buNone/>
+            </a:pPr>
+            <a:endParaRPr lang="it-IT" dirty="0" smtClean="0">
+              <a:latin typeface="Consolas" panose="020B0609020204030204" pitchFamily="49" charset="0"/>
+              <a:cs typeface="Consolas" panose="020B0609020204030204" pitchFamily="49" charset="0"/>
+            </a:endParaRPr>
+          </a:p>
+          <a:p>
+            <a:pPr marL="0" indent="0" algn="ctr">
+              <a:buNone/>
+            </a:pPr>
+            <a:r>
+              <a:rPr lang="it-IT" sz="2400" dirty="0" smtClean="0">
+                <a:cs typeface="Consolas" panose="020B0609020204030204" pitchFamily="49" charset="0"/>
+              </a:rPr>
+              <a:t>Non servono! Osserviamo la </a:t>
+            </a:r>
+            <a:r>
+              <a:rPr lang="it-IT" sz="2400" dirty="0" err="1" smtClean="0">
+                <a:cs typeface="Consolas" panose="020B0609020204030204" pitchFamily="49" charset="0"/>
+              </a:rPr>
+              <a:t>Rule</a:t>
+            </a:r>
+            <a:r>
+              <a:rPr lang="it-IT" sz="2400" dirty="0" smtClean="0">
+                <a:cs typeface="Consolas" panose="020B0609020204030204" pitchFamily="49" charset="0"/>
+              </a:rPr>
+              <a:t> of Zero:</a:t>
+            </a:r>
+            <a:endParaRPr lang="it-IT" sz="2400" dirty="0">
+              <a:cs typeface="Consolas" panose="020B0609020204030204" pitchFamily="49" charset="0"/>
+            </a:endParaRPr>
+          </a:p>
+          <a:p>
+            <a:pPr marL="0" indent="0">
+              <a:buNone/>
+            </a:pPr>
+            <a:endParaRPr lang="it-IT" dirty="0">
+              <a:latin typeface="Consolas" panose="020B0609020204030204" pitchFamily="49" charset="0"/>
+              <a:cs typeface="Consolas" panose="020B0609020204030204" pitchFamily="49" charset="0"/>
+            </a:endParaRPr>
+          </a:p>
+          <a:p>
+            <a:pPr marL="0" indent="0" algn="just">
+              <a:buNone/>
+            </a:pPr>
+            <a:r>
+              <a:rPr lang="it-IT" sz="1600" dirty="0"/>
+              <a:t>Se una classe ha a che fare </a:t>
+            </a:r>
+            <a:r>
+              <a:rPr lang="it-IT" sz="1600" b="1" dirty="0"/>
+              <a:t>esclusivamente</a:t>
+            </a:r>
+            <a:r>
+              <a:rPr lang="it-IT" sz="1600" dirty="0"/>
+              <a:t> </a:t>
+            </a:r>
+            <a:r>
+              <a:rPr lang="it-IT" sz="1600" b="1" dirty="0"/>
+              <a:t>con l’</a:t>
+            </a:r>
+            <a:r>
+              <a:rPr lang="it-IT" sz="1600" b="1" dirty="0" err="1"/>
+              <a:t>ownership</a:t>
+            </a:r>
+            <a:r>
+              <a:rPr lang="it-IT" sz="1600" b="1" dirty="0"/>
+              <a:t> </a:t>
+            </a:r>
+            <a:r>
+              <a:rPr lang="it-IT" sz="1600" dirty="0"/>
+              <a:t>(e.g. un </a:t>
+            </a:r>
+            <a:r>
+              <a:rPr lang="it-IT" sz="1600" dirty="0" err="1"/>
+              <a:t>vector</a:t>
+            </a:r>
+            <a:r>
+              <a:rPr lang="it-IT" sz="1600" dirty="0"/>
+              <a:t>) allora può personalizzare distruttore, costruttori di copia/</a:t>
+            </a:r>
+            <a:r>
+              <a:rPr lang="it-IT" sz="1600" dirty="0" err="1"/>
+              <a:t>move</a:t>
+            </a:r>
+            <a:r>
+              <a:rPr lang="it-IT" sz="1600" dirty="0"/>
+              <a:t>, operatori di assegnazione (copia/</a:t>
+            </a:r>
+            <a:r>
+              <a:rPr lang="it-IT" sz="1600" dirty="0" err="1"/>
+              <a:t>move</a:t>
+            </a:r>
+            <a:r>
+              <a:rPr lang="it-IT" sz="1600" dirty="0"/>
+              <a:t>).</a:t>
+            </a:r>
+          </a:p>
+          <a:p>
+            <a:pPr marL="0" indent="0" algn="just">
+              <a:buNone/>
+            </a:pPr>
+            <a:r>
+              <a:rPr lang="it-IT" sz="1600" dirty="0"/>
+              <a:t>Altrimenti (e.g. una classe di dominio) </a:t>
+            </a:r>
+            <a:r>
+              <a:rPr lang="it-IT" sz="1600" u="sng" dirty="0"/>
+              <a:t>non deve personalizzarne alcuno </a:t>
+            </a:r>
+            <a:r>
+              <a:rPr lang="it-IT" sz="1600" dirty="0"/>
+              <a:t>(il compilatore crea per noi quelli di default – </a:t>
+            </a:r>
+            <a:r>
+              <a:rPr lang="it-IT" sz="1600" i="1" dirty="0" err="1"/>
+              <a:t>member-wise</a:t>
+            </a:r>
+            <a:r>
+              <a:rPr lang="it-IT" sz="1600" dirty="0"/>
+              <a:t>).</a:t>
+            </a:r>
+          </a:p>
+          <a:p>
+            <a:pPr algn="just"/>
+            <a:endParaRPr lang="it-IT" sz="1600" dirty="0"/>
+          </a:p>
+          <a:p>
+            <a:pPr marL="0" indent="0" algn="ctr">
+              <a:buNone/>
+            </a:pPr>
+            <a:r>
+              <a:rPr lang="it-IT" sz="1600" dirty="0"/>
+              <a:t>Un caso particolare del </a:t>
+            </a:r>
+            <a:r>
+              <a:rPr lang="it-IT" sz="1600" i="1" dirty="0"/>
+              <a:t>Single </a:t>
+            </a:r>
+            <a:r>
+              <a:rPr lang="it-IT" sz="1600" i="1" dirty="0" err="1"/>
+              <a:t>Responsability</a:t>
+            </a:r>
+            <a:r>
+              <a:rPr lang="it-IT" sz="1600" i="1" dirty="0"/>
+              <a:t> </a:t>
+            </a:r>
+            <a:r>
+              <a:rPr lang="it-IT" sz="1600" i="1" dirty="0" err="1"/>
+              <a:t>Principle</a:t>
+            </a:r>
+            <a:endParaRPr lang="it-IT" sz="1600" i="1" dirty="0"/>
+          </a:p>
+          <a:p>
+            <a:pPr marL="0" indent="0">
+              <a:buNone/>
+            </a:pPr>
+            <a:endParaRPr lang="it-IT" dirty="0" smtClean="0">
+              <a:latin typeface="Consolas" panose="020B0609020204030204" pitchFamily="49" charset="0"/>
+              <a:cs typeface="Consolas" panose="020B0609020204030204" pitchFamily="49" charset="0"/>
+            </a:endParaRPr>
+          </a:p>
+        </p:txBody>
+      </p:sp>
+    </p:spTree>
+    <p:extLst>
+      <p:ext uri="{BB962C8B-B14F-4D97-AF65-F5344CB8AC3E}">
+        <p14:creationId xmlns:p14="http://schemas.microsoft.com/office/powerpoint/2010/main" val="1258952960"/>
+      </p:ext>
+    </p:extLst>
+  </p:cSld>
+  <p:clrMapOvr>
+    <a:masterClrMapping/>
+  </p:clrMapOvr>
+  <p:transition spd="slow">
+    <p:wipe/>
+  </p:transition>
+  <p:timing>
+    <p:tnLst>
+      <p:par>
+        <p:cTn id="1" dur="indefinite" restart="never" nodeType="tmRoot"/>
+      </p:par>
+    </p:tnLst>
+  </p:timing>
+</p:sld>
+</file>
+
+<file path=ppt/slides/slide15.xml><?xml version="1.0" encoding="utf-8"?>
+<p:sld xmlns:a="http://schemas.openxmlformats.org/drawingml/2006/main" xmlns:r="http://schemas.openxmlformats.org/officeDocument/2006/relationships" xmlns:p="http://schemas.openxmlformats.org/presentationml/2006/main">
+  <p:cSld>
+    <p:spTree>
+      <p:nvGrpSpPr>
+        <p:cNvPr id="1" name=""/>
+        <p:cNvGrpSpPr/>
+        <p:nvPr/>
+      </p:nvGrpSpPr>
+      <p:grpSpPr>
+        <a:xfrm>
+          <a:off x="0" y="0"/>
+          <a:ext cx="0" cy="0"/>
+          <a:chOff x="0" y="0"/>
+          <a:chExt cx="0" cy="0"/>
+        </a:xfrm>
+      </p:grpSpPr>
+      <p:sp>
+        <p:nvSpPr>
+          <p:cNvPr id="2" name="Titolo 1"/>
+          <p:cNvSpPr>
+            <a:spLocks noGrp="1"/>
+          </p:cNvSpPr>
+          <p:nvPr>
+            <p:ph type="title"/>
+          </p:nvPr>
+        </p:nvSpPr>
+        <p:spPr/>
+        <p:txBody>
+          <a:bodyPr/>
+          <a:lstStyle/>
+          <a:p>
+            <a:r>
+              <a:rPr lang="it-IT" dirty="0"/>
+              <a:t>Parte </a:t>
+            </a:r>
+            <a:r>
+              <a:rPr lang="it-IT" dirty="0" smtClean="0"/>
+              <a:t>3: </a:t>
             </a:r>
             <a:r>
               <a:rPr lang="it-IT" dirty="0" smtClean="0"/>
@@ -3470,12 +4413,6 @@
               </a:rPr>
               <a:t>}</a:t>
             </a:r>
-            <a:endParaRPr lang="en-US" sz="1600" dirty="0">
-              <a:solidFill>
-                <a:prstClr val="black"/>
-              </a:solidFill>
-              <a:latin typeface="Consolas"/>
-            </a:endParaRPr>
           </a:p>
         </p:txBody>
       </p:sp>
@@ -4211,13 +5148,13 @@
   <p:clrMapOvr>
     <a:masterClrMapping/>
   </p:clrMapOvr>
-  <mc:AlternateContent xmlns:mc="http://schemas.openxmlformats.org/markup-compatibility/2006">
-    <mc:Choice xmlns:p15="http://schemas.microsoft.com/office/powerpoint/2012/main" Requires="p15">
+  <mc:AlternateContent xmlns:mc="http://schemas.openxmlformats.org/markup-compatibility/2006" xmlns:p15="http://schemas.microsoft.com/office/powerpoint/2012/main">
+    <mc:Choice Requires="p15">
       <p:transition xmlns:p14="http://schemas.microsoft.com/office/powerpoint/2010/main" spd="slow" p14:dur="2000">
         <p15:prstTrans prst="fallOver"/>
       </p:transition>
     </mc:Choice>
-    <mc:Fallback>
+    <mc:Fallback xmlns="">
       <p:transition spd="slow">
         <p:fade/>
       </p:transition>
@@ -4315,6 +5252,18 @@
             <a:r>
               <a:rPr lang="it-IT" sz="2000" dirty="0" err="1" smtClean="0"/>
               <a:t>Headline</a:t>
+            </a:r>
+            <a:r>
+              <a:rPr lang="it-IT" sz="2000" dirty="0" smtClean="0"/>
+              <a:t> (</a:t>
+            </a:r>
+            <a:r>
+              <a:rPr lang="it-IT" sz="2000" dirty="0" err="1" smtClean="0"/>
+              <a:t>tw</a:t>
+            </a:r>
+            <a:r>
+              <a:rPr lang="it-IT" sz="2000" dirty="0" smtClean="0"/>
+              <a:t>)</a:t>
             </a:r>
             <a:endParaRPr lang="it-IT" sz="2000" dirty="0" smtClean="0"/>
           </a:p>
@@ -4503,7 +5452,7 @@
           <a:p>
             <a:r>
               <a:rPr lang="it-IT" dirty="0" smtClean="0"/>
-              <a:t>C++11</a:t>
+              <a:t>Presentazione del workshop</a:t>
             </a:r>
             <a:endParaRPr lang="it-IT" dirty="0"/>
           </a:p>
@@ -4524,43 +5473,20 @@
           <a:bodyPr/>
           <a:lstStyle/>
           <a:p>
-            <a:r>
-              <a:rPr lang="it-IT" dirty="0" smtClean="0"/>
-              <a:t>Due parole sul C++11</a:t>
-            </a:r>
-            <a:endParaRPr lang="it-IT" dirty="0"/>
+            <a:endParaRPr lang="it-IT"/>
           </a:p>
         </p:txBody>
       </p:sp>
     </p:spTree>
     <p:extLst>
       <p:ext uri="{BB962C8B-B14F-4D97-AF65-F5344CB8AC3E}">
-        <p14:creationId xmlns:p14="http://schemas.microsoft.com/office/powerpoint/2010/main" val="1039800657"/>
+        <p14:creationId xmlns:p14="http://schemas.microsoft.com/office/powerpoint/2010/main" val="1490504573"/>
       </p:ext>
     </p:extLst>
   </p:cSld>
   <p:clrMapOvr>
     <a:masterClrMapping/>
   </p:clrMapOvr>
-  <mc:AlternateContent xmlns:mc="http://schemas.openxmlformats.org/markup-compatibility/2006">
-    <mc:Choice xmlns:p14="http://schemas.microsoft.com/office/powerpoint/2010/main" Requires="p14">
-      <p:transition spd="slow" p14:dur="1500">
-        <p:split orient="vert"/>
-      </p:transition>
-    </mc:Choice>
-    <mc:Fallback>
-      <p:transition spd="slow">
-        <p:split orient="vert"/>
-      </p:transition>
-    </mc:Fallback>
-  </mc:AlternateContent>
-  <p:timing>
-    <p:tnLst>
-      <p:par>
-        <p:cTn id="1" dur="indefinite" restart="never" nodeType="tmRoot"/>
-      </p:par>
-    </p:tnLst>
-  </p:timing>
 </p:sld>
 </file>
 
@@ -4597,8 +5523,12 @@
           <a:lstStyle/>
           <a:p>
             <a:r>
-              <a:rPr lang="it-IT" dirty="0" smtClean="0"/>
-              <a:t>Parte 1: Produttività</a:t>
+              <a:rPr lang="it-IT" dirty="0" err="1"/>
+              <a:t>Y</a:t>
+            </a:r>
+            <a:r>
+              <a:rPr lang="it-IT" dirty="0" err="1" smtClean="0"/>
+              <a:t>ahtzee</a:t>
             </a:r>
             <a:endParaRPr lang="it-IT" dirty="0"/>
           </a:p>
@@ -4619,402 +5549,24 @@
           <a:bodyPr/>
           <a:lstStyle/>
           <a:p>
-            <a:pPr marL="0" indent="0">
-              <a:buNone/>
-            </a:pPr>
-            <a:endParaRPr lang="it-IT" dirty="0" smtClean="0">
-              <a:latin typeface="Consolas" panose="020B0609020204030204" pitchFamily="49" charset="0"/>
-              <a:cs typeface="Consolas" panose="020B0609020204030204" pitchFamily="49" charset="0"/>
-            </a:endParaRPr>
-          </a:p>
-          <a:p>
-            <a:pPr marL="0" indent="0">
-              <a:buNone/>
-            </a:pPr>
-            <a:r>
-              <a:rPr lang="it-IT" dirty="0" smtClean="0">
-                <a:latin typeface="Consolas" panose="020B0609020204030204" pitchFamily="49" charset="0"/>
-                <a:cs typeface="Consolas" panose="020B0609020204030204" pitchFamily="49" charset="0"/>
-              </a:rPr>
-              <a:t>auto </a:t>
-            </a:r>
-            <a:r>
-              <a:rPr lang="it-IT" dirty="0" err="1" smtClean="0">
-                <a:latin typeface="Consolas" panose="020B0609020204030204" pitchFamily="49" charset="0"/>
-                <a:cs typeface="Consolas" panose="020B0609020204030204" pitchFamily="49" charset="0"/>
-              </a:rPr>
-              <a:t>anInt</a:t>
-            </a:r>
-            <a:r>
-              <a:rPr lang="it-IT" dirty="0" smtClean="0">
-                <a:latin typeface="Consolas" panose="020B0609020204030204" pitchFamily="49" charset="0"/>
-                <a:cs typeface="Consolas" panose="020B0609020204030204" pitchFamily="49" charset="0"/>
-              </a:rPr>
-              <a:t> = 10; // </a:t>
-            </a:r>
-            <a:r>
-              <a:rPr lang="it-IT" b="1" dirty="0" err="1" smtClean="0">
-                <a:solidFill>
-                  <a:schemeClr val="tx1"/>
-                </a:solidFill>
-                <a:latin typeface="Consolas" panose="020B0609020204030204" pitchFamily="49" charset="0"/>
-                <a:cs typeface="Consolas" panose="020B0609020204030204" pitchFamily="49" charset="0"/>
-              </a:rPr>
-              <a:t>auto</a:t>
-            </a:r>
-            <a:r>
-              <a:rPr lang="it-IT" dirty="0" err="1" smtClean="0">
-                <a:latin typeface="Consolas" panose="020B0609020204030204" pitchFamily="49" charset="0"/>
-                <a:cs typeface="Consolas" panose="020B0609020204030204" pitchFamily="49" charset="0"/>
-              </a:rPr>
-              <a:t>matic</a:t>
-            </a:r>
-            <a:r>
-              <a:rPr lang="it-IT" dirty="0" smtClean="0">
-                <a:latin typeface="Consolas" panose="020B0609020204030204" pitchFamily="49" charset="0"/>
-                <a:cs typeface="Consolas" panose="020B0609020204030204" pitchFamily="49" charset="0"/>
-              </a:rPr>
-              <a:t> </a:t>
-            </a:r>
-            <a:r>
-              <a:rPr lang="it-IT" dirty="0" err="1" smtClean="0">
-                <a:latin typeface="Consolas" panose="020B0609020204030204" pitchFamily="49" charset="0"/>
-                <a:cs typeface="Consolas" panose="020B0609020204030204" pitchFamily="49" charset="0"/>
-              </a:rPr>
-              <a:t>type-inference</a:t>
-            </a:r>
-            <a:endParaRPr lang="it-IT" dirty="0" smtClean="0">
-              <a:latin typeface="Consolas" panose="020B0609020204030204" pitchFamily="49" charset="0"/>
-              <a:cs typeface="Consolas" panose="020B0609020204030204" pitchFamily="49" charset="0"/>
-            </a:endParaRPr>
-          </a:p>
-          <a:p>
-            <a:pPr marL="0" indent="0">
-              <a:buNone/>
-            </a:pPr>
-            <a:endParaRPr lang="it-IT" dirty="0" smtClean="0">
-              <a:latin typeface="Consolas" panose="020B0609020204030204" pitchFamily="49" charset="0"/>
-              <a:cs typeface="Consolas" panose="020B0609020204030204" pitchFamily="49" charset="0"/>
-            </a:endParaRPr>
-          </a:p>
-          <a:p>
-            <a:pPr marL="0" indent="0">
-              <a:buNone/>
-            </a:pPr>
-            <a:r>
-              <a:rPr lang="it-IT" dirty="0" err="1" smtClean="0">
-                <a:latin typeface="Consolas" panose="020B0609020204030204" pitchFamily="49" charset="0"/>
-                <a:cs typeface="Consolas" panose="020B0609020204030204" pitchFamily="49" charset="0"/>
-              </a:rPr>
-              <a:t>string</a:t>
-            </a:r>
-            <a:r>
-              <a:rPr lang="it-IT" dirty="0" smtClean="0">
-                <a:latin typeface="Consolas" panose="020B0609020204030204" pitchFamily="49" charset="0"/>
-                <a:cs typeface="Consolas" panose="020B0609020204030204" pitchFamily="49" charset="0"/>
-              </a:rPr>
-              <a:t> s {"hello C++11"}; // </a:t>
-            </a:r>
-            <a:r>
-              <a:rPr lang="it-IT" dirty="0" err="1" smtClean="0">
-                <a:latin typeface="Consolas" panose="020B0609020204030204" pitchFamily="49" charset="0"/>
-                <a:cs typeface="Consolas" panose="020B0609020204030204" pitchFamily="49" charset="0"/>
-              </a:rPr>
-              <a:t>uniform</a:t>
-            </a:r>
-            <a:r>
-              <a:rPr lang="it-IT" dirty="0" smtClean="0">
-                <a:latin typeface="Consolas" panose="020B0609020204030204" pitchFamily="49" charset="0"/>
-                <a:cs typeface="Consolas" panose="020B0609020204030204" pitchFamily="49" charset="0"/>
-              </a:rPr>
-              <a:t> </a:t>
-            </a:r>
-            <a:r>
-              <a:rPr lang="it-IT" dirty="0" err="1" smtClean="0">
-                <a:latin typeface="Consolas" panose="020B0609020204030204" pitchFamily="49" charset="0"/>
-                <a:cs typeface="Consolas" panose="020B0609020204030204" pitchFamily="49" charset="0"/>
-              </a:rPr>
-              <a:t>initialization</a:t>
-            </a:r>
-            <a:endParaRPr lang="it-IT" dirty="0" smtClean="0">
-              <a:latin typeface="Consolas" panose="020B0609020204030204" pitchFamily="49" charset="0"/>
-              <a:cs typeface="Consolas" panose="020B0609020204030204" pitchFamily="49" charset="0"/>
-            </a:endParaRPr>
-          </a:p>
-          <a:p>
-            <a:pPr marL="0" indent="0">
-              <a:buNone/>
-            </a:pPr>
-            <a:endParaRPr lang="it-IT" dirty="0">
-              <a:latin typeface="Consolas" panose="020B0609020204030204" pitchFamily="49" charset="0"/>
-              <a:cs typeface="Consolas" panose="020B0609020204030204" pitchFamily="49" charset="0"/>
-            </a:endParaRPr>
-          </a:p>
-          <a:p>
-            <a:pPr marL="0" indent="0">
-              <a:buNone/>
-            </a:pPr>
-            <a:r>
-              <a:rPr lang="it-IT" dirty="0" smtClean="0">
-                <a:latin typeface="Consolas" panose="020B0609020204030204" pitchFamily="49" charset="0"/>
-                <a:cs typeface="Consolas" panose="020B0609020204030204" pitchFamily="49" charset="0"/>
-              </a:rPr>
-              <a:t>auto&amp; </a:t>
-            </a:r>
-            <a:r>
-              <a:rPr lang="it-IT" dirty="0" err="1" smtClean="0">
-                <a:latin typeface="Consolas" panose="020B0609020204030204" pitchFamily="49" charset="0"/>
-                <a:cs typeface="Consolas" panose="020B0609020204030204" pitchFamily="49" charset="0"/>
-              </a:rPr>
-              <a:t>sRef</a:t>
-            </a:r>
-            <a:r>
-              <a:rPr lang="it-IT" dirty="0" smtClean="0">
-                <a:latin typeface="Consolas" panose="020B0609020204030204" pitchFamily="49" charset="0"/>
-                <a:cs typeface="Consolas" panose="020B0609020204030204" pitchFamily="49" charset="0"/>
-              </a:rPr>
-              <a:t> = s;</a:t>
-            </a:r>
-            <a:endParaRPr lang="it-IT" dirty="0">
-              <a:latin typeface="Consolas" panose="020B0609020204030204" pitchFamily="49" charset="0"/>
-              <a:cs typeface="Consolas" panose="020B0609020204030204" pitchFamily="49" charset="0"/>
-            </a:endParaRPr>
-          </a:p>
-          <a:p>
-            <a:pPr marL="0" indent="0">
-              <a:buNone/>
-            </a:pPr>
-            <a:endParaRPr lang="it-IT" dirty="0" smtClean="0">
-              <a:latin typeface="Consolas" panose="020B0609020204030204" pitchFamily="49" charset="0"/>
-              <a:cs typeface="Consolas" panose="020B0609020204030204" pitchFamily="49" charset="0"/>
-            </a:endParaRPr>
-          </a:p>
-          <a:p>
-            <a:pPr marL="0" indent="0">
-              <a:buNone/>
-            </a:pPr>
-            <a:r>
-              <a:rPr lang="it-IT" dirty="0" err="1" smtClean="0">
-                <a:latin typeface="Consolas" panose="020B0609020204030204" pitchFamily="49" charset="0"/>
-                <a:cs typeface="Consolas" panose="020B0609020204030204" pitchFamily="49" charset="0"/>
-              </a:rPr>
-              <a:t>vector</a:t>
-            </a:r>
-            <a:r>
-              <a:rPr lang="it-IT" dirty="0" smtClean="0">
-                <a:latin typeface="Consolas" panose="020B0609020204030204" pitchFamily="49" charset="0"/>
-                <a:cs typeface="Consolas" panose="020B0609020204030204" pitchFamily="49" charset="0"/>
-              </a:rPr>
-              <a:t>&lt;</a:t>
-            </a:r>
-            <a:r>
-              <a:rPr lang="it-IT" dirty="0" err="1" smtClean="0">
-                <a:latin typeface="Consolas" panose="020B0609020204030204" pitchFamily="49" charset="0"/>
-                <a:cs typeface="Consolas" panose="020B0609020204030204" pitchFamily="49" charset="0"/>
-              </a:rPr>
-              <a:t>int</a:t>
-            </a:r>
-            <a:r>
-              <a:rPr lang="it-IT" dirty="0" smtClean="0">
-                <a:latin typeface="Consolas" panose="020B0609020204030204" pitchFamily="49" charset="0"/>
-                <a:cs typeface="Consolas" panose="020B0609020204030204" pitchFamily="49" charset="0"/>
-              </a:rPr>
-              <a:t>&gt; v {1, 2, 3, 4, 5}; // </a:t>
-            </a:r>
-            <a:r>
-              <a:rPr lang="it-IT" dirty="0" err="1" smtClean="0">
-                <a:latin typeface="Consolas" panose="020B0609020204030204" pitchFamily="49" charset="0"/>
-                <a:cs typeface="Consolas" panose="020B0609020204030204" pitchFamily="49" charset="0"/>
-              </a:rPr>
-              <a:t>initializer_list</a:t>
-            </a:r>
-            <a:endParaRPr lang="it-IT" dirty="0" smtClean="0">
-              <a:latin typeface="Consolas" panose="020B0609020204030204" pitchFamily="49" charset="0"/>
-              <a:cs typeface="Consolas" panose="020B0609020204030204" pitchFamily="49" charset="0"/>
-            </a:endParaRPr>
-          </a:p>
-          <a:p>
-            <a:pPr marL="0" indent="0">
-              <a:buNone/>
-            </a:pPr>
-            <a:endParaRPr lang="it-IT" dirty="0" smtClean="0">
-              <a:latin typeface="Consolas" panose="020B0609020204030204" pitchFamily="49" charset="0"/>
-              <a:cs typeface="Consolas" panose="020B0609020204030204" pitchFamily="49" charset="0"/>
-            </a:endParaRPr>
-          </a:p>
-          <a:p>
-            <a:pPr marL="0" indent="0">
-              <a:buNone/>
-            </a:pPr>
-            <a:r>
-              <a:rPr lang="it-IT" dirty="0" smtClean="0">
-                <a:latin typeface="Consolas" panose="020B0609020204030204" pitchFamily="49" charset="0"/>
-                <a:cs typeface="Consolas" panose="020B0609020204030204" pitchFamily="49" charset="0"/>
-              </a:rPr>
-              <a:t>auto </a:t>
-            </a:r>
-            <a:r>
-              <a:rPr lang="it-IT" dirty="0" err="1" smtClean="0">
-                <a:latin typeface="Consolas" panose="020B0609020204030204" pitchFamily="49" charset="0"/>
-                <a:cs typeface="Consolas" panose="020B0609020204030204" pitchFamily="49" charset="0"/>
-              </a:rPr>
-              <a:t>it</a:t>
-            </a:r>
-            <a:r>
-              <a:rPr lang="it-IT" dirty="0" smtClean="0">
-                <a:latin typeface="Consolas" panose="020B0609020204030204" pitchFamily="49" charset="0"/>
-                <a:cs typeface="Consolas" panose="020B0609020204030204" pitchFamily="49" charset="0"/>
-              </a:rPr>
-              <a:t> = </a:t>
-            </a:r>
-            <a:r>
-              <a:rPr lang="it-IT" dirty="0" err="1" smtClean="0">
-                <a:latin typeface="Consolas" panose="020B0609020204030204" pitchFamily="49" charset="0"/>
-                <a:cs typeface="Consolas" panose="020B0609020204030204" pitchFamily="49" charset="0"/>
-              </a:rPr>
-              <a:t>begin</a:t>
-            </a:r>
-            <a:r>
-              <a:rPr lang="it-IT" dirty="0" smtClean="0">
-                <a:latin typeface="Consolas" panose="020B0609020204030204" pitchFamily="49" charset="0"/>
-                <a:cs typeface="Consolas" panose="020B0609020204030204" pitchFamily="49" charset="0"/>
-              </a:rPr>
-              <a:t>(v);</a:t>
-            </a:r>
-          </a:p>
-          <a:p>
-            <a:pPr marL="0" indent="0">
-              <a:buNone/>
-            </a:pPr>
-            <a:endParaRPr lang="it-IT" dirty="0" smtClean="0">
-              <a:latin typeface="Consolas" panose="020B0609020204030204" pitchFamily="49" charset="0"/>
-              <a:cs typeface="Consolas" panose="020B0609020204030204" pitchFamily="49" charset="0"/>
-            </a:endParaRPr>
-          </a:p>
-          <a:p>
-            <a:pPr marL="0" indent="0">
-              <a:buNone/>
-            </a:pPr>
-            <a:r>
-              <a:rPr lang="it-IT" dirty="0" smtClean="0">
-                <a:latin typeface="Consolas" panose="020B0609020204030204" pitchFamily="49" charset="0"/>
-                <a:cs typeface="Consolas" panose="020B0609020204030204" pitchFamily="49" charset="0"/>
-              </a:rPr>
-              <a:t>for (auto i : v) { // </a:t>
-            </a:r>
-            <a:r>
-              <a:rPr lang="it-IT" dirty="0" err="1" smtClean="0">
-                <a:latin typeface="Consolas" panose="020B0609020204030204" pitchFamily="49" charset="0"/>
-                <a:cs typeface="Consolas" panose="020B0609020204030204" pitchFamily="49" charset="0"/>
-              </a:rPr>
-              <a:t>range-based</a:t>
-            </a:r>
-            <a:r>
-              <a:rPr lang="it-IT" dirty="0" smtClean="0">
-                <a:latin typeface="Consolas" panose="020B0609020204030204" pitchFamily="49" charset="0"/>
-                <a:cs typeface="Consolas" panose="020B0609020204030204" pitchFamily="49" charset="0"/>
-              </a:rPr>
-              <a:t> for </a:t>
-            </a:r>
-            <a:r>
-              <a:rPr lang="it-IT" dirty="0" err="1" smtClean="0">
-                <a:latin typeface="Consolas" panose="020B0609020204030204" pitchFamily="49" charset="0"/>
-                <a:cs typeface="Consolas" panose="020B0609020204030204" pitchFamily="49" charset="0"/>
-              </a:rPr>
-              <a:t>loop</a:t>
-            </a:r>
-            <a:endParaRPr lang="it-IT" dirty="0" smtClean="0">
-              <a:latin typeface="Consolas" panose="020B0609020204030204" pitchFamily="49" charset="0"/>
-              <a:cs typeface="Consolas" panose="020B0609020204030204" pitchFamily="49" charset="0"/>
-            </a:endParaRPr>
-          </a:p>
-          <a:p>
-            <a:pPr marL="0" indent="0">
-              <a:buNone/>
-            </a:pPr>
-            <a:r>
-              <a:rPr lang="it-IT" dirty="0" smtClean="0">
-                <a:latin typeface="Consolas" panose="020B0609020204030204" pitchFamily="49" charset="0"/>
-                <a:cs typeface="Consolas" panose="020B0609020204030204" pitchFamily="49" charset="0"/>
-              </a:rPr>
-              <a:t>	</a:t>
-            </a:r>
-            <a:r>
-              <a:rPr lang="it-IT" dirty="0" err="1" smtClean="0">
-                <a:latin typeface="Consolas" panose="020B0609020204030204" pitchFamily="49" charset="0"/>
-                <a:cs typeface="Consolas" panose="020B0609020204030204" pitchFamily="49" charset="0"/>
-              </a:rPr>
-              <a:t>cout</a:t>
-            </a:r>
-            <a:r>
-              <a:rPr lang="it-IT" dirty="0" smtClean="0">
-                <a:latin typeface="Consolas" panose="020B0609020204030204" pitchFamily="49" charset="0"/>
-                <a:cs typeface="Consolas" panose="020B0609020204030204" pitchFamily="49" charset="0"/>
-              </a:rPr>
-              <a:t> &lt;&lt; i &lt;&lt; " "; </a:t>
-            </a:r>
-          </a:p>
-          <a:p>
-            <a:pPr marL="0" indent="0">
-              <a:buNone/>
-            </a:pPr>
-            <a:r>
-              <a:rPr lang="it-IT" dirty="0" smtClean="0">
-                <a:latin typeface="Consolas" panose="020B0609020204030204" pitchFamily="49" charset="0"/>
-                <a:cs typeface="Consolas" panose="020B0609020204030204" pitchFamily="49" charset="0"/>
-              </a:rPr>
-              <a:t>}</a:t>
-            </a:r>
-          </a:p>
-          <a:p>
-            <a:pPr marL="0" indent="0">
-              <a:buNone/>
-            </a:pPr>
-            <a:endParaRPr lang="it-IT" dirty="0" smtClean="0">
-              <a:latin typeface="Consolas" panose="020B0609020204030204" pitchFamily="49" charset="0"/>
-              <a:cs typeface="Consolas" panose="020B0609020204030204" pitchFamily="49" charset="0"/>
-            </a:endParaRPr>
-          </a:p>
-          <a:p>
-            <a:pPr marL="0" indent="0">
-              <a:buNone/>
-            </a:pPr>
-            <a:endParaRPr lang="it-IT" dirty="0">
-              <a:latin typeface="Consolas" panose="020B0609020204030204" pitchFamily="49" charset="0"/>
-              <a:cs typeface="Consolas" panose="020B0609020204030204" pitchFamily="49" charset="0"/>
-            </a:endParaRPr>
+            <a:r>
+              <a:rPr lang="it-IT" dirty="0" smtClean="0"/>
+              <a:t>South Park</a:t>
+            </a:r>
+            <a:endParaRPr lang="it-IT" dirty="0"/>
           </a:p>
         </p:txBody>
       </p:sp>
     </p:spTree>
     <p:extLst>
       <p:ext uri="{BB962C8B-B14F-4D97-AF65-F5344CB8AC3E}">
-        <p14:creationId xmlns:p14="http://schemas.microsoft.com/office/powerpoint/2010/main" val="1700747131"/>
+        <p14:creationId xmlns:p14="http://schemas.microsoft.com/office/powerpoint/2010/main" val="3923801148"/>
       </p:ext>
     </p:extLst>
   </p:cSld>
   <p:clrMapOvr>
     <a:masterClrMapping/>
   </p:clrMapOvr>
-  <mc:AlternateContent xmlns:mc="http://schemas.openxmlformats.org/markup-compatibility/2006">
-    <mc:Choice xmlns:p15="http://schemas.microsoft.com/office/powerpoint/2012/main" Requires="p15">
-      <p:transition xmlns:p14="http://schemas.microsoft.com/office/powerpoint/2010/main" spd="slow" p14:dur="1250">
-        <p15:prstTrans prst="pageCurlDouble"/>
-      </p:transition>
-    </mc:Choice>
-    <mc:Fallback>
-      <p:transition spd="slow">
-        <p:fade/>
-      </p:transition>
-    </mc:Fallback>
-  </mc:AlternateContent>
-  <p:timing>
-    <p:tnLst>
-      <p:par>
-        <p:cTn id="1" dur="indefinite" restart="never" nodeType="tmRoot"/>
-      </p:par>
-    </p:tnLst>
-  </p:timing>
 </p:sld>
 </file>
 
@@ -5051,12 +5603,8 @@
           <a:lstStyle/>
           <a:p>
             <a:r>
-              <a:rPr lang="it-IT" dirty="0" err="1" smtClean="0"/>
-              <a:t>Retrospective</a:t>
-            </a:r>
-            <a:r>
               <a:rPr lang="it-IT" dirty="0" smtClean="0"/>
-              <a:t> 1</a:t>
+              <a:t>Parte 1: Produttività</a:t>
             </a:r>
             <a:endParaRPr lang="it-IT" dirty="0"/>
           </a:p>
@@ -5086,66 +5634,61 @@
             </a:endParaRPr>
           </a:p>
           <a:p>
-            <a:pPr>
-              <a:buFont typeface="Arial" panose="020B0604020202020204" pitchFamily="34" charset="0"/>
-              <a:buChar char="•"/>
-            </a:pPr>
-            <a:r>
-              <a:rPr lang="it-IT" sz="1800" dirty="0" smtClean="0">
-                <a:cs typeface="Consolas" panose="020B0609020204030204" pitchFamily="49" charset="0"/>
-              </a:rPr>
-              <a:t>Ci sono tanti auto da poter mettere in giro...</a:t>
-            </a:r>
-          </a:p>
-          <a:p>
-            <a:pPr>
-              <a:buFont typeface="Arial" panose="020B0604020202020204" pitchFamily="34" charset="0"/>
-              <a:buChar char="•"/>
-            </a:pPr>
-            <a:endParaRPr lang="it-IT" sz="1800" dirty="0" smtClean="0">
-              <a:cs typeface="Consolas" panose="020B0609020204030204" pitchFamily="49" charset="0"/>
-            </a:endParaRPr>
-          </a:p>
-          <a:p>
-            <a:pPr>
-              <a:buFont typeface="Arial" panose="020B0604020202020204" pitchFamily="34" charset="0"/>
-              <a:buChar char="•"/>
-            </a:pPr>
-            <a:r>
-              <a:rPr lang="it-IT" sz="1800" dirty="0" smtClean="0">
-                <a:cs typeface="Consolas" panose="020B0609020204030204" pitchFamily="49" charset="0"/>
-              </a:rPr>
-              <a:t>Esempi di </a:t>
-            </a:r>
-            <a:r>
-              <a:rPr lang="it-IT" sz="1800" dirty="0" err="1" smtClean="0">
-                <a:cs typeface="Consolas" panose="020B0609020204030204" pitchFamily="49" charset="0"/>
-              </a:rPr>
-              <a:t>range-based</a:t>
-            </a:r>
-            <a:r>
-              <a:rPr lang="it-IT" sz="1800" dirty="0" smtClean="0">
-                <a:cs typeface="Consolas" panose="020B0609020204030204" pitchFamily="49" charset="0"/>
-              </a:rPr>
-              <a:t> for </a:t>
-            </a:r>
-            <a:r>
-              <a:rPr lang="it-IT" sz="1800" dirty="0" err="1" smtClean="0">
-                <a:cs typeface="Consolas" panose="020B0609020204030204" pitchFamily="49" charset="0"/>
-              </a:rPr>
-              <a:t>loop</a:t>
-            </a:r>
-            <a:r>
-              <a:rPr lang="it-IT" sz="1800" dirty="0" smtClean="0">
-                <a:cs typeface="Consolas" panose="020B0609020204030204" pitchFamily="49" charset="0"/>
-              </a:rPr>
-              <a:t>:</a:t>
-            </a:r>
-          </a:p>
-          <a:p>
             <a:pPr marL="0" indent="0">
               <a:buNone/>
             </a:pPr>
+            <a:r>
+              <a:rPr lang="it-IT" dirty="0" smtClean="0">
+                <a:latin typeface="Consolas" panose="020B0609020204030204" pitchFamily="49" charset="0"/>
+                <a:cs typeface="Consolas" panose="020B0609020204030204" pitchFamily="49" charset="0"/>
+              </a:rPr>
+              <a:t>auto </a:t>
+            </a:r>
+            <a:r>
+              <a:rPr lang="it-IT" dirty="0" err="1" smtClean="0">
+                <a:latin typeface="Consolas" panose="020B0609020204030204" pitchFamily="49" charset="0"/>
+                <a:cs typeface="Consolas" panose="020B0609020204030204" pitchFamily="49" charset="0"/>
+              </a:rPr>
+              <a:t>anInt</a:t>
+            </a:r>
+            <a:r>
+              <a:rPr lang="it-IT" dirty="0" smtClean="0">
+                <a:latin typeface="Consolas" panose="020B0609020204030204" pitchFamily="49" charset="0"/>
+                <a:cs typeface="Consolas" panose="020B0609020204030204" pitchFamily="49" charset="0"/>
+              </a:rPr>
+              <a:t> = 10; // </a:t>
+            </a:r>
+            <a:r>
+              <a:rPr lang="it-IT" b="1" dirty="0" err="1" smtClean="0">
+                <a:solidFill>
+                  <a:schemeClr val="tx1"/>
+                </a:solidFill>
+                <a:latin typeface="Consolas" panose="020B0609020204030204" pitchFamily="49" charset="0"/>
+                <a:cs typeface="Consolas" panose="020B0609020204030204" pitchFamily="49" charset="0"/>
+              </a:rPr>
+              <a:t>auto</a:t>
+            </a:r>
+            <a:r>
+              <a:rPr lang="it-IT" dirty="0" err="1" smtClean="0">
+                <a:latin typeface="Consolas" panose="020B0609020204030204" pitchFamily="49" charset="0"/>
+                <a:cs typeface="Consolas" panose="020B0609020204030204" pitchFamily="49" charset="0"/>
+              </a:rPr>
+              <a:t>matic</a:t>
+            </a:r>
+            <a:r>
+              <a:rPr lang="it-IT" dirty="0" smtClean="0">
+                <a:latin typeface="Consolas" panose="020B0609020204030204" pitchFamily="49" charset="0"/>
+                <a:cs typeface="Consolas" panose="020B0609020204030204" pitchFamily="49" charset="0"/>
+              </a:rPr>
+              <a:t> </a:t>
+            </a:r>
+            <a:r>
+              <a:rPr lang="it-IT" dirty="0" err="1" smtClean="0">
+                <a:latin typeface="Consolas" panose="020B0609020204030204" pitchFamily="49" charset="0"/>
+                <a:cs typeface="Consolas" panose="020B0609020204030204" pitchFamily="49" charset="0"/>
+              </a:rPr>
+              <a:t>type-inference</a:t>
+            </a:r>
             <a:endParaRPr lang="it-IT" dirty="0" smtClean="0">
               <a:latin typeface="Consolas" panose="020B0609020204030204" pitchFamily="49" charset="0"/>
               <a:cs typeface="Consolas" panose="020B0609020204030204" pitchFamily="49" charset="0"/>
@@ -5155,142 +5698,59 @@
             <a:pPr marL="0" indent="0">
               <a:buNone/>
             </a:pPr>
-            <a:r>
-              <a:rPr lang="it-IT" dirty="0" smtClean="0">
-                <a:latin typeface="Consolas" panose="020B0609020204030204" pitchFamily="49" charset="0"/>
-                <a:cs typeface="Consolas" panose="020B0609020204030204" pitchFamily="49" charset="0"/>
-              </a:rPr>
-              <a:t>for </a:t>
-            </a:r>
-            <a:r>
-              <a:rPr lang="it-IT" dirty="0">
-                <a:latin typeface="Consolas" panose="020B0609020204030204" pitchFamily="49" charset="0"/>
-                <a:cs typeface="Consolas" panose="020B0609020204030204" pitchFamily="49" charset="0"/>
-              </a:rPr>
-              <a:t>(</a:t>
-            </a:r>
-            <a:r>
-              <a:rPr lang="it-IT" dirty="0" err="1">
-                <a:latin typeface="Consolas" panose="020B0609020204030204" pitchFamily="49" charset="0"/>
-                <a:cs typeface="Consolas" panose="020B0609020204030204" pitchFamily="49" charset="0"/>
-              </a:rPr>
-              <a:t>size_t</a:t>
-            </a:r>
-            <a:r>
-              <a:rPr lang="it-IT" dirty="0">
-                <a:latin typeface="Consolas" panose="020B0609020204030204" pitchFamily="49" charset="0"/>
-                <a:cs typeface="Consolas" panose="020B0609020204030204" pitchFamily="49" charset="0"/>
-              </a:rPr>
-              <a:t> i = 0u; i &lt; </a:t>
-            </a:r>
-            <a:r>
-              <a:rPr lang="it-IT" dirty="0" err="1">
-                <a:latin typeface="Consolas" panose="020B0609020204030204" pitchFamily="49" charset="0"/>
-                <a:cs typeface="Consolas" panose="020B0609020204030204" pitchFamily="49" charset="0"/>
-              </a:rPr>
-              <a:t>dice.size</a:t>
-            </a:r>
-            <a:r>
-              <a:rPr lang="it-IT" dirty="0">
-                <a:latin typeface="Consolas" panose="020B0609020204030204" pitchFamily="49" charset="0"/>
-                <a:cs typeface="Consolas" panose="020B0609020204030204" pitchFamily="49" charset="0"/>
-              </a:rPr>
-              <a:t>(); ++i</a:t>
-            </a:r>
-            <a:r>
-              <a:rPr lang="it-IT" dirty="0" smtClean="0">
-                <a:latin typeface="Consolas" panose="020B0609020204030204" pitchFamily="49" charset="0"/>
-                <a:cs typeface="Consolas" panose="020B0609020204030204" pitchFamily="49" charset="0"/>
-              </a:rPr>
-              <a:t>)</a:t>
-            </a:r>
-            <a:r>
-              <a:rPr lang="it-IT" dirty="0">
-                <a:latin typeface="Consolas" panose="020B0609020204030204" pitchFamily="49" charset="0"/>
-                <a:cs typeface="Consolas" panose="020B0609020204030204" pitchFamily="49" charset="0"/>
-              </a:rPr>
-              <a:t>	{</a:t>
-            </a:r>
+            <a:endParaRPr lang="it-IT" dirty="0" smtClean="0">
+              <a:latin typeface="Consolas" panose="020B0609020204030204" pitchFamily="49" charset="0"/>
+              <a:cs typeface="Consolas" panose="020B0609020204030204" pitchFamily="49" charset="0"/>
+            </a:endParaRPr>
           </a:p>
           <a:p>
             <a:pPr marL="0" indent="0">
               <a:buNone/>
             </a:pPr>
             <a:r>
-              <a:rPr lang="it-IT" dirty="0">
-                <a:latin typeface="Consolas" panose="020B0609020204030204" pitchFamily="49" charset="0"/>
-                <a:cs typeface="Consolas" panose="020B0609020204030204" pitchFamily="49" charset="0"/>
-              </a:rPr>
-              <a:t>	</a:t>
+              <a:rPr lang="it-IT" dirty="0" err="1" smtClean="0">
+                <a:latin typeface="Consolas" panose="020B0609020204030204" pitchFamily="49" charset="0"/>
+                <a:cs typeface="Consolas" panose="020B0609020204030204" pitchFamily="49" charset="0"/>
+              </a:rPr>
+              <a:t>string</a:t>
             </a:r>
             <a:r>
               <a:rPr lang="it-IT" dirty="0" smtClean="0">
                 <a:latin typeface="Consolas" panose="020B0609020204030204" pitchFamily="49" charset="0"/>
                 <a:cs typeface="Consolas" panose="020B0609020204030204" pitchFamily="49" charset="0"/>
               </a:rPr>
-              <a:t>dice[i</a:t>
-            </a:r>
-            <a:r>
-              <a:rPr lang="it-IT" dirty="0">
-                <a:latin typeface="Consolas" panose="020B0609020204030204" pitchFamily="49" charset="0"/>
-                <a:cs typeface="Consolas" panose="020B0609020204030204" pitchFamily="49" charset="0"/>
-              </a:rPr>
-              <a:t>].</a:t>
-            </a:r>
-            <a:r>
-              <a:rPr lang="it-IT" dirty="0" err="1">
-                <a:latin typeface="Consolas" panose="020B0609020204030204" pitchFamily="49" charset="0"/>
-                <a:cs typeface="Consolas" panose="020B0609020204030204" pitchFamily="49" charset="0"/>
-              </a:rPr>
-              <a:t>value</a:t>
-            </a:r>
-            <a:r>
-              <a:rPr lang="it-IT" dirty="0">
-                <a:latin typeface="Consolas" panose="020B0609020204030204" pitchFamily="49" charset="0"/>
-                <a:cs typeface="Consolas" panose="020B0609020204030204" pitchFamily="49" charset="0"/>
-              </a:rPr>
-              <a:t> = </a:t>
-            </a:r>
-            <a:r>
-              <a:rPr lang="it-IT" dirty="0" err="1">
-                <a:latin typeface="Consolas" panose="020B0609020204030204" pitchFamily="49" charset="0"/>
-                <a:cs typeface="Consolas" panose="020B0609020204030204" pitchFamily="49" charset="0"/>
-              </a:rPr>
-              <a:t>rdist</a:t>
-            </a:r>
-            <a:r>
-              <a:rPr lang="it-IT" dirty="0">
-                <a:latin typeface="Consolas" panose="020B0609020204030204" pitchFamily="49" charset="0"/>
-                <a:cs typeface="Consolas" panose="020B0609020204030204" pitchFamily="49" charset="0"/>
-              </a:rPr>
-              <a:t>(</a:t>
-            </a:r>
-            <a:r>
-              <a:rPr lang="it-IT" dirty="0" err="1">
-                <a:latin typeface="Consolas" panose="020B0609020204030204" pitchFamily="49" charset="0"/>
-                <a:cs typeface="Consolas" panose="020B0609020204030204" pitchFamily="49" charset="0"/>
-              </a:rPr>
-              <a:t>rengine</a:t>
-            </a:r>
-            <a:r>
-              <a:rPr lang="it-IT" dirty="0">
-                <a:latin typeface="Consolas" panose="020B0609020204030204" pitchFamily="49" charset="0"/>
-                <a:cs typeface="Consolas" panose="020B0609020204030204" pitchFamily="49" charset="0"/>
-              </a:rPr>
-              <a:t>);</a:t>
-            </a:r>
+              <a:t> s {"hello C++11"}; // </a:t>
+            </a:r>
+            <a:r>
+              <a:rPr lang="it-IT" dirty="0" err="1" smtClean="0">
+                <a:latin typeface="Consolas" panose="020B0609020204030204" pitchFamily="49" charset="0"/>
+                <a:cs typeface="Consolas" panose="020B0609020204030204" pitchFamily="49" charset="0"/>
+              </a:rPr>
+              <a:t>uniform</a:t>
+            </a:r>
+            <a:r>
+              <a:rPr lang="it-IT" dirty="0" smtClean="0">
+                <a:latin typeface="Consolas" panose="020B0609020204030204" pitchFamily="49" charset="0"/>
+                <a:cs typeface="Consolas" panose="020B0609020204030204" pitchFamily="49" charset="0"/>
+              </a:rPr>
+              <a:t> </a:t>
+            </a:r>
+            <a:r>
+              <a:rPr lang="it-IT" dirty="0" err="1" smtClean="0">
+                <a:latin typeface="Consolas" panose="020B0609020204030204" pitchFamily="49" charset="0"/>
+                <a:cs typeface="Consolas" panose="020B0609020204030204" pitchFamily="49" charset="0"/>
+              </a:rPr>
+              <a:t>initialization</a:t>
+            </a:r>
+            <a:endParaRPr lang="it-IT" dirty="0" smtClean="0">
+              <a:latin typeface="Consolas" panose="020B0609020204030204" pitchFamily="49" charset="0"/>
+              <a:cs typeface="Consolas" panose="020B0609020204030204" pitchFamily="49" charset="0"/>
+            </a:endParaRPr>
           </a:p>
           <a:p>
             <a:pPr marL="0" indent="0">
               <a:buNone/>
             </a:pPr>
-            <a:r>
-              <a:rPr lang="it-IT" dirty="0" smtClean="0">
-                <a:latin typeface="Consolas" panose="020B0609020204030204" pitchFamily="49" charset="0"/>
-                <a:cs typeface="Consolas" panose="020B0609020204030204" pitchFamily="49" charset="0"/>
-              </a:rPr>
-              <a:t>}</a:t>
-            </a:r>
             <a:endParaRPr lang="it-IT" dirty="0">
               <a:latin typeface="Consolas" panose="020B0609020204030204" pitchFamily="49" charset="0"/>
               <a:cs typeface="Consolas" panose="020B0609020204030204" pitchFamily="49" charset="0"/>
@@ -5300,6 +5760,27 @@
             <a:pPr marL="0" indent="0">
               <a:buNone/>
             </a:pPr>
+            <a:r>
+              <a:rPr lang="it-IT" dirty="0" smtClean="0">
+                <a:latin typeface="Consolas" panose="020B0609020204030204" pitchFamily="49" charset="0"/>
+                <a:cs typeface="Consolas" panose="020B0609020204030204" pitchFamily="49" charset="0"/>
+              </a:rPr>
+              <a:t>auto&amp; </a:t>
+            </a:r>
+            <a:r>
+              <a:rPr lang="it-IT" dirty="0" err="1" smtClean="0">
+                <a:latin typeface="Consolas" panose="020B0609020204030204" pitchFamily="49" charset="0"/>
+                <a:cs typeface="Consolas" panose="020B0609020204030204" pitchFamily="49" charset="0"/>
+              </a:rPr>
+              <a:t>sRef</a:t>
+            </a:r>
+            <a:r>
+              <a:rPr lang="it-IT" dirty="0" smtClean="0">
+                <a:latin typeface="Consolas" panose="020B0609020204030204" pitchFamily="49" charset="0"/>
+                <a:cs typeface="Consolas" panose="020B0609020204030204" pitchFamily="49" charset="0"/>
+              </a:rPr>
+              <a:t> = s;</a:t>
+            </a:r>
             <a:endParaRPr lang="it-IT" dirty="0">
               <a:latin typeface="Consolas" panose="020B0609020204030204" pitchFamily="49" charset="0"/>
               <a:cs typeface="Consolas" panose="020B0609020204030204" pitchFamily="49" charset="0"/>
@@ -5309,21 +5790,7 @@
             <a:pPr marL="0" indent="0">
               <a:buNone/>
             </a:pPr>
-            <a:r>
-              <a:rPr lang="it-IT" sz="1800" dirty="0" smtClean="0">
-                <a:cs typeface="Consolas" panose="020B0609020204030204" pitchFamily="49" charset="0"/>
-              </a:rPr>
-              <a:t>Diventa:</a:t>
-            </a:r>
-            <a:endParaRPr lang="it-IT" sz="1800" dirty="0">
-              <a:cs typeface="Consolas" panose="020B0609020204030204" pitchFamily="49" charset="0"/>
-            </a:endParaRPr>
-          </a:p>
-          <a:p>
-            <a:pPr marL="0" indent="0">
-              <a:buNone/>
-            </a:pPr>
-            <a:endParaRPr lang="it-IT" dirty="0">
+            <a:endParaRPr lang="it-IT" dirty="0" smtClean="0">
               <a:latin typeface="Consolas" panose="020B0609020204030204" pitchFamily="49" charset="0"/>
               <a:cs typeface="Consolas" panose="020B0609020204030204" pitchFamily="49" charset="0"/>
             </a:endParaRPr>
@@ -5333,27 +5800,41 @@
               <a:buNone/>
             </a:pPr>
             <a:r>
+              <a:rPr lang="it-IT" dirty="0" err="1" smtClean="0">
+                <a:latin typeface="Consolas" panose="020B0609020204030204" pitchFamily="49" charset="0"/>
+                <a:cs typeface="Consolas" panose="020B0609020204030204" pitchFamily="49" charset="0"/>
+              </a:rPr>
+              <a:t>vector</a:t>
+            </a:r>
+            <a:r>
               <a:rPr lang="it-IT" dirty="0" smtClean="0">
                 <a:latin typeface="Consolas" panose="020B0609020204030204" pitchFamily="49" charset="0"/>
                 <a:cs typeface="Consolas" panose="020B0609020204030204" pitchFamily="49" charset="0"/>
               </a:rPr>
-              <a:t>for </a:t>
-            </a:r>
-            <a:r>
-              <a:rPr lang="it-IT" dirty="0">
-                <a:latin typeface="Consolas" panose="020B0609020204030204" pitchFamily="49" charset="0"/>
-                <a:cs typeface="Consolas" panose="020B0609020204030204" pitchFamily="49" charset="0"/>
-              </a:rPr>
-              <a:t>(auto&amp; die : dice</a:t>
+              <a:t>&lt;</a:t>
+            </a:r>
+            <a:r>
+              <a:rPr lang="it-IT" dirty="0" err="1" smtClean="0">
+                <a:latin typeface="Consolas" panose="020B0609020204030204" pitchFamily="49" charset="0"/>
+                <a:cs typeface="Consolas" panose="020B0609020204030204" pitchFamily="49" charset="0"/>
+              </a:rPr>
+              <a:t>int</a:t>
             </a:r>
             <a:r>
               <a:rPr lang="it-IT" dirty="0" smtClean="0">
                 <a:latin typeface="Consolas" panose="020B0609020204030204" pitchFamily="49" charset="0"/>
                 <a:cs typeface="Consolas" panose="020B0609020204030204" pitchFamily="49" charset="0"/>
               </a:rPr>
-              <a:t>) {</a:t>
-            </a:r>
-            <a:endParaRPr lang="it-IT" dirty="0">
+              <a:t>&gt; v {1, 2, 3, 4, 5}; // </a:t>
+            </a:r>
+            <a:r>
+              <a:rPr lang="it-IT" dirty="0" err="1" smtClean="0">
+                <a:latin typeface="Consolas" panose="020B0609020204030204" pitchFamily="49" charset="0"/>
+                <a:cs typeface="Consolas" panose="020B0609020204030204" pitchFamily="49" charset="0"/>
+              </a:rPr>
+              <a:t>initializer_list</a:t>
+            </a:r>
+            <a:endParaRPr lang="it-IT" dirty="0" smtClean="0">
               <a:latin typeface="Consolas" panose="020B0609020204030204" pitchFamily="49" charset="0"/>
               <a:cs typeface="Consolas" panose="020B0609020204030204" pitchFamily="49" charset="0"/>
             </a:endParaRPr>
@@ -5362,55 +5843,10 @@
             <a:pPr marL="0" indent="0">
               <a:buNone/>
             </a:pPr>
-            <a:r>
-              <a:rPr lang="it-IT" dirty="0">
-                <a:latin typeface="Consolas" panose="020B0609020204030204" pitchFamily="49" charset="0"/>
-                <a:cs typeface="Consolas" panose="020B0609020204030204" pitchFamily="49" charset="0"/>
-              </a:rPr>
-              <a:t>	</a:t>
-            </a:r>
-            <a:r>
-              <a:rPr lang="it-IT" dirty="0" err="1">
-                <a:latin typeface="Consolas" panose="020B0609020204030204" pitchFamily="49" charset="0"/>
-                <a:cs typeface="Consolas" panose="020B0609020204030204" pitchFamily="49" charset="0"/>
-              </a:rPr>
-              <a:t>die.value</a:t>
-            </a:r>
-            <a:r>
-              <a:rPr lang="it-IT" dirty="0">
-                <a:latin typeface="Consolas" panose="020B0609020204030204" pitchFamily="49" charset="0"/>
-                <a:cs typeface="Consolas" panose="020B0609020204030204" pitchFamily="49" charset="0"/>
-              </a:rPr>
-              <a:t> = </a:t>
-            </a:r>
-            <a:r>
-              <a:rPr lang="it-IT" dirty="0" err="1">
-                <a:latin typeface="Consolas" panose="020B0609020204030204" pitchFamily="49" charset="0"/>
-                <a:cs typeface="Consolas" panose="020B0609020204030204" pitchFamily="49" charset="0"/>
-              </a:rPr>
-              <a:t>rdist</a:t>
-            </a:r>
-            <a:r>
-              <a:rPr lang="it-IT" dirty="0">
-                <a:latin typeface="Consolas" panose="020B0609020204030204" pitchFamily="49" charset="0"/>
-                <a:cs typeface="Consolas" panose="020B0609020204030204" pitchFamily="49" charset="0"/>
-              </a:rPr>
-              <a:t>(</a:t>
-            </a:r>
-            <a:r>
-              <a:rPr lang="it-IT" dirty="0" err="1">
-                <a:latin typeface="Consolas" panose="020B0609020204030204" pitchFamily="49" charset="0"/>
-                <a:cs typeface="Consolas" panose="020B0609020204030204" pitchFamily="49" charset="0"/>
-              </a:rPr>
-              <a:t>rengine</a:t>
-            </a:r>
-            <a:r>
-              <a:rPr lang="it-IT" dirty="0">
-                <a:latin typeface="Consolas" panose="020B0609020204030204" pitchFamily="49" charset="0"/>
-                <a:cs typeface="Consolas" panose="020B0609020204030204" pitchFamily="49" charset="0"/>
-              </a:rPr>
-              <a:t>);</a:t>
-            </a:r>
+            <a:endParaRPr lang="it-IT" dirty="0" smtClean="0">
+              <a:latin typeface="Consolas" panose="020B0609020204030204" pitchFamily="49" charset="0"/>
+              <a:cs typeface="Consolas" panose="020B0609020204030204" pitchFamily="49" charset="0"/>
+            </a:endParaRPr>
           </a:p>
           <a:p>
             <a:pPr marL="0" indent="0">
@@ -5421,8 +5857,134 @@
                 <a:latin typeface="Consolas" panose="020B0609020204030204" pitchFamily="49" charset="0"/>
                 <a:cs typeface="Consolas" panose="020B0609020204030204" pitchFamily="49" charset="0"/>
               </a:rPr>
+              <a:t>auto </a:t>
+            </a:r>
+            <a:r>
+              <a:rPr lang="it-IT" dirty="0" err="1" smtClean="0">
+                <a:latin typeface="Consolas" panose="020B0609020204030204" pitchFamily="49" charset="0"/>
+                <a:cs typeface="Consolas" panose="020B0609020204030204" pitchFamily="49" charset="0"/>
+              </a:rPr>
+              <a:t>it</a:t>
+            </a:r>
+            <a:r>
+              <a:rPr lang="it-IT" dirty="0" smtClean="0">
+                <a:latin typeface="Consolas" panose="020B0609020204030204" pitchFamily="49" charset="0"/>
+                <a:cs typeface="Consolas" panose="020B0609020204030204" pitchFamily="49" charset="0"/>
+              </a:rPr>
+              <a:t> = </a:t>
+            </a:r>
+            <a:r>
+              <a:rPr lang="it-IT" dirty="0" err="1" smtClean="0">
+                <a:latin typeface="Consolas" panose="020B0609020204030204" pitchFamily="49" charset="0"/>
+                <a:cs typeface="Consolas" panose="020B0609020204030204" pitchFamily="49" charset="0"/>
+              </a:rPr>
+              <a:t>begin</a:t>
+            </a:r>
+            <a:r>
+              <a:rPr lang="it-IT" dirty="0" smtClean="0">
+                <a:latin typeface="Consolas" panose="020B0609020204030204" pitchFamily="49" charset="0"/>
+                <a:cs typeface="Consolas" panose="020B0609020204030204" pitchFamily="49" charset="0"/>
+              </a:rPr>
+              <a:t>(v);</a:t>
+            </a:r>
+          </a:p>
+          <a:p>
+            <a:pPr marL="0" indent="0">
+              <a:buNone/>
+            </a:pPr>
+            <a:endParaRPr lang="it-IT" dirty="0" smtClean="0">
+              <a:latin typeface="Consolas" panose="020B0609020204030204" pitchFamily="49" charset="0"/>
+              <a:cs typeface="Consolas" panose="020B0609020204030204" pitchFamily="49" charset="0"/>
+            </a:endParaRPr>
+          </a:p>
+          <a:p>
+            <a:pPr marL="0" indent="0">
+              <a:buNone/>
+            </a:pPr>
+            <a:r>
+              <a:rPr lang="it-IT" dirty="0" smtClean="0">
+                <a:latin typeface="Consolas" panose="020B0609020204030204" pitchFamily="49" charset="0"/>
+                <a:cs typeface="Consolas" panose="020B0609020204030204" pitchFamily="49" charset="0"/>
+              </a:rPr>
+              <a:t>for (auto i : v) { // </a:t>
+            </a:r>
+            <a:r>
+              <a:rPr lang="it-IT" dirty="0" err="1" smtClean="0">
+                <a:latin typeface="Consolas" panose="020B0609020204030204" pitchFamily="49" charset="0"/>
+                <a:cs typeface="Consolas" panose="020B0609020204030204" pitchFamily="49" charset="0"/>
+              </a:rPr>
+              <a:t>range-based</a:t>
+            </a:r>
+            <a:r>
+              <a:rPr lang="it-IT" dirty="0" smtClean="0">
+                <a:latin typeface="Consolas" panose="020B0609020204030204" pitchFamily="49" charset="0"/>
+                <a:cs typeface="Consolas" panose="020B0609020204030204" pitchFamily="49" charset="0"/>
+              </a:rPr>
+              <a:t> for </a:t>
+            </a:r>
+            <a:r>
+              <a:rPr lang="it-IT" dirty="0" err="1" smtClean="0">
+                <a:latin typeface="Consolas" panose="020B0609020204030204" pitchFamily="49" charset="0"/>
+                <a:cs typeface="Consolas" panose="020B0609020204030204" pitchFamily="49" charset="0"/>
+              </a:rPr>
+              <a:t>loop</a:t>
+            </a:r>
+            <a:endParaRPr lang="it-IT" dirty="0" smtClean="0">
+              <a:latin typeface="Consolas" panose="020B0609020204030204" pitchFamily="49" charset="0"/>
+              <a:cs typeface="Consolas" panose="020B0609020204030204" pitchFamily="49" charset="0"/>
+            </a:endParaRPr>
+          </a:p>
+          <a:p>
+            <a:pPr marL="0" indent="0">
+              <a:buNone/>
+            </a:pPr>
+            <a:r>
+              <a:rPr lang="it-IT" dirty="0" smtClean="0">
+                <a:latin typeface="Consolas" panose="020B0609020204030204" pitchFamily="49" charset="0"/>
+                <a:cs typeface="Consolas" panose="020B0609020204030204" pitchFamily="49" charset="0"/>
+              </a:rPr>
+              <a:t>	</a:t>
+            </a:r>
+            <a:r>
+              <a:rPr lang="it-IT" dirty="0" err="1" smtClean="0">
+                <a:latin typeface="Consolas" panose="020B0609020204030204" pitchFamily="49" charset="0"/>
+                <a:cs typeface="Consolas" panose="020B0609020204030204" pitchFamily="49" charset="0"/>
+              </a:rPr>
+              <a:t>cout</a:t>
+            </a:r>
+            <a:r>
+              <a:rPr lang="it-IT" dirty="0" smtClean="0">
+                <a:latin typeface="Consolas" panose="020B0609020204030204" pitchFamily="49" charset="0"/>
+                <a:cs typeface="Consolas" panose="020B0609020204030204" pitchFamily="49" charset="0"/>
+              </a:rPr>
+              <a:t> &lt;&lt; i &lt;&lt; " "; </a:t>
+            </a:r>
+          </a:p>
+          <a:p>
+            <a:pPr marL="0" indent="0">
+              <a:buNone/>
+            </a:pPr>
+            <a:r>
+              <a:rPr lang="it-IT" dirty="0" smtClean="0">
+                <a:latin typeface="Consolas" panose="020B0609020204030204" pitchFamily="49" charset="0"/>
+                <a:cs typeface="Consolas" panose="020B0609020204030204" pitchFamily="49" charset="0"/>
+              </a:rPr>
               <a:t>}</a:t>
             </a:r>
+          </a:p>
+          <a:p>
+            <a:pPr marL="0" indent="0">
+              <a:buNone/>
+            </a:pPr>
+            <a:endParaRPr lang="it-IT" dirty="0" smtClean="0">
+              <a:latin typeface="Consolas" panose="020B0609020204030204" pitchFamily="49" charset="0"/>
+              <a:cs typeface="Consolas" panose="020B0609020204030204" pitchFamily="49" charset="0"/>
+            </a:endParaRPr>
+          </a:p>
+          <a:p>
+            <a:pPr marL="0" indent="0">
+              <a:buNone/>
+            </a:pPr>
             <a:endParaRPr lang="it-IT" dirty="0">
               <a:latin typeface="Consolas" panose="020B0609020204030204" pitchFamily="49" charset="0"/>
               <a:cs typeface="Consolas" panose="020B0609020204030204" pitchFamily="49" charset="0"/>
@@ -5433,20 +5995,20 @@
     </p:spTree>
     <p:extLst>
       <p:ext uri="{BB962C8B-B14F-4D97-AF65-F5344CB8AC3E}">
-        <p14:creationId xmlns:p14="http://schemas.microsoft.com/office/powerpoint/2010/main" val="2950973894"/>
+        <p14:creationId xmlns:p14="http://schemas.microsoft.com/office/powerpoint/2010/main" val="1700747131"/>
       </p:ext>
     </p:extLst>
   </p:cSld>
   <p:clrMapOvr>
     <a:masterClrMapping/>
   </p:clrMapOvr>
-  <mc:AlternateContent xmlns:mc="http://schemas.openxmlformats.org/markup-compatibility/2006">
-    <mc:Choice xmlns:p15="http://schemas.microsoft.com/office/powerpoint/2012/main" Requires="p15">
+  <mc:AlternateContent xmlns:mc="http://schemas.openxmlformats.org/markup-compatibility/2006" xmlns:p15="http://schemas.microsoft.com/office/powerpoint/2012/main">
+    <mc:Choice Requires="p15">
       <p:transition xmlns:p14="http://schemas.microsoft.com/office/powerpoint/2010/main" spd="slow" p14:dur="1250">
-        <p15:prstTrans prst="peelOff"/>
+        <p15:prstTrans prst="pageCurlDouble"/>
       </p:transition>
     </mc:Choice>
-    <mc:Fallback>
+    <mc:Fallback xmlns="">
       <p:transition spd="slow">
         <p:fade/>
       </p:transition>
@@ -5495,6 +6057,450 @@
           <a:lstStyle/>
           <a:p>
             <a:r>
+              <a:rPr lang="it-IT" dirty="0" err="1" smtClean="0"/>
+              <a:t>Retrospective</a:t>
+            </a:r>
+            <a:r>
+              <a:rPr lang="it-IT" dirty="0" smtClean="0"/>
+              <a:t> 1</a:t>
+            </a:r>
+            <a:endParaRPr lang="it-IT" dirty="0"/>
+          </a:p>
+        </p:txBody>
+      </p:sp>
+      <p:sp>
+        <p:nvSpPr>
+          <p:cNvPr id="3" name="Segnaposto contenuto 2"/>
+          <p:cNvSpPr>
+            <a:spLocks noGrp="1"/>
+          </p:cNvSpPr>
+          <p:nvPr>
+            <p:ph idx="1"/>
+          </p:nvPr>
+        </p:nvSpPr>
+        <p:spPr/>
+        <p:txBody>
+          <a:bodyPr/>
+          <a:lstStyle/>
+          <a:p>
+            <a:pPr marL="0" indent="0">
+              <a:buNone/>
+            </a:pPr>
+            <a:endParaRPr lang="it-IT" dirty="0" smtClean="0">
+              <a:latin typeface="Consolas" panose="020B0609020204030204" pitchFamily="49" charset="0"/>
+              <a:cs typeface="Consolas" panose="020B0609020204030204" pitchFamily="49" charset="0"/>
+            </a:endParaRPr>
+          </a:p>
+          <a:p>
+            <a:pPr>
+              <a:buFont typeface="Arial" panose="020B0604020202020204" pitchFamily="34" charset="0"/>
+              <a:buChar char="•"/>
+            </a:pPr>
+            <a:r>
+              <a:rPr lang="it-IT" sz="1800" dirty="0" smtClean="0">
+                <a:cs typeface="Consolas" panose="020B0609020204030204" pitchFamily="49" charset="0"/>
+              </a:rPr>
+              <a:t>Ci sono tanti auto da poter mettere in giro...</a:t>
+            </a:r>
+          </a:p>
+          <a:p>
+            <a:pPr>
+              <a:buFont typeface="Arial" panose="020B0604020202020204" pitchFamily="34" charset="0"/>
+              <a:buChar char="•"/>
+            </a:pPr>
+            <a:endParaRPr lang="it-IT" sz="1800" dirty="0" smtClean="0">
+              <a:cs typeface="Consolas" panose="020B0609020204030204" pitchFamily="49" charset="0"/>
+            </a:endParaRPr>
+          </a:p>
+          <a:p>
+            <a:pPr>
+              <a:buFont typeface="Arial" panose="020B0604020202020204" pitchFamily="34" charset="0"/>
+              <a:buChar char="•"/>
+            </a:pPr>
+            <a:r>
+              <a:rPr lang="it-IT" sz="1800" dirty="0" smtClean="0">
+                <a:cs typeface="Consolas" panose="020B0609020204030204" pitchFamily="49" charset="0"/>
+              </a:rPr>
+              <a:t>Esempi di </a:t>
+            </a:r>
+            <a:r>
+              <a:rPr lang="it-IT" sz="1800" dirty="0" err="1" smtClean="0">
+                <a:cs typeface="Consolas" panose="020B0609020204030204" pitchFamily="49" charset="0"/>
+              </a:rPr>
+              <a:t>range-based</a:t>
+            </a:r>
+            <a:r>
+              <a:rPr lang="it-IT" sz="1800" dirty="0" smtClean="0">
+                <a:cs typeface="Consolas" panose="020B0609020204030204" pitchFamily="49" charset="0"/>
+              </a:rPr>
+              <a:t> for </a:t>
+            </a:r>
+            <a:r>
+              <a:rPr lang="it-IT" sz="1800" dirty="0" err="1" smtClean="0">
+                <a:cs typeface="Consolas" panose="020B0609020204030204" pitchFamily="49" charset="0"/>
+              </a:rPr>
+              <a:t>loop</a:t>
+            </a:r>
+            <a:r>
+              <a:rPr lang="it-IT" sz="1800" dirty="0" smtClean="0">
+                <a:cs typeface="Consolas" panose="020B0609020204030204" pitchFamily="49" charset="0"/>
+              </a:rPr>
+              <a:t>:</a:t>
+            </a:r>
+          </a:p>
+          <a:p>
+            <a:pPr marL="0" indent="0">
+              <a:buNone/>
+            </a:pPr>
+            <a:endParaRPr lang="it-IT" dirty="0" smtClean="0">
+              <a:latin typeface="Consolas" panose="020B0609020204030204" pitchFamily="49" charset="0"/>
+              <a:cs typeface="Consolas" panose="020B0609020204030204" pitchFamily="49" charset="0"/>
+            </a:endParaRPr>
+          </a:p>
+          <a:p>
+            <a:pPr marL="0" indent="0">
+              <a:buNone/>
+            </a:pPr>
+            <a:r>
+              <a:rPr lang="it-IT" dirty="0" smtClean="0">
+                <a:latin typeface="Consolas" panose="020B0609020204030204" pitchFamily="49" charset="0"/>
+                <a:cs typeface="Consolas" panose="020B0609020204030204" pitchFamily="49" charset="0"/>
+              </a:rPr>
+              <a:t>for </a:t>
+            </a:r>
+            <a:r>
+              <a:rPr lang="it-IT" dirty="0">
+                <a:latin typeface="Consolas" panose="020B0609020204030204" pitchFamily="49" charset="0"/>
+                <a:cs typeface="Consolas" panose="020B0609020204030204" pitchFamily="49" charset="0"/>
+              </a:rPr>
+              <a:t>(</a:t>
+            </a:r>
+            <a:r>
+              <a:rPr lang="it-IT" dirty="0" err="1">
+                <a:latin typeface="Consolas" panose="020B0609020204030204" pitchFamily="49" charset="0"/>
+                <a:cs typeface="Consolas" panose="020B0609020204030204" pitchFamily="49" charset="0"/>
+              </a:rPr>
+              <a:t>size_t</a:t>
+            </a:r>
+            <a:r>
+              <a:rPr lang="it-IT" dirty="0">
+                <a:latin typeface="Consolas" panose="020B0609020204030204" pitchFamily="49" charset="0"/>
+                <a:cs typeface="Consolas" panose="020B0609020204030204" pitchFamily="49" charset="0"/>
+              </a:rPr>
+              <a:t> i = 0u; i &lt; </a:t>
+            </a:r>
+            <a:r>
+              <a:rPr lang="it-IT" dirty="0" err="1">
+                <a:latin typeface="Consolas" panose="020B0609020204030204" pitchFamily="49" charset="0"/>
+                <a:cs typeface="Consolas" panose="020B0609020204030204" pitchFamily="49" charset="0"/>
+              </a:rPr>
+              <a:t>dice.size</a:t>
+            </a:r>
+            <a:r>
+              <a:rPr lang="it-IT" dirty="0">
+                <a:latin typeface="Consolas" panose="020B0609020204030204" pitchFamily="49" charset="0"/>
+                <a:cs typeface="Consolas" panose="020B0609020204030204" pitchFamily="49" charset="0"/>
+              </a:rPr>
+              <a:t>(); ++i</a:t>
+            </a:r>
+            <a:r>
+              <a:rPr lang="it-IT" dirty="0" smtClean="0">
+                <a:latin typeface="Consolas" panose="020B0609020204030204" pitchFamily="49" charset="0"/>
+                <a:cs typeface="Consolas" panose="020B0609020204030204" pitchFamily="49" charset="0"/>
+              </a:rPr>
+              <a:t>)</a:t>
+            </a:r>
+            <a:r>
+              <a:rPr lang="it-IT" dirty="0">
+                <a:latin typeface="Consolas" panose="020B0609020204030204" pitchFamily="49" charset="0"/>
+                <a:cs typeface="Consolas" panose="020B0609020204030204" pitchFamily="49" charset="0"/>
+              </a:rPr>
+              <a:t>	{</a:t>
+            </a:r>
+          </a:p>
+          <a:p>
+            <a:pPr marL="0" indent="0">
+              <a:buNone/>
+            </a:pPr>
+            <a:r>
+              <a:rPr lang="it-IT" dirty="0">
+                <a:latin typeface="Consolas" panose="020B0609020204030204" pitchFamily="49" charset="0"/>
+                <a:cs typeface="Consolas" panose="020B0609020204030204" pitchFamily="49" charset="0"/>
+              </a:rPr>
+              <a:t>	</a:t>
+            </a:r>
+            <a:r>
+              <a:rPr lang="it-IT" dirty="0" smtClean="0">
+                <a:latin typeface="Consolas" panose="020B0609020204030204" pitchFamily="49" charset="0"/>
+                <a:cs typeface="Consolas" panose="020B0609020204030204" pitchFamily="49" charset="0"/>
+              </a:rPr>
+              <a:t>dice[i</a:t>
+            </a:r>
+            <a:r>
+              <a:rPr lang="it-IT" dirty="0">
+                <a:latin typeface="Consolas" panose="020B0609020204030204" pitchFamily="49" charset="0"/>
+                <a:cs typeface="Consolas" panose="020B0609020204030204" pitchFamily="49" charset="0"/>
+              </a:rPr>
+              <a:t>].</a:t>
+            </a:r>
+            <a:r>
+              <a:rPr lang="it-IT" dirty="0" err="1">
+                <a:latin typeface="Consolas" panose="020B0609020204030204" pitchFamily="49" charset="0"/>
+                <a:cs typeface="Consolas" panose="020B0609020204030204" pitchFamily="49" charset="0"/>
+              </a:rPr>
+              <a:t>value</a:t>
+            </a:r>
+            <a:r>
+              <a:rPr lang="it-IT" dirty="0">
+                <a:latin typeface="Consolas" panose="020B0609020204030204" pitchFamily="49" charset="0"/>
+                <a:cs typeface="Consolas" panose="020B0609020204030204" pitchFamily="49" charset="0"/>
+              </a:rPr>
+              <a:t> = </a:t>
+            </a:r>
+            <a:r>
+              <a:rPr lang="it-IT" dirty="0" err="1">
+                <a:latin typeface="Consolas" panose="020B0609020204030204" pitchFamily="49" charset="0"/>
+                <a:cs typeface="Consolas" panose="020B0609020204030204" pitchFamily="49" charset="0"/>
+              </a:rPr>
+              <a:t>rdist</a:t>
+            </a:r>
+            <a:r>
+              <a:rPr lang="it-IT" dirty="0">
+                <a:latin typeface="Consolas" panose="020B0609020204030204" pitchFamily="49" charset="0"/>
+                <a:cs typeface="Consolas" panose="020B0609020204030204" pitchFamily="49" charset="0"/>
+              </a:rPr>
+              <a:t>(</a:t>
+            </a:r>
+            <a:r>
+              <a:rPr lang="it-IT" dirty="0" err="1">
+                <a:latin typeface="Consolas" panose="020B0609020204030204" pitchFamily="49" charset="0"/>
+                <a:cs typeface="Consolas" panose="020B0609020204030204" pitchFamily="49" charset="0"/>
+              </a:rPr>
+              <a:t>rengine</a:t>
+            </a:r>
+            <a:r>
+              <a:rPr lang="it-IT" dirty="0">
+                <a:latin typeface="Consolas" panose="020B0609020204030204" pitchFamily="49" charset="0"/>
+                <a:cs typeface="Consolas" panose="020B0609020204030204" pitchFamily="49" charset="0"/>
+              </a:rPr>
+              <a:t>);</a:t>
+            </a:r>
+          </a:p>
+          <a:p>
+            <a:pPr marL="0" indent="0">
+              <a:buNone/>
+            </a:pPr>
+            <a:r>
+              <a:rPr lang="it-IT" dirty="0" smtClean="0">
+                <a:latin typeface="Consolas" panose="020B0609020204030204" pitchFamily="49" charset="0"/>
+                <a:cs typeface="Consolas" panose="020B0609020204030204" pitchFamily="49" charset="0"/>
+              </a:rPr>
+              <a:t>}</a:t>
+            </a:r>
+            <a:endParaRPr lang="it-IT" dirty="0">
+              <a:latin typeface="Consolas" panose="020B0609020204030204" pitchFamily="49" charset="0"/>
+              <a:cs typeface="Consolas" panose="020B0609020204030204" pitchFamily="49" charset="0"/>
+            </a:endParaRPr>
+          </a:p>
+          <a:p>
+            <a:pPr marL="0" indent="0">
+              <a:buNone/>
+            </a:pPr>
+            <a:endParaRPr lang="it-IT" dirty="0">
+              <a:latin typeface="Consolas" panose="020B0609020204030204" pitchFamily="49" charset="0"/>
+              <a:cs typeface="Consolas" panose="020B0609020204030204" pitchFamily="49" charset="0"/>
+            </a:endParaRPr>
+          </a:p>
+          <a:p>
+            <a:pPr marL="0" indent="0">
+              <a:buNone/>
+            </a:pPr>
+            <a:r>
+              <a:rPr lang="it-IT" sz="1800" dirty="0" smtClean="0">
+                <a:cs typeface="Consolas" panose="020B0609020204030204" pitchFamily="49" charset="0"/>
+              </a:rPr>
+              <a:t>Diventa:</a:t>
+            </a:r>
+            <a:endParaRPr lang="it-IT" sz="1800" dirty="0">
+              <a:cs typeface="Consolas" panose="020B0609020204030204" pitchFamily="49" charset="0"/>
+            </a:endParaRPr>
+          </a:p>
+          <a:p>
+            <a:pPr marL="0" indent="0">
+              <a:buNone/>
+            </a:pPr>
+            <a:endParaRPr lang="it-IT" dirty="0">
+              <a:latin typeface="Consolas" panose="020B0609020204030204" pitchFamily="49" charset="0"/>
+              <a:cs typeface="Consolas" panose="020B0609020204030204" pitchFamily="49" charset="0"/>
+            </a:endParaRPr>
+          </a:p>
+          <a:p>
+            <a:pPr marL="0" indent="0">
+              <a:buNone/>
+            </a:pPr>
+            <a:r>
+              <a:rPr lang="it-IT" dirty="0" smtClean="0">
+                <a:latin typeface="Consolas" panose="020B0609020204030204" pitchFamily="49" charset="0"/>
+                <a:cs typeface="Consolas" panose="020B0609020204030204" pitchFamily="49" charset="0"/>
+              </a:rPr>
+              <a:t>for </a:t>
+            </a:r>
+            <a:r>
+              <a:rPr lang="it-IT" dirty="0">
+                <a:latin typeface="Consolas" panose="020B0609020204030204" pitchFamily="49" charset="0"/>
+                <a:cs typeface="Consolas" panose="020B0609020204030204" pitchFamily="49" charset="0"/>
+              </a:rPr>
+              <a:t>(auto&amp; die : dice</a:t>
+            </a:r>
+            <a:r>
+              <a:rPr lang="it-IT" dirty="0" smtClean="0">
+                <a:latin typeface="Consolas" panose="020B0609020204030204" pitchFamily="49" charset="0"/>
+                <a:cs typeface="Consolas" panose="020B0609020204030204" pitchFamily="49" charset="0"/>
+              </a:rPr>
+              <a:t>) {</a:t>
+            </a:r>
+            <a:endParaRPr lang="it-IT" dirty="0">
+              <a:latin typeface="Consolas" panose="020B0609020204030204" pitchFamily="49" charset="0"/>
+              <a:cs typeface="Consolas" panose="020B0609020204030204" pitchFamily="49" charset="0"/>
+            </a:endParaRPr>
+          </a:p>
+          <a:p>
+            <a:pPr marL="0" indent="0">
+              <a:buNone/>
+            </a:pPr>
+            <a:r>
+              <a:rPr lang="it-IT" dirty="0">
+                <a:latin typeface="Consolas" panose="020B0609020204030204" pitchFamily="49" charset="0"/>
+                <a:cs typeface="Consolas" panose="020B0609020204030204" pitchFamily="49" charset="0"/>
+              </a:rPr>
+              <a:t>	</a:t>
+            </a:r>
+            <a:r>
+              <a:rPr lang="it-IT" dirty="0" err="1">
+                <a:latin typeface="Consolas" panose="020B0609020204030204" pitchFamily="49" charset="0"/>
+                <a:cs typeface="Consolas" panose="020B0609020204030204" pitchFamily="49" charset="0"/>
+              </a:rPr>
+              <a:t>die.value</a:t>
+            </a:r>
+            <a:r>
+              <a:rPr lang="it-IT" dirty="0">
+                <a:latin typeface="Consolas" panose="020B0609020204030204" pitchFamily="49" charset="0"/>
+                <a:cs typeface="Consolas" panose="020B0609020204030204" pitchFamily="49" charset="0"/>
+              </a:rPr>
+              <a:t> = </a:t>
+            </a:r>
+            <a:r>
+              <a:rPr lang="it-IT" dirty="0" err="1">
+                <a:latin typeface="Consolas" panose="020B0609020204030204" pitchFamily="49" charset="0"/>
+                <a:cs typeface="Consolas" panose="020B0609020204030204" pitchFamily="49" charset="0"/>
+              </a:rPr>
+              <a:t>rdist</a:t>
+            </a:r>
+            <a:r>
+              <a:rPr lang="it-IT" dirty="0">
+                <a:latin typeface="Consolas" panose="020B0609020204030204" pitchFamily="49" charset="0"/>
+                <a:cs typeface="Consolas" panose="020B0609020204030204" pitchFamily="49" charset="0"/>
+              </a:rPr>
+              <a:t>(</a:t>
+            </a:r>
+            <a:r>
+              <a:rPr lang="it-IT" dirty="0" err="1">
+                <a:latin typeface="Consolas" panose="020B0609020204030204" pitchFamily="49" charset="0"/>
+                <a:cs typeface="Consolas" panose="020B0609020204030204" pitchFamily="49" charset="0"/>
+              </a:rPr>
+              <a:t>rengine</a:t>
+            </a:r>
+            <a:r>
+              <a:rPr lang="it-IT" dirty="0">
+                <a:latin typeface="Consolas" panose="020B0609020204030204" pitchFamily="49" charset="0"/>
+                <a:cs typeface="Consolas" panose="020B0609020204030204" pitchFamily="49" charset="0"/>
+              </a:rPr>
+              <a:t>);</a:t>
+            </a:r>
+          </a:p>
+          <a:p>
+            <a:pPr marL="0" indent="0">
+              <a:buNone/>
+            </a:pPr>
+            <a:r>
+              <a:rPr lang="it-IT" dirty="0" smtClean="0">
+                <a:latin typeface="Consolas" panose="020B0609020204030204" pitchFamily="49" charset="0"/>
+                <a:cs typeface="Consolas" panose="020B0609020204030204" pitchFamily="49" charset="0"/>
+              </a:rPr>
+              <a:t>}</a:t>
+            </a:r>
+            <a:endParaRPr lang="it-IT" dirty="0">
+              <a:latin typeface="Consolas" panose="020B0609020204030204" pitchFamily="49" charset="0"/>
+              <a:cs typeface="Consolas" panose="020B0609020204030204" pitchFamily="49" charset="0"/>
+            </a:endParaRPr>
+          </a:p>
+        </p:txBody>
+      </p:sp>
+    </p:spTree>
+    <p:extLst>
+      <p:ext uri="{BB962C8B-B14F-4D97-AF65-F5344CB8AC3E}">
+        <p14:creationId xmlns:p14="http://schemas.microsoft.com/office/powerpoint/2010/main" val="2950973894"/>
+      </p:ext>
+    </p:extLst>
+  </p:cSld>
+  <p:clrMapOvr>
+    <a:masterClrMapping/>
+  </p:clrMapOvr>
+  <mc:AlternateContent xmlns:mc="http://schemas.openxmlformats.org/markup-compatibility/2006" xmlns:p15="http://schemas.microsoft.com/office/powerpoint/2012/main">
+    <mc:Choice Requires="p15">
+      <p:transition xmlns:p14="http://schemas.microsoft.com/office/powerpoint/2010/main" spd="slow" p14:dur="1250">
+        <p15:prstTrans prst="peelOff"/>
+      </p:transition>
+    </mc:Choice>
+    <mc:Fallback xmlns="">
+      <p:transition spd="slow">
+        <p:fade/>
+      </p:transition>
+    </mc:Fallback>
+  </mc:AlternateContent>
+  <p:timing>
+    <p:tnLst>
+      <p:par>
+        <p:cTn id="1" dur="indefinite" restart="never" nodeType="tmRoot"/>
+      </p:par>
+    </p:tnLst>
+  </p:timing>
+</p:sld>
+</file>
+
+<file path=ppt/slides/slide7.xml><?xml version="1.0" encoding="utf-8"?>
+<p:sld xmlns:a="http://schemas.openxmlformats.org/drawingml/2006/main" xmlns:r="http://schemas.openxmlformats.org/officeDocument/2006/relationships" xmlns:p="http://schemas.openxmlformats.org/presentationml/2006/main">
+  <p:cSld>
+    <p:spTree>
+      <p:nvGrpSpPr>
+        <p:cNvPr id="1" name=""/>
+        <p:cNvGrpSpPr/>
+        <p:nvPr/>
+      </p:nvGrpSpPr>
+      <p:grpSpPr>
+        <a:xfrm>
+          <a:off x="0" y="0"/>
+          <a:ext cx="0" cy="0"/>
+          <a:chOff x="0" y="0"/>
+          <a:chExt cx="0" cy="0"/>
+        </a:xfrm>
+      </p:grpSpPr>
+      <p:sp>
+        <p:nvSpPr>
+          <p:cNvPr id="2" name="Titolo 1"/>
+          <p:cNvSpPr>
+            <a:spLocks noGrp="1"/>
+          </p:cNvSpPr>
+          <p:nvPr>
+            <p:ph type="title"/>
+          </p:nvPr>
+        </p:nvSpPr>
+        <p:spPr/>
+        <p:txBody>
+          <a:bodyPr/>
+          <a:lstStyle/>
+          <a:p>
+            <a:r>
               <a:rPr lang="it-IT" dirty="0" smtClean="0"/>
               <a:t>Parte 2: </a:t>
             </a:r>
@@ -5833,7 +6839,7 @@
 </p:sld>
 </file>
 
-<file path=ppt/slides/slide7.xml><?xml version="1.0" encoding="utf-8"?>
+<file path=ppt/slides/slide8.xml><?xml version="1.0" encoding="utf-8"?>
 <p:sld xmlns:a="http://schemas.openxmlformats.org/drawingml/2006/main" xmlns:r="http://schemas.openxmlformats.org/officeDocument/2006/relationships" xmlns:p="http://schemas.openxmlformats.org/presentationml/2006/main">
   <p:cSld>
     <p:spTree>
@@ -7084,7 +8090,7 @@
           <a:p>
             <a:fld id="{95B9100B-4586-474A-AE22-A4912B7A6282}" type="slidenum">
               <a:rPr lang="it-IT" smtClean="0"/>
-              <a:t>7</a:t>
+              <a:t>8</a:t>
             </a:fld>
             <a:endParaRPr lang="it-IT"/>
           </a:p>
@@ -7228,13 +8234,13 @@
   <p:clrMapOvr>
     <a:masterClrMapping/>
   </p:clrMapOvr>
-  <mc:AlternateContent xmlns:mc="http://schemas.openxmlformats.org/markup-compatibility/2006">
-    <mc:Choice xmlns:p14="http://schemas.microsoft.com/office/powerpoint/2010/main" Requires="p14">
+  <mc:AlternateContent xmlns:mc="http://schemas.openxmlformats.org/markup-compatibility/2006" xmlns:p14="http://schemas.microsoft.com/office/powerpoint/2010/main">
+    <mc:Choice Requires="p14">
       <p:transition spd="med" p14:dur="700">
         <p:fade/>
       </p:transition>
     </mc:Choice>
-    <mc:Fallback>
+    <mc:Fallback xmlns="">
       <p:transition spd="med">
         <p:fade/>
       </p:transition>
@@ -8071,7 +9077,7 @@
 </p:sld>
 </file>
 
-<file path=ppt/slides/slide8.xml><?xml version="1.0" encoding="utf-8"?>
+<file path=ppt/slides/slide9.xml><?xml version="1.0" encoding="utf-8"?>
 <p:sld xmlns:a="http://schemas.openxmlformats.org/drawingml/2006/main" xmlns:r="http://schemas.openxmlformats.org/officeDocument/2006/relationships" xmlns:p="http://schemas.openxmlformats.org/presentationml/2006/main">
   <p:cSld>
     <p:spTree>
@@ -8949,7 +9955,7 @@
           <a:p>
             <a:fld id="{95B9100B-4586-474A-AE22-A4912B7A6282}" type="slidenum">
               <a:rPr lang="it-IT" smtClean="0"/>
-              <a:t>8</a:t>
+              <a:t>9</a:t>
             </a:fld>
             <a:endParaRPr lang="it-IT"/>
           </a:p>
@@ -9001,13 +10007,13 @@
   <p:clrMapOvr>
     <a:masterClrMapping/>
   </p:clrMapOvr>
-  <mc:AlternateContent xmlns:mc="http://schemas.openxmlformats.org/markup-compatibility/2006">
-    <mc:Choice xmlns:p14="http://schemas.microsoft.com/office/powerpoint/2010/main" Requires="p14">
+  <mc:AlternateContent xmlns:mc="http://schemas.openxmlformats.org/markup-compatibility/2006" xmlns:p14="http://schemas.microsoft.com/office/powerpoint/2010/main">
+    <mc:Choice Requires="p14">
       <p:transition spd="med" p14:dur="700">
         <p:fade/>
       </p:transition>
     </mc:Choice>
-    <mc:Fallback>
+    <mc:Fallback xmlns="">
       <p:transition spd="med">
         <p:fade/>
       </p:transition>
@@ -9231,890 +10237,6 @@
     </p:tnLst>
     <p:bldLst>
       <p:bldP spid="11" grpId="0" animBg="1"/>
-    </p:bldLst>
-  </p:timing>
-</p:sld>
-</file>
-
-<file path=ppt/slides/slide9.xml><?xml version="1.0" encoding="utf-8"?>
-<p:sld xmlns:a="http://schemas.openxmlformats.org/drawingml/2006/main" xmlns:r="http://schemas.openxmlformats.org/officeDocument/2006/relationships" xmlns:p="http://schemas.openxmlformats.org/presentationml/2006/main">
-  <p:cSld>
-    <p:spTree>
-      <p:nvGrpSpPr>
-        <p:cNvPr id="1" name=""/>
-        <p:cNvGrpSpPr/>
-        <p:nvPr/>
-      </p:nvGrpSpPr>
-      <p:grpSpPr>
-        <a:xfrm>
-          <a:off x="0" y="0"/>
-          <a:ext cx="0" cy="0"/>
-          <a:chOff x="0" y="0"/>
-          <a:chExt cx="0" cy="0"/>
-        </a:xfrm>
-      </p:grpSpPr>
-      <p:sp>
-        <p:nvSpPr>
-          <p:cNvPr id="3" name="Segnaposto contenuto 2"/>
-          <p:cNvSpPr>
-            <a:spLocks noGrp="1"/>
-          </p:cNvSpPr>
-          <p:nvPr>
-            <p:ph idx="1"/>
-          </p:nvPr>
-        </p:nvSpPr>
-        <p:spPr>
-          <a:xfrm>
-            <a:off x="828384" y="1767215"/>
-            <a:ext cx="7787208" cy="3394914"/>
-          </a:xfrm>
-        </p:spPr>
-        <p:txBody>
-          <a:bodyPr>
-            <a:normAutofit/>
-          </a:bodyPr>
-          <a:lstStyle/>
-          <a:p>
-            <a:pPr marL="0" indent="0">
-              <a:lnSpc>
-                <a:spcPct val="80000"/>
-              </a:lnSpc>
-              <a:buNone/>
-            </a:pPr>
-            <a:endParaRPr lang="en-US" sz="1050" dirty="0">
-              <a:solidFill>
-                <a:srgbClr val="0000FF"/>
-              </a:solidFill>
-              <a:latin typeface="Consolas"/>
-            </a:endParaRPr>
-          </a:p>
-          <a:p>
-            <a:pPr marL="0" indent="0">
-              <a:lnSpc>
-                <a:spcPct val="80000"/>
-              </a:lnSpc>
-              <a:buNone/>
-            </a:pPr>
-            <a:r>
-              <a:rPr lang="en-US" sz="1800" dirty="0" err="1">
-                <a:solidFill>
-                  <a:srgbClr val="0000FF"/>
-                </a:solidFill>
-                <a:latin typeface="Consolas"/>
-              </a:rPr>
-              <a:t>IWidget</a:t>
-            </a:r>
-            <a:r>
-              <a:rPr lang="en-US" sz="1800" dirty="0">
-                <a:solidFill>
-                  <a:prstClr val="black"/>
-                </a:solidFill>
-                <a:latin typeface="Consolas"/>
-              </a:rPr>
-              <a:t>* </a:t>
-            </a:r>
-            <a:r>
-              <a:rPr lang="en-US" sz="1800" dirty="0" err="1">
-                <a:solidFill>
-                  <a:srgbClr val="880000"/>
-                </a:solidFill>
-                <a:latin typeface="Consolas"/>
-              </a:rPr>
-              <a:t>CreateWidget</a:t>
-            </a:r>
-            <a:r>
-              <a:rPr lang="en-US" sz="1800" dirty="0">
-                <a:solidFill>
-                  <a:prstClr val="black"/>
-                </a:solidFill>
-                <a:latin typeface="Consolas"/>
-              </a:rPr>
-              <a:t>()</a:t>
-            </a:r>
-          </a:p>
-          <a:p>
-            <a:pPr marL="0" indent="0">
-              <a:lnSpc>
-                <a:spcPct val="80000"/>
-              </a:lnSpc>
-              <a:buNone/>
-            </a:pPr>
-            <a:r>
-              <a:rPr lang="en-US" sz="1800" dirty="0">
-                <a:solidFill>
-                  <a:prstClr val="black"/>
-                </a:solidFill>
-                <a:latin typeface="Consolas"/>
-              </a:rPr>
-              <a:t>{</a:t>
-            </a:r>
-          </a:p>
-          <a:p>
-            <a:pPr marL="0" indent="0">
-              <a:lnSpc>
-                <a:spcPct val="80000"/>
-              </a:lnSpc>
-              <a:buNone/>
-            </a:pPr>
-            <a:r>
-              <a:rPr lang="en-US" sz="1800" dirty="0">
-                <a:solidFill>
-                  <a:srgbClr val="0000FF"/>
-                </a:solidFill>
-                <a:latin typeface="Consolas"/>
-              </a:rPr>
-              <a:t>	return</a:t>
-            </a:r>
-            <a:r>
-              <a:rPr lang="en-US" sz="1800" dirty="0">
-                <a:solidFill>
-                  <a:prstClr val="black"/>
-                </a:solidFill>
-                <a:latin typeface="Consolas"/>
-              </a:rPr>
-              <a:t> </a:t>
-            </a:r>
-            <a:r>
-              <a:rPr lang="en-US" sz="1800" dirty="0">
-                <a:solidFill>
-                  <a:srgbClr val="0000FF"/>
-                </a:solidFill>
-                <a:latin typeface="Consolas"/>
-              </a:rPr>
-              <a:t>new</a:t>
-            </a:r>
-            <a:r>
-              <a:rPr lang="en-US" sz="1800" dirty="0">
-                <a:solidFill>
-                  <a:prstClr val="black"/>
-                </a:solidFill>
-                <a:latin typeface="Consolas"/>
-              </a:rPr>
-              <a:t> </a:t>
-            </a:r>
-            <a:r>
-              <a:rPr lang="en-US" sz="1800" dirty="0">
-                <a:solidFill>
-                  <a:srgbClr val="0000FF"/>
-                </a:solidFill>
-                <a:latin typeface="Consolas"/>
-              </a:rPr>
-              <a:t>Widget</a:t>
-            </a:r>
-            <a:r>
-              <a:rPr lang="en-US" sz="1800" dirty="0">
-                <a:solidFill>
-                  <a:prstClr val="black"/>
-                </a:solidFill>
-                <a:latin typeface="Consolas"/>
-              </a:rPr>
-              <a:t>{800, 600, </a:t>
-            </a:r>
-            <a:r>
-              <a:rPr lang="en-US" sz="1800" dirty="0">
-                <a:solidFill>
-                  <a:srgbClr val="0000FF"/>
-                </a:solidFill>
-                <a:latin typeface="Consolas"/>
-              </a:rPr>
-              <a:t>true</a:t>
-            </a:r>
-            <a:r>
-              <a:rPr lang="en-US" sz="1800" dirty="0">
-                <a:solidFill>
-                  <a:prstClr val="black"/>
-                </a:solidFill>
-                <a:latin typeface="Consolas"/>
-              </a:rPr>
-              <a:t>};</a:t>
-            </a:r>
-            <a:endParaRPr lang="en-US" sz="1800" dirty="0">
-              <a:solidFill>
-                <a:prstClr val="black"/>
-              </a:solidFill>
-              <a:latin typeface="Consolas"/>
-            </a:endParaRPr>
-          </a:p>
-          <a:p>
-            <a:pPr marL="0" indent="0">
-              <a:lnSpc>
-                <a:spcPct val="80000"/>
-              </a:lnSpc>
-              <a:buNone/>
-            </a:pPr>
-            <a:r>
-              <a:rPr lang="en-US" sz="1800" dirty="0" smtClean="0">
-                <a:solidFill>
-                  <a:prstClr val="black"/>
-                </a:solidFill>
-                <a:latin typeface="Consolas"/>
-              </a:rPr>
-              <a:t>}</a:t>
-            </a:r>
-            <a:endParaRPr lang="en-US" sz="1800" dirty="0">
-              <a:solidFill>
-                <a:prstClr val="black"/>
-              </a:solidFill>
-              <a:latin typeface="Consolas"/>
-            </a:endParaRPr>
-          </a:p>
-          <a:p>
-            <a:pPr marL="0" indent="0">
-              <a:lnSpc>
-                <a:spcPct val="80000"/>
-              </a:lnSpc>
-              <a:buNone/>
-            </a:pPr>
-            <a:endParaRPr lang="en-US" sz="1800" dirty="0" smtClean="0">
-              <a:solidFill>
-                <a:prstClr val="black"/>
-              </a:solidFill>
-              <a:latin typeface="Consolas"/>
-            </a:endParaRPr>
-          </a:p>
-          <a:p>
-            <a:pPr marL="0" indent="0">
-              <a:lnSpc>
-                <a:spcPct val="80000"/>
-              </a:lnSpc>
-              <a:buNone/>
-            </a:pPr>
-            <a:endParaRPr lang="en-US" sz="1800" dirty="0">
-              <a:solidFill>
-                <a:prstClr val="black"/>
-              </a:solidFill>
-              <a:latin typeface="Consolas"/>
-            </a:endParaRPr>
-          </a:p>
-          <a:p>
-            <a:pPr marL="0" indent="0">
-              <a:lnSpc>
-                <a:spcPct val="80000"/>
-              </a:lnSpc>
-              <a:buNone/>
-            </a:pPr>
-            <a:r>
-              <a:rPr lang="en-US" sz="1800" dirty="0">
-                <a:solidFill>
-                  <a:srgbClr val="0000FF"/>
-                </a:solidFill>
-                <a:latin typeface="Consolas"/>
-              </a:rPr>
-              <a:t>auto</a:t>
-            </a:r>
-            <a:r>
-              <a:rPr lang="en-US" sz="1800" dirty="0">
-                <a:solidFill>
-                  <a:prstClr val="black"/>
-                </a:solidFill>
-                <a:latin typeface="Consolas"/>
-              </a:rPr>
-              <a:t> </a:t>
-            </a:r>
-            <a:r>
-              <a:rPr lang="en-US" sz="1800" dirty="0">
-                <a:solidFill>
-                  <a:srgbClr val="000080"/>
-                </a:solidFill>
-                <a:latin typeface="Consolas"/>
-              </a:rPr>
-              <a:t>w</a:t>
-            </a:r>
-            <a:r>
-              <a:rPr lang="en-US" sz="1800" dirty="0">
-                <a:solidFill>
-                  <a:prstClr val="black"/>
-                </a:solidFill>
-                <a:latin typeface="Consolas"/>
-              </a:rPr>
-              <a:t> = </a:t>
-            </a:r>
-            <a:r>
-              <a:rPr lang="en-US" sz="1800" dirty="0" err="1">
-                <a:solidFill>
-                  <a:srgbClr val="880000"/>
-                </a:solidFill>
-                <a:latin typeface="Consolas"/>
-              </a:rPr>
-              <a:t>CreateWidget</a:t>
-            </a:r>
-            <a:r>
-              <a:rPr lang="en-US" sz="1800" dirty="0">
-                <a:solidFill>
-                  <a:prstClr val="black"/>
-                </a:solidFill>
-                <a:latin typeface="Consolas"/>
-              </a:rPr>
-              <a:t>();</a:t>
-            </a:r>
-          </a:p>
-          <a:p>
-            <a:pPr marL="0" indent="0">
-              <a:lnSpc>
-                <a:spcPct val="80000"/>
-              </a:lnSpc>
-              <a:buNone/>
-            </a:pPr>
-            <a:r>
-              <a:rPr lang="en-US" sz="1800" dirty="0">
-                <a:solidFill>
-                  <a:srgbClr val="000080"/>
-                </a:solidFill>
-                <a:latin typeface="Consolas"/>
-              </a:rPr>
-              <a:t>w</a:t>
-            </a:r>
-            <a:r>
-              <a:rPr lang="en-US" sz="1800" dirty="0">
-                <a:solidFill>
-                  <a:prstClr val="black"/>
-                </a:solidFill>
-                <a:latin typeface="Consolas"/>
-              </a:rPr>
-              <a:t>-&gt;</a:t>
-            </a:r>
-            <a:r>
-              <a:rPr lang="en-US" sz="1800" dirty="0">
-                <a:solidFill>
-                  <a:srgbClr val="880000"/>
-                </a:solidFill>
-                <a:latin typeface="Consolas"/>
-              </a:rPr>
-              <a:t>Draw</a:t>
-            </a:r>
-            <a:r>
-              <a:rPr lang="en-US" sz="1800" dirty="0">
-                <a:solidFill>
-                  <a:prstClr val="black"/>
-                </a:solidFill>
-                <a:latin typeface="Consolas"/>
-              </a:rPr>
-              <a:t>();</a:t>
-            </a:r>
-          </a:p>
-          <a:p>
-            <a:pPr marL="0" indent="0">
-              <a:lnSpc>
-                <a:spcPct val="80000"/>
-              </a:lnSpc>
-              <a:buNone/>
-            </a:pPr>
-            <a:r>
-              <a:rPr lang="en-US" sz="1800" dirty="0">
-                <a:solidFill>
-                  <a:srgbClr val="0000FF"/>
-                </a:solidFill>
-                <a:latin typeface="Consolas"/>
-              </a:rPr>
-              <a:t>delete</a:t>
-            </a:r>
-            <a:r>
-              <a:rPr lang="en-US" sz="1800" dirty="0">
-                <a:solidFill>
-                  <a:prstClr val="black"/>
-                </a:solidFill>
-                <a:latin typeface="Consolas"/>
-              </a:rPr>
-              <a:t> </a:t>
-            </a:r>
-            <a:r>
-              <a:rPr lang="en-US" sz="1800" dirty="0">
-                <a:solidFill>
-                  <a:srgbClr val="000080"/>
-                </a:solidFill>
-                <a:latin typeface="Consolas"/>
-              </a:rPr>
-              <a:t>w</a:t>
-            </a:r>
-            <a:r>
-              <a:rPr lang="en-US" sz="1800" dirty="0">
-                <a:solidFill>
-                  <a:prstClr val="black"/>
-                </a:solidFill>
-                <a:latin typeface="Consolas"/>
-              </a:rPr>
-              <a:t>;</a:t>
-            </a:r>
-          </a:p>
-        </p:txBody>
-      </p:sp>
-      <p:sp>
-        <p:nvSpPr>
-          <p:cNvPr id="4" name="Rettangolo arrotondato 3"/>
-          <p:cNvSpPr/>
-          <p:nvPr/>
-        </p:nvSpPr>
-        <p:spPr>
-          <a:xfrm>
-            <a:off x="807720" y="4540414"/>
-            <a:ext cx="1223826" cy="324078"/>
-          </a:xfrm>
-          <a:prstGeom prst="roundRect">
-            <a:avLst/>
-          </a:prstGeom>
-          <a:solidFill>
-            <a:schemeClr val="accent6">
-              <a:alpha val="70000"/>
-            </a:schemeClr>
-          </a:solidFill>
-          <a:ln>
-            <a:solidFill>
-              <a:schemeClr val="accent6"/>
-            </a:solidFill>
-          </a:ln>
-        </p:spPr>
-        <p:style>
-          <a:lnRef idx="2">
-            <a:schemeClr val="accent1">
-              <a:shade val="50000"/>
-            </a:schemeClr>
-          </a:lnRef>
-          <a:fillRef idx="1">
-            <a:schemeClr val="accent1"/>
-          </a:fillRef>
-          <a:effectRef idx="0">
-            <a:schemeClr val="accent1"/>
-          </a:effectRef>
-          <a:fontRef idx="minor">
-            <a:schemeClr val="lt1"/>
-          </a:fontRef>
-        </p:style>
-        <p:txBody>
-          <a:bodyPr rtlCol="0" anchor="ctr"/>
-          <a:lstStyle/>
-          <a:p>
-            <a:pPr algn="ctr"/>
-            <a:endParaRPr lang="it-IT" sz="1350" dirty="0">
-              <a:latin typeface="Consolas" panose="020B0609020204030204" pitchFamily="49" charset="0"/>
-              <a:cs typeface="Consolas" panose="020B0609020204030204" pitchFamily="49" charset="0"/>
-            </a:endParaRPr>
-          </a:p>
-        </p:txBody>
-      </p:sp>
-      <p:sp>
-        <p:nvSpPr>
-          <p:cNvPr id="5" name="Rectangular Callout 4"/>
-          <p:cNvSpPr/>
-          <p:nvPr/>
-        </p:nvSpPr>
-        <p:spPr>
-          <a:xfrm>
-            <a:off x="3613837" y="4376901"/>
-            <a:ext cx="4320480" cy="486117"/>
-          </a:xfrm>
-          <a:prstGeom prst="wedgeRectCallout">
-            <a:avLst>
-              <a:gd name="adj1" fmla="val -84184"/>
-              <a:gd name="adj2" fmla="val -38326"/>
-            </a:avLst>
-          </a:prstGeom>
-          <a:solidFill>
-            <a:schemeClr val="accent6">
-              <a:lumMod val="60000"/>
-              <a:lumOff val="40000"/>
-            </a:schemeClr>
-          </a:solidFill>
-          <a:ln>
-            <a:solidFill>
-              <a:schemeClr val="accent6"/>
-            </a:solidFill>
-          </a:ln>
-        </p:spPr>
-        <p:style>
-          <a:lnRef idx="2">
-            <a:schemeClr val="accent1">
-              <a:shade val="50000"/>
-            </a:schemeClr>
-          </a:lnRef>
-          <a:fillRef idx="1">
-            <a:schemeClr val="accent1"/>
-          </a:fillRef>
-          <a:effectRef idx="0">
-            <a:schemeClr val="accent1"/>
-          </a:effectRef>
-          <a:fontRef idx="minor">
-            <a:schemeClr val="lt1"/>
-          </a:fontRef>
-        </p:style>
-        <p:txBody>
-          <a:bodyPr rtlCol="0" anchor="ctr"/>
-          <a:lstStyle/>
-          <a:p>
-            <a:pPr algn="ctr"/>
-            <a:r>
-              <a:rPr lang="it-IT" sz="2700" i="1" dirty="0" err="1">
-                <a:latin typeface="Consolas" pitchFamily="49" charset="0"/>
-                <a:cs typeface="Consolas" pitchFamily="49" charset="0"/>
-              </a:rPr>
-              <a:t>throw</a:t>
-            </a:r>
-            <a:r>
-              <a:rPr lang="it-IT" sz="2700" i="1" dirty="0">
-                <a:latin typeface="Consolas" pitchFamily="49" charset="0"/>
-                <a:cs typeface="Consolas" pitchFamily="49" charset="0"/>
-              </a:rPr>
-              <a:t> </a:t>
-            </a:r>
-            <a:r>
-              <a:rPr lang="it-IT" sz="2700" i="1" dirty="0" err="1">
-                <a:latin typeface="Consolas" pitchFamily="49" charset="0"/>
-                <a:cs typeface="Consolas" pitchFamily="49" charset="0"/>
-              </a:rPr>
-              <a:t>exception</a:t>
-            </a:r>
-            <a:endParaRPr lang="en-US" sz="2700" i="1" dirty="0">
-              <a:latin typeface="Consolas" pitchFamily="49" charset="0"/>
-              <a:cs typeface="Consolas" pitchFamily="49" charset="0"/>
-            </a:endParaRPr>
-          </a:p>
-        </p:txBody>
-      </p:sp>
-      <p:sp>
-        <p:nvSpPr>
-          <p:cNvPr id="2" name="Segnaposto numero diapositiva 1"/>
-          <p:cNvSpPr>
-            <a:spLocks noGrp="1"/>
-          </p:cNvSpPr>
-          <p:nvPr>
-            <p:ph type="sldNum" sz="quarter" idx="4294967295"/>
-          </p:nvPr>
-        </p:nvSpPr>
-        <p:spPr>
-          <a:xfrm>
-            <a:off x="8469631" y="5486670"/>
-            <a:ext cx="685800" cy="445352"/>
-          </a:xfrm>
-          <a:prstGeom prst="rect">
-            <a:avLst/>
-          </a:prstGeom>
-        </p:spPr>
-        <p:txBody>
-          <a:bodyPr>
-            <a:normAutofit/>
-          </a:bodyPr>
-          <a:lstStyle/>
-          <a:p>
-            <a:fld id="{95B9100B-4586-474A-AE22-A4912B7A6282}" type="slidenum">
-              <a:rPr lang="it-IT" smtClean="0"/>
-              <a:t>9</a:t>
-            </a:fld>
-            <a:endParaRPr lang="it-IT"/>
-          </a:p>
-        </p:txBody>
-      </p:sp>
-      <p:pic>
-        <p:nvPicPr>
-          <p:cNvPr id="8" name="Picture 4" descr="http://1.bp.blogspot.com/-pxLDcW71ugw/UA3_vzn79YI/AAAAAAAABGM/zGXqKmhNfnY/s1600/tumblr_m6x6baGOYs1rugtvpo1_250.gif"/>
-          <p:cNvPicPr>
-            <a:picLocks noChangeAspect="1" noChangeArrowheads="1" noCrop="1"/>
-          </p:cNvPicPr>
-          <p:nvPr/>
-        </p:nvPicPr>
-        <p:blipFill>
-          <a:blip r:embed="rId2">
-            <a:extLst>
-              <a:ext uri="{28A0092B-C50C-407E-A947-70E740481C1C}">
-                <a14:useLocalDpi xmlns:a14="http://schemas.microsoft.com/office/drawing/2010/main" val="0"/>
-              </a:ext>
-            </a:extLst>
-          </a:blip>
-          <a:srcRect/>
-          <a:stretch>
-            <a:fillRect/>
-          </a:stretch>
-        </p:blipFill>
-        <p:spPr bwMode="auto">
-          <a:xfrm>
-            <a:off x="5774077" y="1933207"/>
-            <a:ext cx="2303692" cy="1824149"/>
-          </a:xfrm>
-          <a:prstGeom prst="rect">
-            <a:avLst/>
-          </a:prstGeom>
-          <a:noFill/>
-          <a:extLst>
-            <a:ext uri="{909E8E84-426E-40DD-AFC4-6F175D3DCCD1}">
-              <a14:hiddenFill xmlns:a14="http://schemas.microsoft.com/office/drawing/2010/main">
-                <a:solidFill>
-                  <a:srgbClr val="FFFFFF"/>
-                </a:solidFill>
-              </a14:hiddenFill>
-            </a:ext>
-          </a:extLst>
-        </p:spPr>
-      </p:pic>
-      <p:sp>
-        <p:nvSpPr>
-          <p:cNvPr id="9" name="Titolo 1"/>
-          <p:cNvSpPr>
-            <a:spLocks noGrp="1"/>
-          </p:cNvSpPr>
-          <p:nvPr>
-            <p:ph type="title"/>
-          </p:nvPr>
-        </p:nvSpPr>
-        <p:spPr>
-          <a:xfrm>
-            <a:off x="822960" y="135178"/>
-            <a:ext cx="7543800" cy="1048247"/>
-          </a:xfrm>
-        </p:spPr>
-        <p:txBody>
-          <a:bodyPr/>
-          <a:lstStyle/>
-          <a:p>
-            <a:r>
-              <a:rPr lang="it-IT" dirty="0"/>
-              <a:t>Parte 2: </a:t>
-            </a:r>
-            <a:r>
-              <a:rPr lang="it-IT" dirty="0" err="1"/>
-              <a:t>Ownership</a:t>
-            </a:r>
-            <a:r>
-              <a:rPr lang="it-IT" dirty="0"/>
-              <a:t> &amp; </a:t>
-            </a:r>
-            <a:r>
-              <a:rPr lang="it-IT" dirty="0" err="1"/>
-              <a:t>Lifetime</a:t>
-            </a:r>
-            <a:endParaRPr lang="it-IT" dirty="0"/>
-          </a:p>
-        </p:txBody>
-      </p:sp>
-    </p:spTree>
-    <p:extLst>
-      <p:ext uri="{BB962C8B-B14F-4D97-AF65-F5344CB8AC3E}">
-        <p14:creationId xmlns:p14="http://schemas.microsoft.com/office/powerpoint/2010/main" val="947650000"/>
-      </p:ext>
-    </p:extLst>
-  </p:cSld>
-  <p:clrMapOvr>
-    <a:masterClrMapping/>
-  </p:clrMapOvr>
-  <mc:AlternateContent xmlns:mc="http://schemas.openxmlformats.org/markup-compatibility/2006">
-    <mc:Choice xmlns:p14="http://schemas.microsoft.com/office/powerpoint/2010/main" Requires="p14">
-      <p:transition spd="slow" p14:dur="2000">
-        <p14:prism isContent="1"/>
-      </p:transition>
-    </mc:Choice>
-    <mc:Fallback>
-      <p:transition spd="slow">
-        <p:fade/>
-      </p:transition>
-    </mc:Fallback>
-  </mc:AlternateContent>
-  <p:timing>
-    <p:tnLst>
-      <p:par>
-        <p:cTn id="1" dur="indefinite" restart="never" nodeType="tmRoot">
-          <p:childTnLst>
-            <p:seq concurrent="1" nextAc="seek">
-              <p:cTn id="2" dur="indefinite" nodeType="mainSeq">
-                <p:childTnLst>
-                  <p:par>
-                    <p:cTn id="3" fill="hold">
-                      <p:stCondLst>
-                        <p:cond delay="indefinite"/>
-                      </p:stCondLst>
-                      <p:childTnLst>
-                        <p:par>
-                          <p:cTn id="4" fill="hold">
-                            <p:stCondLst>
-                              <p:cond delay="0"/>
-                            </p:stCondLst>
-                            <p:childTnLst>
-                              <p:par>
-                                <p:cTn id="5" presetID="1" presetClass="entr" presetSubtype="0" fill="hold" grpId="0" nodeType="clickEffect">
-                                  <p:stCondLst>
-                                    <p:cond delay="0"/>
-                                  </p:stCondLst>
-                                  <p:childTnLst>
-                                    <p:set>
-                                      <p:cBhvr>
-                                        <p:cTn id="6" dur="1" fill="hold">
-                                          <p:stCondLst>
-                                            <p:cond delay="0"/>
-                                          </p:stCondLst>
-                                        </p:cTn>
-                                        <p:tgtEl>
-                                          <p:spTgt spid="5"/>
-                                        </p:tgtEl>
-                                        <p:attrNameLst>
-                                          <p:attrName>style.visibility</p:attrName>
-                                        </p:attrNameLst>
-                                      </p:cBhvr>
-                                      <p:to>
-                                        <p:strVal val="visible"/>
-                                      </p:to>
-                                    </p:set>
-                                  </p:childTnLst>
-                                </p:cTn>
-                              </p:par>
-                            </p:childTnLst>
-                          </p:cTn>
-                        </p:par>
-                        <p:par>
-                          <p:cTn id="7" fill="hold">
-                            <p:stCondLst>
-                              <p:cond delay="0"/>
-                            </p:stCondLst>
-                            <p:childTnLst>
-                              <p:par>
-                                <p:cTn id="8" presetID="10" presetClass="entr" presetSubtype="0" fill="hold" grpId="0" nodeType="afterEffect">
-                                  <p:stCondLst>
-                                    <p:cond delay="0"/>
-                                  </p:stCondLst>
-                                  <p:childTnLst>
-                                    <p:set>
-                                      <p:cBhvr>
-                                        <p:cTn id="9" dur="1" fill="hold">
-                                          <p:stCondLst>
-                                            <p:cond delay="0"/>
-                                          </p:stCondLst>
-                                        </p:cTn>
-                                        <p:tgtEl>
-                                          <p:spTgt spid="4"/>
-                                        </p:tgtEl>
-                                        <p:attrNameLst>
-                                          <p:attrName>style.visibility</p:attrName>
-                                        </p:attrNameLst>
-                                      </p:cBhvr>
-                                      <p:to>
-                                        <p:strVal val="visible"/>
-                                      </p:to>
-                                    </p:set>
-                                    <p:animEffect transition="in" filter="fade">
-                                      <p:cBhvr>
-                                        <p:cTn id="10" dur="500"/>
-                                        <p:tgtEl>
-                                          <p:spTgt spid="4"/>
-                                        </p:tgtEl>
-                                      </p:cBhvr>
-                                    </p:animEffect>
-                                  </p:childTnLst>
-                                </p:cTn>
-                              </p:par>
-                            </p:childTnLst>
-                          </p:cTn>
-                        </p:par>
-                      </p:childTnLst>
-                    </p:cTn>
-                  </p:par>
-                  <p:par>
-                    <p:cTn id="11" fill="hold">
-                      <p:stCondLst>
-                        <p:cond delay="indefinite"/>
-                      </p:stCondLst>
-                      <p:childTnLst>
-                        <p:par>
-                          <p:cTn id="12" fill="hold">
-                            <p:stCondLst>
-                              <p:cond delay="0"/>
-                            </p:stCondLst>
-                            <p:childTnLst>
-                              <p:par>
-                                <p:cTn id="13" presetID="10" presetClass="entr" presetSubtype="0" fill="hold" nodeType="clickEffect">
-                                  <p:stCondLst>
-                                    <p:cond delay="0"/>
-                                  </p:stCondLst>
-                                  <p:childTnLst>
-                                    <p:set>
-                                      <p:cBhvr>
-                                        <p:cTn id="14" dur="1" fill="hold">
-                                          <p:stCondLst>
-                                            <p:cond delay="0"/>
-                                          </p:stCondLst>
-                                        </p:cTn>
-                                        <p:tgtEl>
-                                          <p:spTgt spid="8"/>
-                                        </p:tgtEl>
-                                        <p:attrNameLst>
-                                          <p:attrName>style.visibility</p:attrName>
-                                        </p:attrNameLst>
-                                      </p:cBhvr>
-                                      <p:to>
-                                        <p:strVal val="visible"/>
-                                      </p:to>
-                                    </p:set>
-                                    <p:animEffect transition="in" filter="fade">
-                                      <p:cBhvr>
-                                        <p:cTn id="15" dur="500"/>
-                                        <p:tgtEl>
-                                          <p:spTgt spid="8"/>
-                                        </p:tgtEl>
-                                      </p:cBhvr>
-                                    </p:animEffect>
-                                  </p:childTnLst>
-                                </p:cTn>
-                              </p:par>
-                              <p:par>
-                                <p:cTn id="16" presetID="10" presetClass="exit" presetSubtype="0" fill="hold" grpId="1" nodeType="withEffect">
-                                  <p:stCondLst>
-                                    <p:cond delay="0"/>
-                                  </p:stCondLst>
-                                  <p:childTnLst>
-                                    <p:animEffect transition="out" filter="fade">
-                                      <p:cBhvr>
-                                        <p:cTn id="17" dur="500"/>
-                                        <p:tgtEl>
-                                          <p:spTgt spid="5"/>
-                                        </p:tgtEl>
-                                      </p:cBhvr>
-                                    </p:animEffect>
-                                    <p:set>
-                                      <p:cBhvr>
-                                        <p:cTn id="18" dur="1" fill="hold">
-                                          <p:stCondLst>
-                                            <p:cond delay="499"/>
-                                          </p:stCondLst>
-                                        </p:cTn>
-                                        <p:tgtEl>
-                                          <p:spTgt spid="5"/>
-                                        </p:tgtEl>
-                                        <p:attrNameLst>
-                                          <p:attrName>style.visibility</p:attrName>
-                                        </p:attrNameLst>
-                                      </p:cBhvr>
-                                      <p:to>
-                                        <p:strVal val="hidden"/>
-                                      </p:to>
-                                    </p:set>
-                                  </p:childTnLst>
-                                </p:cTn>
-                              </p:par>
-                            </p:childTnLst>
-                          </p:cTn>
-                        </p:par>
-                      </p:childTnLst>
-                    </p:cTn>
-                  </p:par>
-                </p:childTnLst>
-              </p:cTn>
-              <p:prevCondLst>
-                <p:cond evt="onPrev" delay="0">
-                  <p:tgtEl>
-                    <p:sldTgt/>
-                  </p:tgtEl>
-                </p:cond>
-              </p:prevCondLst>
-              <p:nextCondLst>
-                <p:cond evt="onNext" delay="0">
-                  <p:tgtEl>
-                    <p:sldTgt/>
-                  </p:tgtEl>
-                </p:cond>
-              </p:nextCondLst>
-            </p:seq>
-          </p:childTnLst>
-        </p:cTn>
-      </p:par>
-    </p:tnLst>
-    <p:bldLst>
-      <p:bldP spid="4" grpId="0" animBg="1"/>
-      <p:bldP spid="5" grpId="0" animBg="1"/>
-      <p:bldP spid="5" grpId="1" animBg="1"/>
     </p:bldLst>
   </p:timing>
 </p:sld>
